--- a/簡報1.pptx
+++ b/簡報1.pptx
@@ -277,7 +277,7 @@
           <a:p>
             <a:fld id="{4ACAFB6E-CC58-4AF3-B038-D9E53F87F154}" type="datetimeFigureOut">
               <a:rPr lang="zh-TW" altLang="en-US" smtClean="0"/>
-              <a:t>2021/9/28</a:t>
+              <a:t>2021/9/29</a:t>
             </a:fld>
             <a:endParaRPr lang="zh-TW" altLang="en-US"/>
           </a:p>
@@ -445,7 +445,7 @@
           <a:p>
             <a:fld id="{4ACAFB6E-CC58-4AF3-B038-D9E53F87F154}" type="datetimeFigureOut">
               <a:rPr lang="zh-TW" altLang="en-US" smtClean="0"/>
-              <a:t>2021/9/28</a:t>
+              <a:t>2021/9/29</a:t>
             </a:fld>
             <a:endParaRPr lang="zh-TW" altLang="en-US"/>
           </a:p>
@@ -623,7 +623,7 @@
           <a:p>
             <a:fld id="{4ACAFB6E-CC58-4AF3-B038-D9E53F87F154}" type="datetimeFigureOut">
               <a:rPr lang="zh-TW" altLang="en-US" smtClean="0"/>
-              <a:t>2021/9/28</a:t>
+              <a:t>2021/9/29</a:t>
             </a:fld>
             <a:endParaRPr lang="zh-TW" altLang="en-US"/>
           </a:p>
@@ -791,7 +791,7 @@
           <a:p>
             <a:fld id="{4ACAFB6E-CC58-4AF3-B038-D9E53F87F154}" type="datetimeFigureOut">
               <a:rPr lang="zh-TW" altLang="en-US" smtClean="0"/>
-              <a:t>2021/9/28</a:t>
+              <a:t>2021/9/29</a:t>
             </a:fld>
             <a:endParaRPr lang="zh-TW" altLang="en-US"/>
           </a:p>
@@ -1036,7 +1036,7 @@
           <a:p>
             <a:fld id="{4ACAFB6E-CC58-4AF3-B038-D9E53F87F154}" type="datetimeFigureOut">
               <a:rPr lang="zh-TW" altLang="en-US" smtClean="0"/>
-              <a:t>2021/9/28</a:t>
+              <a:t>2021/9/29</a:t>
             </a:fld>
             <a:endParaRPr lang="zh-TW" altLang="en-US"/>
           </a:p>
@@ -1265,7 +1265,7 @@
           <a:p>
             <a:fld id="{4ACAFB6E-CC58-4AF3-B038-D9E53F87F154}" type="datetimeFigureOut">
               <a:rPr lang="zh-TW" altLang="en-US" smtClean="0"/>
-              <a:t>2021/9/28</a:t>
+              <a:t>2021/9/29</a:t>
             </a:fld>
             <a:endParaRPr lang="zh-TW" altLang="en-US"/>
           </a:p>
@@ -1629,7 +1629,7 @@
           <a:p>
             <a:fld id="{4ACAFB6E-CC58-4AF3-B038-D9E53F87F154}" type="datetimeFigureOut">
               <a:rPr lang="zh-TW" altLang="en-US" smtClean="0"/>
-              <a:t>2021/9/28</a:t>
+              <a:t>2021/9/29</a:t>
             </a:fld>
             <a:endParaRPr lang="zh-TW" altLang="en-US"/>
           </a:p>
@@ -1746,7 +1746,7 @@
           <a:p>
             <a:fld id="{4ACAFB6E-CC58-4AF3-B038-D9E53F87F154}" type="datetimeFigureOut">
               <a:rPr lang="zh-TW" altLang="en-US" smtClean="0"/>
-              <a:t>2021/9/28</a:t>
+              <a:t>2021/9/29</a:t>
             </a:fld>
             <a:endParaRPr lang="zh-TW" altLang="en-US"/>
           </a:p>
@@ -1841,7 +1841,7 @@
           <a:p>
             <a:fld id="{4ACAFB6E-CC58-4AF3-B038-D9E53F87F154}" type="datetimeFigureOut">
               <a:rPr lang="zh-TW" altLang="en-US" smtClean="0"/>
-              <a:t>2021/9/28</a:t>
+              <a:t>2021/9/29</a:t>
             </a:fld>
             <a:endParaRPr lang="zh-TW" altLang="en-US"/>
           </a:p>
@@ -2116,7 +2116,7 @@
           <a:p>
             <a:fld id="{4ACAFB6E-CC58-4AF3-B038-D9E53F87F154}" type="datetimeFigureOut">
               <a:rPr lang="zh-TW" altLang="en-US" smtClean="0"/>
-              <a:t>2021/9/28</a:t>
+              <a:t>2021/9/29</a:t>
             </a:fld>
             <a:endParaRPr lang="zh-TW" altLang="en-US"/>
           </a:p>
@@ -2368,7 +2368,7 @@
           <a:p>
             <a:fld id="{4ACAFB6E-CC58-4AF3-B038-D9E53F87F154}" type="datetimeFigureOut">
               <a:rPr lang="zh-TW" altLang="en-US" smtClean="0"/>
-              <a:t>2021/9/28</a:t>
+              <a:t>2021/9/29</a:t>
             </a:fld>
             <a:endParaRPr lang="zh-TW" altLang="en-US"/>
           </a:p>
@@ -2579,7 +2579,7 @@
           <a:p>
             <a:fld id="{4ACAFB6E-CC58-4AF3-B038-D9E53F87F154}" type="datetimeFigureOut">
               <a:rPr lang="zh-TW" altLang="en-US" smtClean="0"/>
-              <a:t>2021/9/28</a:t>
+              <a:t>2021/9/29</a:t>
             </a:fld>
             <a:endParaRPr lang="zh-TW" altLang="en-US"/>
           </a:p>
@@ -3022,6 +3022,10 @@
           <a:bodyPr/>
           <a:lstStyle/>
           <a:p>
+            <a:r>
+              <a:rPr lang="zh-TW" altLang="en-US" smtClean="0"/>
+              <a:t>ˊˊˊ</a:t>
+            </a:r>
             <a:endParaRPr lang="zh-TW" altLang="en-US"/>
           </a:p>
         </p:txBody>
@@ -3078,12 +3082,12 @@
           <a:graphicData uri="http://schemas.openxmlformats.org/presentationml/2006/ole">
             <mc:AlternateContent xmlns:mc="http://schemas.openxmlformats.org/markup-compatibility/2006">
               <mc:Choice xmlns:v="urn:schemas-microsoft-com:vml" Requires="v">
-                <p:oleObj name="Worksheet" r:id="rId2" imgW="5494055" imgH="213202" progId="Excel.Sheet.12">
+                <p:oleObj spid="_x0000_s9218" name="Worksheet" r:id="rId3" imgW="5494055" imgH="213202" progId="Excel.Sheet.12">
                   <p:embed/>
                 </p:oleObj>
               </mc:Choice>
               <mc:Fallback>
-                <p:oleObj name="Worksheet" r:id="rId2" imgW="5494055" imgH="213202" progId="Excel.Sheet.12">
+                <p:oleObj name="Worksheet" r:id="rId3" imgW="5494055" imgH="213202" progId="Excel.Sheet.12">
                   <p:embed/>
                   <p:pic>
                     <p:nvPicPr>
@@ -3098,7 +3102,7 @@
                       <p:nvPr/>
                     </p:nvPicPr>
                     <p:blipFill>
-                      <a:blip r:embed="rId3"/>
+                      <a:blip r:embed="rId4"/>
                       <a:stretch>
                         <a:fillRect/>
                       </a:stretch>
@@ -3141,12 +3145,12 @@
           <a:graphicData uri="http://schemas.openxmlformats.org/presentationml/2006/ole">
             <mc:AlternateContent xmlns:mc="http://schemas.openxmlformats.org/markup-compatibility/2006">
               <mc:Choice xmlns:v="urn:schemas-microsoft-com:vml" Requires="v">
-                <p:oleObj name="Worksheet" r:id="rId4" imgW="4061637" imgH="830635" progId="Excel.Sheet.12">
+                <p:oleObj spid="_x0000_s9219" name="Worksheet" r:id="rId5" imgW="4061637" imgH="830635" progId="Excel.Sheet.12">
                   <p:embed/>
                 </p:oleObj>
               </mc:Choice>
               <mc:Fallback>
-                <p:oleObj name="Worksheet" r:id="rId4" imgW="4061637" imgH="830635" progId="Excel.Sheet.12">
+                <p:oleObj name="Worksheet" r:id="rId5" imgW="4061637" imgH="830635" progId="Excel.Sheet.12">
                   <p:embed/>
                   <p:pic>
                     <p:nvPicPr>
@@ -3161,7 +3165,7 @@
                       <p:nvPr/>
                     </p:nvPicPr>
                     <p:blipFill>
-                      <a:blip r:embed="rId5"/>
+                      <a:blip r:embed="rId6"/>
                       <a:stretch>
                         <a:fillRect/>
                       </a:stretch>
@@ -3210,12 +3214,12 @@
           <a:graphicData uri="http://schemas.openxmlformats.org/presentationml/2006/ole">
             <mc:AlternateContent xmlns:mc="http://schemas.openxmlformats.org/markup-compatibility/2006">
               <mc:Choice xmlns:v="urn:schemas-microsoft-com:vml" Requires="v">
-                <p:oleObj name="Worksheet" r:id="rId6" imgW="4061637" imgH="419155" progId="Excel.Sheet.12">
+                <p:oleObj spid="_x0000_s9220" name="Worksheet" r:id="rId7" imgW="4061637" imgH="419155" progId="Excel.Sheet.12">
                   <p:embed/>
                 </p:oleObj>
               </mc:Choice>
               <mc:Fallback>
-                <p:oleObj name="Worksheet" r:id="rId6" imgW="4061637" imgH="419155" progId="Excel.Sheet.12">
+                <p:oleObj name="Worksheet" r:id="rId7" imgW="4061637" imgH="419155" progId="Excel.Sheet.12">
                   <p:embed/>
                   <p:pic>
                     <p:nvPicPr>
@@ -3230,7 +3234,7 @@
                       <p:nvPr/>
                     </p:nvPicPr>
                     <p:blipFill>
-                      <a:blip r:embed="rId7"/>
+                      <a:blip r:embed="rId8"/>
                       <a:stretch>
                         <a:fillRect/>
                       </a:stretch>
@@ -3279,12 +3283,12 @@
           <a:graphicData uri="http://schemas.openxmlformats.org/presentationml/2006/ole">
             <mc:AlternateContent xmlns:mc="http://schemas.openxmlformats.org/markup-compatibility/2006">
               <mc:Choice xmlns:v="urn:schemas-microsoft-com:vml" Requires="v">
-                <p:oleObj name="Worksheet" r:id="rId8" imgW="4061637" imgH="419155" progId="Excel.Sheet.12">
+                <p:oleObj spid="_x0000_s9221" name="Worksheet" r:id="rId9" imgW="4061637" imgH="419155" progId="Excel.Sheet.12">
                   <p:embed/>
                 </p:oleObj>
               </mc:Choice>
               <mc:Fallback>
-                <p:oleObj name="Worksheet" r:id="rId8" imgW="4061637" imgH="419155" progId="Excel.Sheet.12">
+                <p:oleObj name="Worksheet" r:id="rId9" imgW="4061637" imgH="419155" progId="Excel.Sheet.12">
                   <p:embed/>
                   <p:pic>
                     <p:nvPicPr>
@@ -3299,7 +3303,7 @@
                       <p:nvPr/>
                     </p:nvPicPr>
                     <p:blipFill>
-                      <a:blip r:embed="rId9"/>
+                      <a:blip r:embed="rId10"/>
                       <a:stretch>
                         <a:fillRect/>
                       </a:stretch>
@@ -3348,12 +3352,12 @@
           <a:graphicData uri="http://schemas.openxmlformats.org/presentationml/2006/ole">
             <mc:AlternateContent xmlns:mc="http://schemas.openxmlformats.org/markup-compatibility/2006">
               <mc:Choice xmlns:v="urn:schemas-microsoft-com:vml" Requires="v">
-                <p:oleObj name="Worksheet" r:id="rId10" imgW="12062425" imgH="2384878" progId="Excel.Sheet.12">
+                <p:oleObj spid="_x0000_s9222" name="Worksheet" r:id="rId11" imgW="12062425" imgH="2384878" progId="Excel.Sheet.12">
                   <p:embed/>
                 </p:oleObj>
               </mc:Choice>
               <mc:Fallback>
-                <p:oleObj name="Worksheet" r:id="rId10" imgW="12062425" imgH="2384878" progId="Excel.Sheet.12">
+                <p:oleObj name="Worksheet" r:id="rId11" imgW="12062425" imgH="2384878" progId="Excel.Sheet.12">
                   <p:embed/>
                   <p:pic>
                     <p:nvPicPr>
@@ -3368,7 +3372,7 @@
                       <p:nvPr/>
                     </p:nvPicPr>
                     <p:blipFill>
-                      <a:blip r:embed="rId11"/>
+                      <a:blip r:embed="rId12"/>
                       <a:stretch>
                         <a:fillRect/>
                       </a:stretch>
@@ -3625,12 +3629,12 @@
           <a:graphicData uri="http://schemas.openxmlformats.org/presentationml/2006/ole">
             <mc:AlternateContent xmlns:mc="http://schemas.openxmlformats.org/markup-compatibility/2006">
               <mc:Choice xmlns:v="urn:schemas-microsoft-com:vml" Requires="v">
-                <p:oleObj name="Worksheet" r:id="rId12" imgW="2445914" imgH="830635" progId="Excel.Sheet.12">
+                <p:oleObj spid="_x0000_s9223" name="Worksheet" r:id="rId13" imgW="2445914" imgH="830635" progId="Excel.Sheet.12">
                   <p:embed/>
                 </p:oleObj>
               </mc:Choice>
               <mc:Fallback>
-                <p:oleObj name="Worksheet" r:id="rId12" imgW="2445914" imgH="830635" progId="Excel.Sheet.12">
+                <p:oleObj name="Worksheet" r:id="rId13" imgW="2445914" imgH="830635" progId="Excel.Sheet.12">
                   <p:embed/>
                   <p:pic>
                     <p:nvPicPr>
@@ -3645,7 +3649,7 @@
                       <p:nvPr/>
                     </p:nvPicPr>
                     <p:blipFill>
-                      <a:blip r:embed="rId13"/>
+                      <a:blip r:embed="rId14"/>
                       <a:stretch>
                         <a:fillRect/>
                       </a:stretch>
@@ -3718,12 +3722,12 @@
           <a:graphicData uri="http://schemas.openxmlformats.org/presentationml/2006/ole">
             <mc:AlternateContent xmlns:mc="http://schemas.openxmlformats.org/markup-compatibility/2006">
               <mc:Choice xmlns:v="urn:schemas-microsoft-com:vml" Requires="v">
-                <p:oleObj name="Worksheet" r:id="rId2" imgW="5494055" imgH="213202" progId="Excel.Sheet.12">
+                <p:oleObj spid="_x0000_s10242" name="Worksheet" r:id="rId3" imgW="5494055" imgH="213202" progId="Excel.Sheet.12">
                   <p:embed/>
                 </p:oleObj>
               </mc:Choice>
               <mc:Fallback>
-                <p:oleObj name="Worksheet" r:id="rId2" imgW="5494055" imgH="213202" progId="Excel.Sheet.12">
+                <p:oleObj name="Worksheet" r:id="rId3" imgW="5494055" imgH="213202" progId="Excel.Sheet.12">
                   <p:embed/>
                   <p:pic>
                     <p:nvPicPr>
@@ -3738,7 +3742,7 @@
                       <p:nvPr/>
                     </p:nvPicPr>
                     <p:blipFill>
-                      <a:blip r:embed="rId3"/>
+                      <a:blip r:embed="rId4"/>
                       <a:stretch>
                         <a:fillRect/>
                       </a:stretch>
@@ -3781,12 +3785,12 @@
           <a:graphicData uri="http://schemas.openxmlformats.org/presentationml/2006/ole">
             <mc:AlternateContent xmlns:mc="http://schemas.openxmlformats.org/markup-compatibility/2006">
               <mc:Choice xmlns:v="urn:schemas-microsoft-com:vml" Requires="v">
-                <p:oleObj name="Worksheet" r:id="rId4" imgW="4061637" imgH="830635" progId="Excel.Sheet.12">
+                <p:oleObj spid="_x0000_s10243" name="Worksheet" r:id="rId5" imgW="4061637" imgH="830635" progId="Excel.Sheet.12">
                   <p:embed/>
                 </p:oleObj>
               </mc:Choice>
               <mc:Fallback>
-                <p:oleObj name="Worksheet" r:id="rId4" imgW="4061637" imgH="830635" progId="Excel.Sheet.12">
+                <p:oleObj name="Worksheet" r:id="rId5" imgW="4061637" imgH="830635" progId="Excel.Sheet.12">
                   <p:embed/>
                   <p:pic>
                     <p:nvPicPr>
@@ -3801,7 +3805,7 @@
                       <p:nvPr/>
                     </p:nvPicPr>
                     <p:blipFill>
-                      <a:blip r:embed="rId5"/>
+                      <a:blip r:embed="rId6"/>
                       <a:stretch>
                         <a:fillRect/>
                       </a:stretch>
@@ -3850,12 +3854,12 @@
           <a:graphicData uri="http://schemas.openxmlformats.org/presentationml/2006/ole">
             <mc:AlternateContent xmlns:mc="http://schemas.openxmlformats.org/markup-compatibility/2006">
               <mc:Choice xmlns:v="urn:schemas-microsoft-com:vml" Requires="v">
-                <p:oleObj name="Worksheet" r:id="rId6" imgW="4061637" imgH="419155" progId="Excel.Sheet.12">
+                <p:oleObj spid="_x0000_s10244" name="Worksheet" r:id="rId7" imgW="4061637" imgH="419155" progId="Excel.Sheet.12">
                   <p:embed/>
                 </p:oleObj>
               </mc:Choice>
               <mc:Fallback>
-                <p:oleObj name="Worksheet" r:id="rId6" imgW="4061637" imgH="419155" progId="Excel.Sheet.12">
+                <p:oleObj name="Worksheet" r:id="rId7" imgW="4061637" imgH="419155" progId="Excel.Sheet.12">
                   <p:embed/>
                   <p:pic>
                     <p:nvPicPr>
@@ -3870,7 +3874,7 @@
                       <p:nvPr/>
                     </p:nvPicPr>
                     <p:blipFill>
-                      <a:blip r:embed="rId7"/>
+                      <a:blip r:embed="rId8"/>
                       <a:stretch>
                         <a:fillRect/>
                       </a:stretch>
@@ -3913,12 +3917,12 @@
           <a:graphicData uri="http://schemas.openxmlformats.org/presentationml/2006/ole">
             <mc:AlternateContent xmlns:mc="http://schemas.openxmlformats.org/markup-compatibility/2006">
               <mc:Choice xmlns:v="urn:schemas-microsoft-com:vml" Requires="v">
-                <p:oleObj name="Worksheet" r:id="rId8" imgW="4061637" imgH="419155" progId="Excel.Sheet.12">
+                <p:oleObj spid="_x0000_s10245" name="Worksheet" r:id="rId9" imgW="4061637" imgH="419155" progId="Excel.Sheet.12">
                   <p:embed/>
                 </p:oleObj>
               </mc:Choice>
               <mc:Fallback>
-                <p:oleObj name="Worksheet" r:id="rId8" imgW="4061637" imgH="419155" progId="Excel.Sheet.12">
+                <p:oleObj name="Worksheet" r:id="rId9" imgW="4061637" imgH="419155" progId="Excel.Sheet.12">
                   <p:embed/>
                   <p:pic>
                     <p:nvPicPr>
@@ -3933,7 +3937,7 @@
                       <p:nvPr/>
                     </p:nvPicPr>
                     <p:blipFill>
-                      <a:blip r:embed="rId9"/>
+                      <a:blip r:embed="rId10"/>
                       <a:stretch>
                         <a:fillRect/>
                       </a:stretch>
@@ -3976,12 +3980,12 @@
           <a:graphicData uri="http://schemas.openxmlformats.org/presentationml/2006/ole">
             <mc:AlternateContent xmlns:mc="http://schemas.openxmlformats.org/markup-compatibility/2006">
               <mc:Choice xmlns:v="urn:schemas-microsoft-com:vml" Requires="v">
-                <p:oleObj name="Worksheet" r:id="rId10" imgW="12062425" imgH="2384878" progId="Excel.Sheet.12">
+                <p:oleObj spid="_x0000_s10246" name="Worksheet" r:id="rId11" imgW="12062425" imgH="2384878" progId="Excel.Sheet.12">
                   <p:embed/>
                 </p:oleObj>
               </mc:Choice>
               <mc:Fallback>
-                <p:oleObj name="Worksheet" r:id="rId10" imgW="12062425" imgH="2384878" progId="Excel.Sheet.12">
+                <p:oleObj name="Worksheet" r:id="rId11" imgW="12062425" imgH="2384878" progId="Excel.Sheet.12">
                   <p:embed/>
                   <p:pic>
                     <p:nvPicPr>
@@ -3996,7 +4000,7 @@
                       <p:nvPr/>
                     </p:nvPicPr>
                     <p:blipFill>
-                      <a:blip r:embed="rId11"/>
+                      <a:blip r:embed="rId12"/>
                       <a:stretch>
                         <a:fillRect/>
                       </a:stretch>
@@ -4195,12 +4199,12 @@
           <a:graphicData uri="http://schemas.openxmlformats.org/presentationml/2006/ole">
             <mc:AlternateContent xmlns:mc="http://schemas.openxmlformats.org/markup-compatibility/2006">
               <mc:Choice xmlns:v="urn:schemas-microsoft-com:vml" Requires="v">
-                <p:oleObj name="Worksheet" r:id="rId12" imgW="2445914" imgH="830635" progId="Excel.Sheet.12">
+                <p:oleObj spid="_x0000_s10247" name="Worksheet" r:id="rId13" imgW="2445914" imgH="830635" progId="Excel.Sheet.12">
                   <p:embed/>
                 </p:oleObj>
               </mc:Choice>
               <mc:Fallback>
-                <p:oleObj name="Worksheet" r:id="rId12" imgW="2445914" imgH="830635" progId="Excel.Sheet.12">
+                <p:oleObj name="Worksheet" r:id="rId13" imgW="2445914" imgH="830635" progId="Excel.Sheet.12">
                   <p:embed/>
                   <p:pic>
                     <p:nvPicPr>
@@ -4215,7 +4219,7 @@
                       <p:nvPr/>
                     </p:nvPicPr>
                     <p:blipFill>
-                      <a:blip r:embed="rId13"/>
+                      <a:blip r:embed="rId14"/>
                       <a:stretch>
                         <a:fillRect/>
                       </a:stretch>
@@ -4326,12 +4330,12 @@
           <a:graphicData uri="http://schemas.openxmlformats.org/presentationml/2006/ole">
             <mc:AlternateContent xmlns:mc="http://schemas.openxmlformats.org/markup-compatibility/2006">
               <mc:Choice xmlns:v="urn:schemas-microsoft-com:vml" Requires="v">
-                <p:oleObj name="Worksheet" r:id="rId2" imgW="5494055" imgH="213202" progId="Excel.Sheet.12">
+                <p:oleObj spid="_x0000_s11266" name="Worksheet" r:id="rId3" imgW="5494055" imgH="213202" progId="Excel.Sheet.12">
                   <p:embed/>
                 </p:oleObj>
               </mc:Choice>
               <mc:Fallback>
-                <p:oleObj name="Worksheet" r:id="rId2" imgW="5494055" imgH="213202" progId="Excel.Sheet.12">
+                <p:oleObj name="Worksheet" r:id="rId3" imgW="5494055" imgH="213202" progId="Excel.Sheet.12">
                   <p:embed/>
                   <p:pic>
                     <p:nvPicPr>
@@ -4346,7 +4350,7 @@
                       <p:nvPr/>
                     </p:nvPicPr>
                     <p:blipFill>
-                      <a:blip r:embed="rId3"/>
+                      <a:blip r:embed="rId4"/>
                       <a:stretch>
                         <a:fillRect/>
                       </a:stretch>
@@ -4389,12 +4393,12 @@
           <a:graphicData uri="http://schemas.openxmlformats.org/presentationml/2006/ole">
             <mc:AlternateContent xmlns:mc="http://schemas.openxmlformats.org/markup-compatibility/2006">
               <mc:Choice xmlns:v="urn:schemas-microsoft-com:vml" Requires="v">
-                <p:oleObj name="Worksheet" r:id="rId4" imgW="4061637" imgH="830635" progId="Excel.Sheet.12">
+                <p:oleObj spid="_x0000_s11267" name="Worksheet" r:id="rId5" imgW="4061637" imgH="830635" progId="Excel.Sheet.12">
                   <p:embed/>
                 </p:oleObj>
               </mc:Choice>
               <mc:Fallback>
-                <p:oleObj name="Worksheet" r:id="rId4" imgW="4061637" imgH="830635" progId="Excel.Sheet.12">
+                <p:oleObj name="Worksheet" r:id="rId5" imgW="4061637" imgH="830635" progId="Excel.Sheet.12">
                   <p:embed/>
                   <p:pic>
                     <p:nvPicPr>
@@ -4409,7 +4413,7 @@
                       <p:nvPr/>
                     </p:nvPicPr>
                     <p:blipFill>
-                      <a:blip r:embed="rId5"/>
+                      <a:blip r:embed="rId6"/>
                       <a:stretch>
                         <a:fillRect/>
                       </a:stretch>
@@ -4458,12 +4462,12 @@
           <a:graphicData uri="http://schemas.openxmlformats.org/presentationml/2006/ole">
             <mc:AlternateContent xmlns:mc="http://schemas.openxmlformats.org/markup-compatibility/2006">
               <mc:Choice xmlns:v="urn:schemas-microsoft-com:vml" Requires="v">
-                <p:oleObj name="Worksheet" r:id="rId6" imgW="4061637" imgH="419155" progId="Excel.Sheet.12">
+                <p:oleObj spid="_x0000_s11268" name="Worksheet" r:id="rId7" imgW="4061637" imgH="419155" progId="Excel.Sheet.12">
                   <p:embed/>
                 </p:oleObj>
               </mc:Choice>
               <mc:Fallback>
-                <p:oleObj name="Worksheet" r:id="rId6" imgW="4061637" imgH="419155" progId="Excel.Sheet.12">
+                <p:oleObj name="Worksheet" r:id="rId7" imgW="4061637" imgH="419155" progId="Excel.Sheet.12">
                   <p:embed/>
                   <p:pic>
                     <p:nvPicPr>
@@ -4478,7 +4482,7 @@
                       <p:nvPr/>
                     </p:nvPicPr>
                     <p:blipFill>
-                      <a:blip r:embed="rId7"/>
+                      <a:blip r:embed="rId8"/>
                       <a:stretch>
                         <a:fillRect/>
                       </a:stretch>
@@ -4527,12 +4531,12 @@
           <a:graphicData uri="http://schemas.openxmlformats.org/presentationml/2006/ole">
             <mc:AlternateContent xmlns:mc="http://schemas.openxmlformats.org/markup-compatibility/2006">
               <mc:Choice xmlns:v="urn:schemas-microsoft-com:vml" Requires="v">
-                <p:oleObj name="Worksheet" r:id="rId8" imgW="4061637" imgH="419155" progId="Excel.Sheet.12">
+                <p:oleObj spid="_x0000_s11269" name="Worksheet" r:id="rId9" imgW="4061637" imgH="419155" progId="Excel.Sheet.12">
                   <p:embed/>
                 </p:oleObj>
               </mc:Choice>
               <mc:Fallback>
-                <p:oleObj name="Worksheet" r:id="rId8" imgW="4061637" imgH="419155" progId="Excel.Sheet.12">
+                <p:oleObj name="Worksheet" r:id="rId9" imgW="4061637" imgH="419155" progId="Excel.Sheet.12">
                   <p:embed/>
                   <p:pic>
                     <p:nvPicPr>
@@ -4547,7 +4551,7 @@
                       <p:nvPr/>
                     </p:nvPicPr>
                     <p:blipFill>
-                      <a:blip r:embed="rId9"/>
+                      <a:blip r:embed="rId10"/>
                       <a:stretch>
                         <a:fillRect/>
                       </a:stretch>
@@ -4596,12 +4600,12 @@
           <a:graphicData uri="http://schemas.openxmlformats.org/presentationml/2006/ole">
             <mc:AlternateContent xmlns:mc="http://schemas.openxmlformats.org/markup-compatibility/2006">
               <mc:Choice xmlns:v="urn:schemas-microsoft-com:vml" Requires="v">
-                <p:oleObj name="Worksheet" r:id="rId10" imgW="12062425" imgH="2384878" progId="Excel.Sheet.12">
+                <p:oleObj spid="_x0000_s11270" name="Worksheet" r:id="rId11" imgW="12062425" imgH="2384878" progId="Excel.Sheet.12">
                   <p:embed/>
                 </p:oleObj>
               </mc:Choice>
               <mc:Fallback>
-                <p:oleObj name="Worksheet" r:id="rId10" imgW="12062425" imgH="2384878" progId="Excel.Sheet.12">
+                <p:oleObj name="Worksheet" r:id="rId11" imgW="12062425" imgH="2384878" progId="Excel.Sheet.12">
                   <p:embed/>
                   <p:pic>
                     <p:nvPicPr>
@@ -4616,7 +4620,7 @@
                       <p:nvPr/>
                     </p:nvPicPr>
                     <p:blipFill>
-                      <a:blip r:embed="rId11"/>
+                      <a:blip r:embed="rId12"/>
                       <a:stretch>
                         <a:fillRect/>
                       </a:stretch>
@@ -4859,12 +4863,12 @@
           <a:graphicData uri="http://schemas.openxmlformats.org/presentationml/2006/ole">
             <mc:AlternateContent xmlns:mc="http://schemas.openxmlformats.org/markup-compatibility/2006">
               <mc:Choice xmlns:v="urn:schemas-microsoft-com:vml" Requires="v">
-                <p:oleObj name="Worksheet" r:id="rId12" imgW="2445914" imgH="830635" progId="Excel.Sheet.12">
+                <p:oleObj spid="_x0000_s11271" name="Worksheet" r:id="rId13" imgW="2445914" imgH="830635" progId="Excel.Sheet.12">
                   <p:embed/>
                 </p:oleObj>
               </mc:Choice>
               <mc:Fallback>
-                <p:oleObj name="Worksheet" r:id="rId12" imgW="2445914" imgH="830635" progId="Excel.Sheet.12">
+                <p:oleObj name="Worksheet" r:id="rId13" imgW="2445914" imgH="830635" progId="Excel.Sheet.12">
                   <p:embed/>
                   <p:pic>
                     <p:nvPicPr>
@@ -4879,7 +4883,7 @@
                       <p:nvPr/>
                     </p:nvPicPr>
                     <p:blipFill>
-                      <a:blip r:embed="rId13"/>
+                      <a:blip r:embed="rId14"/>
                       <a:stretch>
                         <a:fillRect/>
                       </a:stretch>
@@ -4952,12 +4956,12 @@
           <a:graphicData uri="http://schemas.openxmlformats.org/presentationml/2006/ole">
             <mc:AlternateContent xmlns:mc="http://schemas.openxmlformats.org/markup-compatibility/2006">
               <mc:Choice xmlns:v="urn:schemas-microsoft-com:vml" Requires="v">
-                <p:oleObj name="Worksheet" r:id="rId2" imgW="5494055" imgH="213202" progId="Excel.Sheet.12">
+                <p:oleObj spid="_x0000_s12290" name="Worksheet" r:id="rId3" imgW="5494055" imgH="213202" progId="Excel.Sheet.12">
                   <p:embed/>
                 </p:oleObj>
               </mc:Choice>
               <mc:Fallback>
-                <p:oleObj name="Worksheet" r:id="rId2" imgW="5494055" imgH="213202" progId="Excel.Sheet.12">
+                <p:oleObj name="Worksheet" r:id="rId3" imgW="5494055" imgH="213202" progId="Excel.Sheet.12">
                   <p:embed/>
                   <p:pic>
                     <p:nvPicPr>
@@ -4972,7 +4976,7 @@
                       <p:nvPr/>
                     </p:nvPicPr>
                     <p:blipFill>
-                      <a:blip r:embed="rId3"/>
+                      <a:blip r:embed="rId4"/>
                       <a:stretch>
                         <a:fillRect/>
                       </a:stretch>
@@ -5015,12 +5019,12 @@
           <a:graphicData uri="http://schemas.openxmlformats.org/presentationml/2006/ole">
             <mc:AlternateContent xmlns:mc="http://schemas.openxmlformats.org/markup-compatibility/2006">
               <mc:Choice xmlns:v="urn:schemas-microsoft-com:vml" Requires="v">
-                <p:oleObj name="Worksheet" r:id="rId4" imgW="4061637" imgH="830635" progId="Excel.Sheet.12">
+                <p:oleObj spid="_x0000_s12291" name="Worksheet" r:id="rId5" imgW="4061637" imgH="830635" progId="Excel.Sheet.12">
                   <p:embed/>
                 </p:oleObj>
               </mc:Choice>
               <mc:Fallback>
-                <p:oleObj name="Worksheet" r:id="rId4" imgW="4061637" imgH="830635" progId="Excel.Sheet.12">
+                <p:oleObj name="Worksheet" r:id="rId5" imgW="4061637" imgH="830635" progId="Excel.Sheet.12">
                   <p:embed/>
                   <p:pic>
                     <p:nvPicPr>
@@ -5035,7 +5039,7 @@
                       <p:nvPr/>
                     </p:nvPicPr>
                     <p:blipFill>
-                      <a:blip r:embed="rId5"/>
+                      <a:blip r:embed="rId6"/>
                       <a:stretch>
                         <a:fillRect/>
                       </a:stretch>
@@ -5084,12 +5088,12 @@
           <a:graphicData uri="http://schemas.openxmlformats.org/presentationml/2006/ole">
             <mc:AlternateContent xmlns:mc="http://schemas.openxmlformats.org/markup-compatibility/2006">
               <mc:Choice xmlns:v="urn:schemas-microsoft-com:vml" Requires="v">
-                <p:oleObj name="Worksheet" r:id="rId6" imgW="4061637" imgH="419155" progId="Excel.Sheet.12">
+                <p:oleObj spid="_x0000_s12292" name="Worksheet" r:id="rId7" imgW="4061637" imgH="419155" progId="Excel.Sheet.12">
                   <p:embed/>
                 </p:oleObj>
               </mc:Choice>
               <mc:Fallback>
-                <p:oleObj name="Worksheet" r:id="rId6" imgW="4061637" imgH="419155" progId="Excel.Sheet.12">
+                <p:oleObj name="Worksheet" r:id="rId7" imgW="4061637" imgH="419155" progId="Excel.Sheet.12">
                   <p:embed/>
                   <p:pic>
                     <p:nvPicPr>
@@ -5104,7 +5108,7 @@
                       <p:nvPr/>
                     </p:nvPicPr>
                     <p:blipFill>
-                      <a:blip r:embed="rId7"/>
+                      <a:blip r:embed="rId8"/>
                       <a:stretch>
                         <a:fillRect/>
                       </a:stretch>
@@ -5153,12 +5157,12 @@
           <a:graphicData uri="http://schemas.openxmlformats.org/presentationml/2006/ole">
             <mc:AlternateContent xmlns:mc="http://schemas.openxmlformats.org/markup-compatibility/2006">
               <mc:Choice xmlns:v="urn:schemas-microsoft-com:vml" Requires="v">
-                <p:oleObj name="Worksheet" r:id="rId8" imgW="4061637" imgH="419155" progId="Excel.Sheet.12">
+                <p:oleObj spid="_x0000_s12293" name="Worksheet" r:id="rId9" imgW="4061637" imgH="419155" progId="Excel.Sheet.12">
                   <p:embed/>
                 </p:oleObj>
               </mc:Choice>
               <mc:Fallback>
-                <p:oleObj name="Worksheet" r:id="rId8" imgW="4061637" imgH="419155" progId="Excel.Sheet.12">
+                <p:oleObj name="Worksheet" r:id="rId9" imgW="4061637" imgH="419155" progId="Excel.Sheet.12">
                   <p:embed/>
                   <p:pic>
                     <p:nvPicPr>
@@ -5173,7 +5177,7 @@
                       <p:nvPr/>
                     </p:nvPicPr>
                     <p:blipFill>
-                      <a:blip r:embed="rId9"/>
+                      <a:blip r:embed="rId10"/>
                       <a:stretch>
                         <a:fillRect/>
                       </a:stretch>
@@ -5216,12 +5220,12 @@
           <a:graphicData uri="http://schemas.openxmlformats.org/presentationml/2006/ole">
             <mc:AlternateContent xmlns:mc="http://schemas.openxmlformats.org/markup-compatibility/2006">
               <mc:Choice xmlns:v="urn:schemas-microsoft-com:vml" Requires="v">
-                <p:oleObj name="Worksheet" r:id="rId10" imgW="12062425" imgH="2384878" progId="Excel.Sheet.12">
+                <p:oleObj spid="_x0000_s12294" name="Worksheet" r:id="rId11" imgW="12062425" imgH="2384878" progId="Excel.Sheet.12">
                   <p:embed/>
                 </p:oleObj>
               </mc:Choice>
               <mc:Fallback>
-                <p:oleObj name="Worksheet" r:id="rId10" imgW="12062425" imgH="2384878" progId="Excel.Sheet.12">
+                <p:oleObj name="Worksheet" r:id="rId11" imgW="12062425" imgH="2384878" progId="Excel.Sheet.12">
                   <p:embed/>
                   <p:pic>
                     <p:nvPicPr>
@@ -5236,7 +5240,7 @@
                       <p:nvPr/>
                     </p:nvPicPr>
                     <p:blipFill>
-                      <a:blip r:embed="rId11"/>
+                      <a:blip r:embed="rId12"/>
                       <a:stretch>
                         <a:fillRect/>
                       </a:stretch>
@@ -5455,12 +5459,12 @@
           <a:graphicData uri="http://schemas.openxmlformats.org/presentationml/2006/ole">
             <mc:AlternateContent xmlns:mc="http://schemas.openxmlformats.org/markup-compatibility/2006">
               <mc:Choice xmlns:v="urn:schemas-microsoft-com:vml" Requires="v">
-                <p:oleObj name="Worksheet" r:id="rId12" imgW="2445914" imgH="830635" progId="Excel.Sheet.12">
+                <p:oleObj spid="_x0000_s12295" name="Worksheet" r:id="rId13" imgW="2445914" imgH="830635" progId="Excel.Sheet.12">
                   <p:embed/>
                 </p:oleObj>
               </mc:Choice>
               <mc:Fallback>
-                <p:oleObj name="Worksheet" r:id="rId12" imgW="2445914" imgH="830635" progId="Excel.Sheet.12">
+                <p:oleObj name="Worksheet" r:id="rId13" imgW="2445914" imgH="830635" progId="Excel.Sheet.12">
                   <p:embed/>
                   <p:pic>
                     <p:nvPicPr>
@@ -5475,7 +5479,7 @@
                       <p:nvPr/>
                     </p:nvPicPr>
                     <p:blipFill>
-                      <a:blip r:embed="rId13"/>
+                      <a:blip r:embed="rId14"/>
                       <a:stretch>
                         <a:fillRect/>
                       </a:stretch>
@@ -5548,12 +5552,12 @@
           <a:graphicData uri="http://schemas.openxmlformats.org/presentationml/2006/ole">
             <mc:AlternateContent xmlns:mc="http://schemas.openxmlformats.org/markup-compatibility/2006">
               <mc:Choice xmlns:v="urn:schemas-microsoft-com:vml" Requires="v">
-                <p:oleObj name="Worksheet" r:id="rId2" imgW="5494055" imgH="213202" progId="Excel.Sheet.12">
+                <p:oleObj spid="_x0000_s13314" name="Worksheet" r:id="rId3" imgW="5494055" imgH="213202" progId="Excel.Sheet.12">
                   <p:embed/>
                 </p:oleObj>
               </mc:Choice>
               <mc:Fallback>
-                <p:oleObj name="Worksheet" r:id="rId2" imgW="5494055" imgH="213202" progId="Excel.Sheet.12">
+                <p:oleObj name="Worksheet" r:id="rId3" imgW="5494055" imgH="213202" progId="Excel.Sheet.12">
                   <p:embed/>
                   <p:pic>
                     <p:nvPicPr>
@@ -5568,7 +5572,7 @@
                       <p:nvPr/>
                     </p:nvPicPr>
                     <p:blipFill>
-                      <a:blip r:embed="rId3"/>
+                      <a:blip r:embed="rId4"/>
                       <a:stretch>
                         <a:fillRect/>
                       </a:stretch>
@@ -5611,12 +5615,12 @@
           <a:graphicData uri="http://schemas.openxmlformats.org/presentationml/2006/ole">
             <mc:AlternateContent xmlns:mc="http://schemas.openxmlformats.org/markup-compatibility/2006">
               <mc:Choice xmlns:v="urn:schemas-microsoft-com:vml" Requires="v">
-                <p:oleObj name="Worksheet" r:id="rId4" imgW="4061637" imgH="830635" progId="Excel.Sheet.12">
+                <p:oleObj spid="_x0000_s13315" name="Worksheet" r:id="rId5" imgW="4061637" imgH="830635" progId="Excel.Sheet.12">
                   <p:embed/>
                 </p:oleObj>
               </mc:Choice>
               <mc:Fallback>
-                <p:oleObj name="Worksheet" r:id="rId4" imgW="4061637" imgH="830635" progId="Excel.Sheet.12">
+                <p:oleObj name="Worksheet" r:id="rId5" imgW="4061637" imgH="830635" progId="Excel.Sheet.12">
                   <p:embed/>
                   <p:pic>
                     <p:nvPicPr>
@@ -5631,7 +5635,7 @@
                       <p:nvPr/>
                     </p:nvPicPr>
                     <p:blipFill>
-                      <a:blip r:embed="rId5"/>
+                      <a:blip r:embed="rId6"/>
                       <a:stretch>
                         <a:fillRect/>
                       </a:stretch>
@@ -5680,12 +5684,12 @@
           <a:graphicData uri="http://schemas.openxmlformats.org/presentationml/2006/ole">
             <mc:AlternateContent xmlns:mc="http://schemas.openxmlformats.org/markup-compatibility/2006">
               <mc:Choice xmlns:v="urn:schemas-microsoft-com:vml" Requires="v">
-                <p:oleObj name="Worksheet" r:id="rId6" imgW="4061637" imgH="419155" progId="Excel.Sheet.12">
+                <p:oleObj spid="_x0000_s13316" name="Worksheet" r:id="rId7" imgW="4061637" imgH="419155" progId="Excel.Sheet.12">
                   <p:embed/>
                 </p:oleObj>
               </mc:Choice>
               <mc:Fallback>
-                <p:oleObj name="Worksheet" r:id="rId6" imgW="4061637" imgH="419155" progId="Excel.Sheet.12">
+                <p:oleObj name="Worksheet" r:id="rId7" imgW="4061637" imgH="419155" progId="Excel.Sheet.12">
                   <p:embed/>
                   <p:pic>
                     <p:nvPicPr>
@@ -5700,7 +5704,7 @@
                       <p:nvPr/>
                     </p:nvPicPr>
                     <p:blipFill>
-                      <a:blip r:embed="rId7"/>
+                      <a:blip r:embed="rId8"/>
                       <a:stretch>
                         <a:fillRect/>
                       </a:stretch>
@@ -5749,12 +5753,12 @@
           <a:graphicData uri="http://schemas.openxmlformats.org/presentationml/2006/ole">
             <mc:AlternateContent xmlns:mc="http://schemas.openxmlformats.org/markup-compatibility/2006">
               <mc:Choice xmlns:v="urn:schemas-microsoft-com:vml" Requires="v">
-                <p:oleObj name="Worksheet" r:id="rId8" imgW="4061637" imgH="419155" progId="Excel.Sheet.12">
+                <p:oleObj spid="_x0000_s13317" name="Worksheet" r:id="rId9" imgW="4061637" imgH="419155" progId="Excel.Sheet.12">
                   <p:embed/>
                 </p:oleObj>
               </mc:Choice>
               <mc:Fallback>
-                <p:oleObj name="Worksheet" r:id="rId8" imgW="4061637" imgH="419155" progId="Excel.Sheet.12">
+                <p:oleObj name="Worksheet" r:id="rId9" imgW="4061637" imgH="419155" progId="Excel.Sheet.12">
                   <p:embed/>
                   <p:pic>
                     <p:nvPicPr>
@@ -5769,7 +5773,7 @@
                       <p:nvPr/>
                     </p:nvPicPr>
                     <p:blipFill>
-                      <a:blip r:embed="rId9"/>
+                      <a:blip r:embed="rId10"/>
                       <a:stretch>
                         <a:fillRect/>
                       </a:stretch>
@@ -5812,12 +5816,12 @@
           <a:graphicData uri="http://schemas.openxmlformats.org/presentationml/2006/ole">
             <mc:AlternateContent xmlns:mc="http://schemas.openxmlformats.org/markup-compatibility/2006">
               <mc:Choice xmlns:v="urn:schemas-microsoft-com:vml" Requires="v">
-                <p:oleObj name="Worksheet" r:id="rId10" imgW="12062425" imgH="2384878" progId="Excel.Sheet.12">
+                <p:oleObj spid="_x0000_s13318" name="Worksheet" r:id="rId11" imgW="12062425" imgH="2384878" progId="Excel.Sheet.12">
                   <p:embed/>
                 </p:oleObj>
               </mc:Choice>
               <mc:Fallback>
-                <p:oleObj name="Worksheet" r:id="rId10" imgW="12062425" imgH="2384878" progId="Excel.Sheet.12">
+                <p:oleObj name="Worksheet" r:id="rId11" imgW="12062425" imgH="2384878" progId="Excel.Sheet.12">
                   <p:embed/>
                   <p:pic>
                     <p:nvPicPr>
@@ -5832,7 +5836,7 @@
                       <p:nvPr/>
                     </p:nvPicPr>
                     <p:blipFill>
-                      <a:blip r:embed="rId11"/>
+                      <a:blip r:embed="rId12"/>
                       <a:stretch>
                         <a:fillRect/>
                       </a:stretch>
@@ -6023,12 +6027,12 @@
           <a:graphicData uri="http://schemas.openxmlformats.org/presentationml/2006/ole">
             <mc:AlternateContent xmlns:mc="http://schemas.openxmlformats.org/markup-compatibility/2006">
               <mc:Choice xmlns:v="urn:schemas-microsoft-com:vml" Requires="v">
-                <p:oleObj name="Worksheet" r:id="rId12" imgW="2445914" imgH="830635" progId="Excel.Sheet.12">
+                <p:oleObj spid="_x0000_s13319" name="Worksheet" r:id="rId13" imgW="2445914" imgH="830635" progId="Excel.Sheet.12">
                   <p:embed/>
                 </p:oleObj>
               </mc:Choice>
               <mc:Fallback>
-                <p:oleObj name="Worksheet" r:id="rId12" imgW="2445914" imgH="830635" progId="Excel.Sheet.12">
+                <p:oleObj name="Worksheet" r:id="rId13" imgW="2445914" imgH="830635" progId="Excel.Sheet.12">
                   <p:embed/>
                   <p:pic>
                     <p:nvPicPr>
@@ -6043,7 +6047,7 @@
                       <p:nvPr/>
                     </p:nvPicPr>
                     <p:blipFill>
-                      <a:blip r:embed="rId13"/>
+                      <a:blip r:embed="rId14"/>
                       <a:stretch>
                         <a:fillRect/>
                       </a:stretch>
@@ -6116,12 +6120,12 @@
           <a:graphicData uri="http://schemas.openxmlformats.org/presentationml/2006/ole">
             <mc:AlternateContent xmlns:mc="http://schemas.openxmlformats.org/markup-compatibility/2006">
               <mc:Choice xmlns:v="urn:schemas-microsoft-com:vml" Requires="v">
-                <p:oleObj name="Worksheet" r:id="rId2" imgW="5494055" imgH="213202" progId="Excel.Sheet.12">
+                <p:oleObj spid="_x0000_s14338" name="Worksheet" r:id="rId3" imgW="5494055" imgH="213202" progId="Excel.Sheet.12">
                   <p:embed/>
                 </p:oleObj>
               </mc:Choice>
               <mc:Fallback>
-                <p:oleObj name="Worksheet" r:id="rId2" imgW="5494055" imgH="213202" progId="Excel.Sheet.12">
+                <p:oleObj name="Worksheet" r:id="rId3" imgW="5494055" imgH="213202" progId="Excel.Sheet.12">
                   <p:embed/>
                   <p:pic>
                     <p:nvPicPr>
@@ -6136,7 +6140,7 @@
                       <p:nvPr/>
                     </p:nvPicPr>
                     <p:blipFill>
-                      <a:blip r:embed="rId3"/>
+                      <a:blip r:embed="rId4"/>
                       <a:stretch>
                         <a:fillRect/>
                       </a:stretch>
@@ -6179,12 +6183,12 @@
           <a:graphicData uri="http://schemas.openxmlformats.org/presentationml/2006/ole">
             <mc:AlternateContent xmlns:mc="http://schemas.openxmlformats.org/markup-compatibility/2006">
               <mc:Choice xmlns:v="urn:schemas-microsoft-com:vml" Requires="v">
-                <p:oleObj name="Worksheet" r:id="rId4" imgW="4061637" imgH="830635" progId="Excel.Sheet.12">
+                <p:oleObj spid="_x0000_s14339" name="Worksheet" r:id="rId5" imgW="4061637" imgH="830635" progId="Excel.Sheet.12">
                   <p:embed/>
                 </p:oleObj>
               </mc:Choice>
               <mc:Fallback>
-                <p:oleObj name="Worksheet" r:id="rId4" imgW="4061637" imgH="830635" progId="Excel.Sheet.12">
+                <p:oleObj name="Worksheet" r:id="rId5" imgW="4061637" imgH="830635" progId="Excel.Sheet.12">
                   <p:embed/>
                   <p:pic>
                     <p:nvPicPr>
@@ -6199,7 +6203,7 @@
                       <p:nvPr/>
                     </p:nvPicPr>
                     <p:blipFill>
-                      <a:blip r:embed="rId5"/>
+                      <a:blip r:embed="rId6"/>
                       <a:stretch>
                         <a:fillRect/>
                       </a:stretch>
@@ -6248,12 +6252,12 @@
           <a:graphicData uri="http://schemas.openxmlformats.org/presentationml/2006/ole">
             <mc:AlternateContent xmlns:mc="http://schemas.openxmlformats.org/markup-compatibility/2006">
               <mc:Choice xmlns:v="urn:schemas-microsoft-com:vml" Requires="v">
-                <p:oleObj name="Worksheet" r:id="rId6" imgW="4061637" imgH="419155" progId="Excel.Sheet.12">
+                <p:oleObj spid="_x0000_s14340" name="Worksheet" r:id="rId7" imgW="4061637" imgH="419155" progId="Excel.Sheet.12">
                   <p:embed/>
                 </p:oleObj>
               </mc:Choice>
               <mc:Fallback>
-                <p:oleObj name="Worksheet" r:id="rId6" imgW="4061637" imgH="419155" progId="Excel.Sheet.12">
+                <p:oleObj name="Worksheet" r:id="rId7" imgW="4061637" imgH="419155" progId="Excel.Sheet.12">
                   <p:embed/>
                   <p:pic>
                     <p:nvPicPr>
@@ -6268,7 +6272,7 @@
                       <p:nvPr/>
                     </p:nvPicPr>
                     <p:blipFill>
-                      <a:blip r:embed="rId7"/>
+                      <a:blip r:embed="rId8"/>
                       <a:stretch>
                         <a:fillRect/>
                       </a:stretch>
@@ -6317,12 +6321,12 @@
           <a:graphicData uri="http://schemas.openxmlformats.org/presentationml/2006/ole">
             <mc:AlternateContent xmlns:mc="http://schemas.openxmlformats.org/markup-compatibility/2006">
               <mc:Choice xmlns:v="urn:schemas-microsoft-com:vml" Requires="v">
-                <p:oleObj name="Worksheet" r:id="rId8" imgW="4061637" imgH="419155" progId="Excel.Sheet.12">
+                <p:oleObj spid="_x0000_s14341" name="Worksheet" r:id="rId9" imgW="4061637" imgH="419155" progId="Excel.Sheet.12">
                   <p:embed/>
                 </p:oleObj>
               </mc:Choice>
               <mc:Fallback>
-                <p:oleObj name="Worksheet" r:id="rId8" imgW="4061637" imgH="419155" progId="Excel.Sheet.12">
+                <p:oleObj name="Worksheet" r:id="rId9" imgW="4061637" imgH="419155" progId="Excel.Sheet.12">
                   <p:embed/>
                   <p:pic>
                     <p:nvPicPr>
@@ -6337,7 +6341,7 @@
                       <p:nvPr/>
                     </p:nvPicPr>
                     <p:blipFill>
-                      <a:blip r:embed="rId9"/>
+                      <a:blip r:embed="rId10"/>
                       <a:stretch>
                         <a:fillRect/>
                       </a:stretch>
@@ -6380,12 +6384,12 @@
           <a:graphicData uri="http://schemas.openxmlformats.org/presentationml/2006/ole">
             <mc:AlternateContent xmlns:mc="http://schemas.openxmlformats.org/markup-compatibility/2006">
               <mc:Choice xmlns:v="urn:schemas-microsoft-com:vml" Requires="v">
-                <p:oleObj name="Worksheet" r:id="rId10" imgW="12062425" imgH="2384878" progId="Excel.Sheet.12">
+                <p:oleObj spid="_x0000_s14342" name="Worksheet" r:id="rId11" imgW="12062425" imgH="2384878" progId="Excel.Sheet.12">
                   <p:embed/>
                 </p:oleObj>
               </mc:Choice>
               <mc:Fallback>
-                <p:oleObj name="Worksheet" r:id="rId10" imgW="12062425" imgH="2384878" progId="Excel.Sheet.12">
+                <p:oleObj name="Worksheet" r:id="rId11" imgW="12062425" imgH="2384878" progId="Excel.Sheet.12">
                   <p:embed/>
                   <p:pic>
                     <p:nvPicPr>
@@ -6400,7 +6404,7 @@
                       <p:nvPr/>
                     </p:nvPicPr>
                     <p:blipFill>
-                      <a:blip r:embed="rId11"/>
+                      <a:blip r:embed="rId12"/>
                       <a:stretch>
                         <a:fillRect/>
                       </a:stretch>
@@ -6657,12 +6661,12 @@
           <a:graphicData uri="http://schemas.openxmlformats.org/presentationml/2006/ole">
             <mc:AlternateContent xmlns:mc="http://schemas.openxmlformats.org/markup-compatibility/2006">
               <mc:Choice xmlns:v="urn:schemas-microsoft-com:vml" Requires="v">
-                <p:oleObj name="Worksheet" r:id="rId12" imgW="2445914" imgH="830635" progId="Excel.Sheet.12">
+                <p:oleObj spid="_x0000_s14343" name="Worksheet" r:id="rId13" imgW="2445914" imgH="830635" progId="Excel.Sheet.12">
                   <p:embed/>
                 </p:oleObj>
               </mc:Choice>
               <mc:Fallback>
-                <p:oleObj name="Worksheet" r:id="rId12" imgW="2445914" imgH="830635" progId="Excel.Sheet.12">
+                <p:oleObj name="Worksheet" r:id="rId13" imgW="2445914" imgH="830635" progId="Excel.Sheet.12">
                   <p:embed/>
                   <p:pic>
                     <p:nvPicPr>
@@ -6677,7 +6681,7 @@
                       <p:nvPr/>
                     </p:nvPicPr>
                     <p:blipFill>
-                      <a:blip r:embed="rId13"/>
+                      <a:blip r:embed="rId14"/>
                       <a:stretch>
                         <a:fillRect/>
                       </a:stretch>
@@ -6750,12 +6754,12 @@
           <a:graphicData uri="http://schemas.openxmlformats.org/presentationml/2006/ole">
             <mc:AlternateContent xmlns:mc="http://schemas.openxmlformats.org/markup-compatibility/2006">
               <mc:Choice xmlns:v="urn:schemas-microsoft-com:vml" Requires="v">
-                <p:oleObj name="Worksheet" r:id="rId2" imgW="5494055" imgH="213202" progId="Excel.Sheet.12">
+                <p:oleObj spid="_x0000_s15362" name="Worksheet" r:id="rId3" imgW="5494055" imgH="213202" progId="Excel.Sheet.12">
                   <p:embed/>
                 </p:oleObj>
               </mc:Choice>
               <mc:Fallback>
-                <p:oleObj name="Worksheet" r:id="rId2" imgW="5494055" imgH="213202" progId="Excel.Sheet.12">
+                <p:oleObj name="Worksheet" r:id="rId3" imgW="5494055" imgH="213202" progId="Excel.Sheet.12">
                   <p:embed/>
                   <p:pic>
                     <p:nvPicPr>
@@ -6770,7 +6774,7 @@
                       <p:nvPr/>
                     </p:nvPicPr>
                     <p:blipFill>
-                      <a:blip r:embed="rId3"/>
+                      <a:blip r:embed="rId4"/>
                       <a:stretch>
                         <a:fillRect/>
                       </a:stretch>
@@ -6813,12 +6817,12 @@
           <a:graphicData uri="http://schemas.openxmlformats.org/presentationml/2006/ole">
             <mc:AlternateContent xmlns:mc="http://schemas.openxmlformats.org/markup-compatibility/2006">
               <mc:Choice xmlns:v="urn:schemas-microsoft-com:vml" Requires="v">
-                <p:oleObj name="Worksheet" r:id="rId4" imgW="4061637" imgH="830635" progId="Excel.Sheet.12">
+                <p:oleObj spid="_x0000_s15363" name="Worksheet" r:id="rId5" imgW="4061637" imgH="830635" progId="Excel.Sheet.12">
                   <p:embed/>
                 </p:oleObj>
               </mc:Choice>
               <mc:Fallback>
-                <p:oleObj name="Worksheet" r:id="rId4" imgW="4061637" imgH="830635" progId="Excel.Sheet.12">
+                <p:oleObj name="Worksheet" r:id="rId5" imgW="4061637" imgH="830635" progId="Excel.Sheet.12">
                   <p:embed/>
                   <p:pic>
                     <p:nvPicPr>
@@ -6833,7 +6837,7 @@
                       <p:nvPr/>
                     </p:nvPicPr>
                     <p:blipFill>
-                      <a:blip r:embed="rId5"/>
+                      <a:blip r:embed="rId6"/>
                       <a:stretch>
                         <a:fillRect/>
                       </a:stretch>
@@ -6882,12 +6886,12 @@
           <a:graphicData uri="http://schemas.openxmlformats.org/presentationml/2006/ole">
             <mc:AlternateContent xmlns:mc="http://schemas.openxmlformats.org/markup-compatibility/2006">
               <mc:Choice xmlns:v="urn:schemas-microsoft-com:vml" Requires="v">
-                <p:oleObj name="Worksheet" r:id="rId6" imgW="4061637" imgH="419155" progId="Excel.Sheet.12">
+                <p:oleObj spid="_x0000_s15364" name="Worksheet" r:id="rId7" imgW="4061637" imgH="419155" progId="Excel.Sheet.12">
                   <p:embed/>
                 </p:oleObj>
               </mc:Choice>
               <mc:Fallback>
-                <p:oleObj name="Worksheet" r:id="rId6" imgW="4061637" imgH="419155" progId="Excel.Sheet.12">
+                <p:oleObj name="Worksheet" r:id="rId7" imgW="4061637" imgH="419155" progId="Excel.Sheet.12">
                   <p:embed/>
                   <p:pic>
                     <p:nvPicPr>
@@ -6902,7 +6906,7 @@
                       <p:nvPr/>
                     </p:nvPicPr>
                     <p:blipFill>
-                      <a:blip r:embed="rId7"/>
+                      <a:blip r:embed="rId8"/>
                       <a:stretch>
                         <a:fillRect/>
                       </a:stretch>
@@ -6945,12 +6949,12 @@
           <a:graphicData uri="http://schemas.openxmlformats.org/presentationml/2006/ole">
             <mc:AlternateContent xmlns:mc="http://schemas.openxmlformats.org/markup-compatibility/2006">
               <mc:Choice xmlns:v="urn:schemas-microsoft-com:vml" Requires="v">
-                <p:oleObj name="Worksheet" r:id="rId8" imgW="4061637" imgH="419155" progId="Excel.Sheet.12">
+                <p:oleObj spid="_x0000_s15365" name="Worksheet" r:id="rId9" imgW="4061637" imgH="419155" progId="Excel.Sheet.12">
                   <p:embed/>
                 </p:oleObj>
               </mc:Choice>
               <mc:Fallback>
-                <p:oleObj name="Worksheet" r:id="rId8" imgW="4061637" imgH="419155" progId="Excel.Sheet.12">
+                <p:oleObj name="Worksheet" r:id="rId9" imgW="4061637" imgH="419155" progId="Excel.Sheet.12">
                   <p:embed/>
                   <p:pic>
                     <p:nvPicPr>
@@ -6965,7 +6969,7 @@
                       <p:nvPr/>
                     </p:nvPicPr>
                     <p:blipFill>
-                      <a:blip r:embed="rId9"/>
+                      <a:blip r:embed="rId10"/>
                       <a:stretch>
                         <a:fillRect/>
                       </a:stretch>
@@ -7008,12 +7012,12 @@
           <a:graphicData uri="http://schemas.openxmlformats.org/presentationml/2006/ole">
             <mc:AlternateContent xmlns:mc="http://schemas.openxmlformats.org/markup-compatibility/2006">
               <mc:Choice xmlns:v="urn:schemas-microsoft-com:vml" Requires="v">
-                <p:oleObj name="Worksheet" r:id="rId10" imgW="12062425" imgH="2384878" progId="Excel.Sheet.12">
+                <p:oleObj spid="_x0000_s15366" name="Worksheet" r:id="rId11" imgW="12062425" imgH="2384878" progId="Excel.Sheet.12">
                   <p:embed/>
                 </p:oleObj>
               </mc:Choice>
               <mc:Fallback>
-                <p:oleObj name="Worksheet" r:id="rId10" imgW="12062425" imgH="2384878" progId="Excel.Sheet.12">
+                <p:oleObj name="Worksheet" r:id="rId11" imgW="12062425" imgH="2384878" progId="Excel.Sheet.12">
                   <p:embed/>
                   <p:pic>
                     <p:nvPicPr>
@@ -7028,7 +7032,7 @@
                       <p:nvPr/>
                     </p:nvPicPr>
                     <p:blipFill>
-                      <a:blip r:embed="rId11"/>
+                      <a:blip r:embed="rId12"/>
                       <a:stretch>
                         <a:fillRect/>
                       </a:stretch>
@@ -7227,12 +7231,12 @@
           <a:graphicData uri="http://schemas.openxmlformats.org/presentationml/2006/ole">
             <mc:AlternateContent xmlns:mc="http://schemas.openxmlformats.org/markup-compatibility/2006">
               <mc:Choice xmlns:v="urn:schemas-microsoft-com:vml" Requires="v">
-                <p:oleObj name="Worksheet" r:id="rId12" imgW="2445914" imgH="830635" progId="Excel.Sheet.12">
+                <p:oleObj spid="_x0000_s15367" name="Worksheet" r:id="rId13" imgW="2445914" imgH="830635" progId="Excel.Sheet.12">
                   <p:embed/>
                 </p:oleObj>
               </mc:Choice>
               <mc:Fallback>
-                <p:oleObj name="Worksheet" r:id="rId12" imgW="2445914" imgH="830635" progId="Excel.Sheet.12">
+                <p:oleObj name="Worksheet" r:id="rId13" imgW="2445914" imgH="830635" progId="Excel.Sheet.12">
                   <p:embed/>
                   <p:pic>
                     <p:nvPicPr>
@@ -7247,7 +7251,7 @@
                       <p:nvPr/>
                     </p:nvPicPr>
                     <p:blipFill>
-                      <a:blip r:embed="rId13"/>
+                      <a:blip r:embed="rId14"/>
                       <a:stretch>
                         <a:fillRect/>
                       </a:stretch>
@@ -7358,12 +7362,12 @@
           <a:graphicData uri="http://schemas.openxmlformats.org/presentationml/2006/ole">
             <mc:AlternateContent xmlns:mc="http://schemas.openxmlformats.org/markup-compatibility/2006">
               <mc:Choice xmlns:v="urn:schemas-microsoft-com:vml" Requires="v">
-                <p:oleObj name="Worksheet" r:id="rId2" imgW="5494055" imgH="213202" progId="Excel.Sheet.12">
+                <p:oleObj spid="_x0000_s16386" name="Worksheet" r:id="rId3" imgW="5494055" imgH="213202" progId="Excel.Sheet.12">
                   <p:embed/>
                 </p:oleObj>
               </mc:Choice>
               <mc:Fallback>
-                <p:oleObj name="Worksheet" r:id="rId2" imgW="5494055" imgH="213202" progId="Excel.Sheet.12">
+                <p:oleObj name="Worksheet" r:id="rId3" imgW="5494055" imgH="213202" progId="Excel.Sheet.12">
                   <p:embed/>
                   <p:pic>
                     <p:nvPicPr>
@@ -7378,7 +7382,7 @@
                       <p:nvPr/>
                     </p:nvPicPr>
                     <p:blipFill>
-                      <a:blip r:embed="rId3"/>
+                      <a:blip r:embed="rId4"/>
                       <a:stretch>
                         <a:fillRect/>
                       </a:stretch>
@@ -7421,12 +7425,12 @@
           <a:graphicData uri="http://schemas.openxmlformats.org/presentationml/2006/ole">
             <mc:AlternateContent xmlns:mc="http://schemas.openxmlformats.org/markup-compatibility/2006">
               <mc:Choice xmlns:v="urn:schemas-microsoft-com:vml" Requires="v">
-                <p:oleObj name="Worksheet" r:id="rId4" imgW="4061637" imgH="830635" progId="Excel.Sheet.12">
+                <p:oleObj spid="_x0000_s16387" name="Worksheet" r:id="rId5" imgW="4061637" imgH="830635" progId="Excel.Sheet.12">
                   <p:embed/>
                 </p:oleObj>
               </mc:Choice>
               <mc:Fallback>
-                <p:oleObj name="Worksheet" r:id="rId4" imgW="4061637" imgH="830635" progId="Excel.Sheet.12">
+                <p:oleObj name="Worksheet" r:id="rId5" imgW="4061637" imgH="830635" progId="Excel.Sheet.12">
                   <p:embed/>
                   <p:pic>
                     <p:nvPicPr>
@@ -7441,7 +7445,7 @@
                       <p:nvPr/>
                     </p:nvPicPr>
                     <p:blipFill>
-                      <a:blip r:embed="rId5"/>
+                      <a:blip r:embed="rId6"/>
                       <a:stretch>
                         <a:fillRect/>
                       </a:stretch>
@@ -7490,12 +7494,12 @@
           <a:graphicData uri="http://schemas.openxmlformats.org/presentationml/2006/ole">
             <mc:AlternateContent xmlns:mc="http://schemas.openxmlformats.org/markup-compatibility/2006">
               <mc:Choice xmlns:v="urn:schemas-microsoft-com:vml" Requires="v">
-                <p:oleObj name="Worksheet" r:id="rId6" imgW="4061637" imgH="419155" progId="Excel.Sheet.12">
+                <p:oleObj spid="_x0000_s16388" name="Worksheet" r:id="rId7" imgW="4061637" imgH="419155" progId="Excel.Sheet.12">
                   <p:embed/>
                 </p:oleObj>
               </mc:Choice>
               <mc:Fallback>
-                <p:oleObj name="Worksheet" r:id="rId6" imgW="4061637" imgH="419155" progId="Excel.Sheet.12">
+                <p:oleObj name="Worksheet" r:id="rId7" imgW="4061637" imgH="419155" progId="Excel.Sheet.12">
                   <p:embed/>
                   <p:pic>
                     <p:nvPicPr>
@@ -7510,7 +7514,7 @@
                       <p:nvPr/>
                     </p:nvPicPr>
                     <p:blipFill>
-                      <a:blip r:embed="rId7"/>
+                      <a:blip r:embed="rId8"/>
                       <a:stretch>
                         <a:fillRect/>
                       </a:stretch>
@@ -7559,12 +7563,12 @@
           <a:graphicData uri="http://schemas.openxmlformats.org/presentationml/2006/ole">
             <mc:AlternateContent xmlns:mc="http://schemas.openxmlformats.org/markup-compatibility/2006">
               <mc:Choice xmlns:v="urn:schemas-microsoft-com:vml" Requires="v">
-                <p:oleObj name="Worksheet" r:id="rId8" imgW="4061637" imgH="419155" progId="Excel.Sheet.12">
+                <p:oleObj spid="_x0000_s16389" name="Worksheet" r:id="rId9" imgW="4061637" imgH="419155" progId="Excel.Sheet.12">
                   <p:embed/>
                 </p:oleObj>
               </mc:Choice>
               <mc:Fallback>
-                <p:oleObj name="Worksheet" r:id="rId8" imgW="4061637" imgH="419155" progId="Excel.Sheet.12">
+                <p:oleObj name="Worksheet" r:id="rId9" imgW="4061637" imgH="419155" progId="Excel.Sheet.12">
                   <p:embed/>
                   <p:pic>
                     <p:nvPicPr>
@@ -7579,7 +7583,7 @@
                       <p:nvPr/>
                     </p:nvPicPr>
                     <p:blipFill>
-                      <a:blip r:embed="rId9"/>
+                      <a:blip r:embed="rId10"/>
                       <a:stretch>
                         <a:fillRect/>
                       </a:stretch>
@@ -7628,12 +7632,12 @@
           <a:graphicData uri="http://schemas.openxmlformats.org/presentationml/2006/ole">
             <mc:AlternateContent xmlns:mc="http://schemas.openxmlformats.org/markup-compatibility/2006">
               <mc:Choice xmlns:v="urn:schemas-microsoft-com:vml" Requires="v">
-                <p:oleObj name="Worksheet" r:id="rId10" imgW="12062425" imgH="2384878" progId="Excel.Sheet.12">
+                <p:oleObj spid="_x0000_s16390" name="Worksheet" r:id="rId11" imgW="12062425" imgH="2384878" progId="Excel.Sheet.12">
                   <p:embed/>
                 </p:oleObj>
               </mc:Choice>
               <mc:Fallback>
-                <p:oleObj name="Worksheet" r:id="rId10" imgW="12062425" imgH="2384878" progId="Excel.Sheet.12">
+                <p:oleObj name="Worksheet" r:id="rId11" imgW="12062425" imgH="2384878" progId="Excel.Sheet.12">
                   <p:embed/>
                   <p:pic>
                     <p:nvPicPr>
@@ -7648,7 +7652,7 @@
                       <p:nvPr/>
                     </p:nvPicPr>
                     <p:blipFill>
-                      <a:blip r:embed="rId11"/>
+                      <a:blip r:embed="rId12"/>
                       <a:stretch>
                         <a:fillRect/>
                       </a:stretch>
@@ -7891,12 +7895,12 @@
           <a:graphicData uri="http://schemas.openxmlformats.org/presentationml/2006/ole">
             <mc:AlternateContent xmlns:mc="http://schemas.openxmlformats.org/markup-compatibility/2006">
               <mc:Choice xmlns:v="urn:schemas-microsoft-com:vml" Requires="v">
-                <p:oleObj name="Worksheet" r:id="rId12" imgW="2445914" imgH="830635" progId="Excel.Sheet.12">
+                <p:oleObj spid="_x0000_s16391" name="Worksheet" r:id="rId13" imgW="2445914" imgH="830635" progId="Excel.Sheet.12">
                   <p:embed/>
                 </p:oleObj>
               </mc:Choice>
               <mc:Fallback>
-                <p:oleObj name="Worksheet" r:id="rId12" imgW="2445914" imgH="830635" progId="Excel.Sheet.12">
+                <p:oleObj name="Worksheet" r:id="rId13" imgW="2445914" imgH="830635" progId="Excel.Sheet.12">
                   <p:embed/>
                   <p:pic>
                     <p:nvPicPr>
@@ -7911,7 +7915,7 @@
                       <p:nvPr/>
                     </p:nvPicPr>
                     <p:blipFill>
-                      <a:blip r:embed="rId13"/>
+                      <a:blip r:embed="rId14"/>
                       <a:stretch>
                         <a:fillRect/>
                       </a:stretch>
@@ -7984,12 +7988,12 @@
           <a:graphicData uri="http://schemas.openxmlformats.org/presentationml/2006/ole">
             <mc:AlternateContent xmlns:mc="http://schemas.openxmlformats.org/markup-compatibility/2006">
               <mc:Choice xmlns:v="urn:schemas-microsoft-com:vml" Requires="v">
-                <p:oleObj name="Worksheet" r:id="rId2" imgW="5494055" imgH="213202" progId="Excel.Sheet.12">
+                <p:oleObj spid="_x0000_s17410" name="Worksheet" r:id="rId3" imgW="5494055" imgH="213202" progId="Excel.Sheet.12">
                   <p:embed/>
                 </p:oleObj>
               </mc:Choice>
               <mc:Fallback>
-                <p:oleObj name="Worksheet" r:id="rId2" imgW="5494055" imgH="213202" progId="Excel.Sheet.12">
+                <p:oleObj name="Worksheet" r:id="rId3" imgW="5494055" imgH="213202" progId="Excel.Sheet.12">
                   <p:embed/>
                   <p:pic>
                     <p:nvPicPr>
@@ -8004,7 +8008,7 @@
                       <p:nvPr/>
                     </p:nvPicPr>
                     <p:blipFill>
-                      <a:blip r:embed="rId3"/>
+                      <a:blip r:embed="rId4"/>
                       <a:stretch>
                         <a:fillRect/>
                       </a:stretch>
@@ -8047,12 +8051,12 @@
           <a:graphicData uri="http://schemas.openxmlformats.org/presentationml/2006/ole">
             <mc:AlternateContent xmlns:mc="http://schemas.openxmlformats.org/markup-compatibility/2006">
               <mc:Choice xmlns:v="urn:schemas-microsoft-com:vml" Requires="v">
-                <p:oleObj name="Worksheet" r:id="rId4" imgW="4061637" imgH="830635" progId="Excel.Sheet.12">
+                <p:oleObj spid="_x0000_s17411" name="Worksheet" r:id="rId5" imgW="4061637" imgH="830635" progId="Excel.Sheet.12">
                   <p:embed/>
                 </p:oleObj>
               </mc:Choice>
               <mc:Fallback>
-                <p:oleObj name="Worksheet" r:id="rId4" imgW="4061637" imgH="830635" progId="Excel.Sheet.12">
+                <p:oleObj name="Worksheet" r:id="rId5" imgW="4061637" imgH="830635" progId="Excel.Sheet.12">
                   <p:embed/>
                   <p:pic>
                     <p:nvPicPr>
@@ -8067,7 +8071,7 @@
                       <p:nvPr/>
                     </p:nvPicPr>
                     <p:blipFill>
-                      <a:blip r:embed="rId5"/>
+                      <a:blip r:embed="rId6"/>
                       <a:stretch>
                         <a:fillRect/>
                       </a:stretch>
@@ -8116,12 +8120,12 @@
           <a:graphicData uri="http://schemas.openxmlformats.org/presentationml/2006/ole">
             <mc:AlternateContent xmlns:mc="http://schemas.openxmlformats.org/markup-compatibility/2006">
               <mc:Choice xmlns:v="urn:schemas-microsoft-com:vml" Requires="v">
-                <p:oleObj name="Worksheet" r:id="rId6" imgW="4061637" imgH="419155" progId="Excel.Sheet.12">
+                <p:oleObj spid="_x0000_s17412" name="Worksheet" r:id="rId7" imgW="4061637" imgH="419155" progId="Excel.Sheet.12">
                   <p:embed/>
                 </p:oleObj>
               </mc:Choice>
               <mc:Fallback>
-                <p:oleObj name="Worksheet" r:id="rId6" imgW="4061637" imgH="419155" progId="Excel.Sheet.12">
+                <p:oleObj name="Worksheet" r:id="rId7" imgW="4061637" imgH="419155" progId="Excel.Sheet.12">
                   <p:embed/>
                   <p:pic>
                     <p:nvPicPr>
@@ -8136,7 +8140,7 @@
                       <p:nvPr/>
                     </p:nvPicPr>
                     <p:blipFill>
-                      <a:blip r:embed="rId7"/>
+                      <a:blip r:embed="rId8"/>
                       <a:stretch>
                         <a:fillRect/>
                       </a:stretch>
@@ -8185,12 +8189,12 @@
           <a:graphicData uri="http://schemas.openxmlformats.org/presentationml/2006/ole">
             <mc:AlternateContent xmlns:mc="http://schemas.openxmlformats.org/markup-compatibility/2006">
               <mc:Choice xmlns:v="urn:schemas-microsoft-com:vml" Requires="v">
-                <p:oleObj name="Worksheet" r:id="rId8" imgW="4061637" imgH="419155" progId="Excel.Sheet.12">
+                <p:oleObj spid="_x0000_s17413" name="Worksheet" r:id="rId9" imgW="4061637" imgH="419155" progId="Excel.Sheet.12">
                   <p:embed/>
                 </p:oleObj>
               </mc:Choice>
               <mc:Fallback>
-                <p:oleObj name="Worksheet" r:id="rId8" imgW="4061637" imgH="419155" progId="Excel.Sheet.12">
+                <p:oleObj name="Worksheet" r:id="rId9" imgW="4061637" imgH="419155" progId="Excel.Sheet.12">
                   <p:embed/>
                   <p:pic>
                     <p:nvPicPr>
@@ -8205,7 +8209,7 @@
                       <p:nvPr/>
                     </p:nvPicPr>
                     <p:blipFill>
-                      <a:blip r:embed="rId9"/>
+                      <a:blip r:embed="rId10"/>
                       <a:stretch>
                         <a:fillRect/>
                       </a:stretch>
@@ -8248,12 +8252,12 @@
           <a:graphicData uri="http://schemas.openxmlformats.org/presentationml/2006/ole">
             <mc:AlternateContent xmlns:mc="http://schemas.openxmlformats.org/markup-compatibility/2006">
               <mc:Choice xmlns:v="urn:schemas-microsoft-com:vml" Requires="v">
-                <p:oleObj name="Worksheet" r:id="rId10" imgW="12062425" imgH="2384878" progId="Excel.Sheet.12">
+                <p:oleObj spid="_x0000_s17414" name="Worksheet" r:id="rId11" imgW="12062425" imgH="2384878" progId="Excel.Sheet.12">
                   <p:embed/>
                 </p:oleObj>
               </mc:Choice>
               <mc:Fallback>
-                <p:oleObj name="Worksheet" r:id="rId10" imgW="12062425" imgH="2384878" progId="Excel.Sheet.12">
+                <p:oleObj name="Worksheet" r:id="rId11" imgW="12062425" imgH="2384878" progId="Excel.Sheet.12">
                   <p:embed/>
                   <p:pic>
                     <p:nvPicPr>
@@ -8268,7 +8272,7 @@
                       <p:nvPr/>
                     </p:nvPicPr>
                     <p:blipFill>
-                      <a:blip r:embed="rId11"/>
+                      <a:blip r:embed="rId12"/>
                       <a:stretch>
                         <a:fillRect/>
                       </a:stretch>
@@ -8487,12 +8491,12 @@
           <a:graphicData uri="http://schemas.openxmlformats.org/presentationml/2006/ole">
             <mc:AlternateContent xmlns:mc="http://schemas.openxmlformats.org/markup-compatibility/2006">
               <mc:Choice xmlns:v="urn:schemas-microsoft-com:vml" Requires="v">
-                <p:oleObj name="Worksheet" r:id="rId12" imgW="2445914" imgH="830635" progId="Excel.Sheet.12">
+                <p:oleObj spid="_x0000_s17415" name="Worksheet" r:id="rId13" imgW="2445914" imgH="830635" progId="Excel.Sheet.12">
                   <p:embed/>
                 </p:oleObj>
               </mc:Choice>
               <mc:Fallback>
-                <p:oleObj name="Worksheet" r:id="rId12" imgW="2445914" imgH="830635" progId="Excel.Sheet.12">
+                <p:oleObj name="Worksheet" r:id="rId13" imgW="2445914" imgH="830635" progId="Excel.Sheet.12">
                   <p:embed/>
                   <p:pic>
                     <p:nvPicPr>
@@ -8507,7 +8511,7 @@
                       <p:nvPr/>
                     </p:nvPicPr>
                     <p:blipFill>
-                      <a:blip r:embed="rId13"/>
+                      <a:blip r:embed="rId14"/>
                       <a:stretch>
                         <a:fillRect/>
                       </a:stretch>
@@ -8580,12 +8584,12 @@
           <a:graphicData uri="http://schemas.openxmlformats.org/presentationml/2006/ole">
             <mc:AlternateContent xmlns:mc="http://schemas.openxmlformats.org/markup-compatibility/2006">
               <mc:Choice xmlns:v="urn:schemas-microsoft-com:vml" Requires="v">
-                <p:oleObj name="Worksheet" r:id="rId2" imgW="5494055" imgH="213202" progId="Excel.Sheet.12">
+                <p:oleObj spid="_x0000_s18434" name="Worksheet" r:id="rId3" imgW="5494055" imgH="213202" progId="Excel.Sheet.12">
                   <p:embed/>
                 </p:oleObj>
               </mc:Choice>
               <mc:Fallback>
-                <p:oleObj name="Worksheet" r:id="rId2" imgW="5494055" imgH="213202" progId="Excel.Sheet.12">
+                <p:oleObj name="Worksheet" r:id="rId3" imgW="5494055" imgH="213202" progId="Excel.Sheet.12">
                   <p:embed/>
                   <p:pic>
                     <p:nvPicPr>
@@ -8600,7 +8604,7 @@
                       <p:nvPr/>
                     </p:nvPicPr>
                     <p:blipFill>
-                      <a:blip r:embed="rId3"/>
+                      <a:blip r:embed="rId4"/>
                       <a:stretch>
                         <a:fillRect/>
                       </a:stretch>
@@ -8643,12 +8647,12 @@
           <a:graphicData uri="http://schemas.openxmlformats.org/presentationml/2006/ole">
             <mc:AlternateContent xmlns:mc="http://schemas.openxmlformats.org/markup-compatibility/2006">
               <mc:Choice xmlns:v="urn:schemas-microsoft-com:vml" Requires="v">
-                <p:oleObj name="Worksheet" r:id="rId4" imgW="4061637" imgH="830635" progId="Excel.Sheet.12">
+                <p:oleObj spid="_x0000_s18435" name="Worksheet" r:id="rId5" imgW="4061637" imgH="830635" progId="Excel.Sheet.12">
                   <p:embed/>
                 </p:oleObj>
               </mc:Choice>
               <mc:Fallback>
-                <p:oleObj name="Worksheet" r:id="rId4" imgW="4061637" imgH="830635" progId="Excel.Sheet.12">
+                <p:oleObj name="Worksheet" r:id="rId5" imgW="4061637" imgH="830635" progId="Excel.Sheet.12">
                   <p:embed/>
                   <p:pic>
                     <p:nvPicPr>
@@ -8663,7 +8667,7 @@
                       <p:nvPr/>
                     </p:nvPicPr>
                     <p:blipFill>
-                      <a:blip r:embed="rId5"/>
+                      <a:blip r:embed="rId6"/>
                       <a:stretch>
                         <a:fillRect/>
                       </a:stretch>
@@ -8712,12 +8716,12 @@
           <a:graphicData uri="http://schemas.openxmlformats.org/presentationml/2006/ole">
             <mc:AlternateContent xmlns:mc="http://schemas.openxmlformats.org/markup-compatibility/2006">
               <mc:Choice xmlns:v="urn:schemas-microsoft-com:vml" Requires="v">
-                <p:oleObj name="Worksheet" r:id="rId6" imgW="4061637" imgH="419155" progId="Excel.Sheet.12">
+                <p:oleObj spid="_x0000_s18436" name="Worksheet" r:id="rId7" imgW="4061637" imgH="419155" progId="Excel.Sheet.12">
                   <p:embed/>
                 </p:oleObj>
               </mc:Choice>
               <mc:Fallback>
-                <p:oleObj name="Worksheet" r:id="rId6" imgW="4061637" imgH="419155" progId="Excel.Sheet.12">
+                <p:oleObj name="Worksheet" r:id="rId7" imgW="4061637" imgH="419155" progId="Excel.Sheet.12">
                   <p:embed/>
                   <p:pic>
                     <p:nvPicPr>
@@ -8732,7 +8736,7 @@
                       <p:nvPr/>
                     </p:nvPicPr>
                     <p:blipFill>
-                      <a:blip r:embed="rId7"/>
+                      <a:blip r:embed="rId8"/>
                       <a:stretch>
                         <a:fillRect/>
                       </a:stretch>
@@ -8781,12 +8785,12 @@
           <a:graphicData uri="http://schemas.openxmlformats.org/presentationml/2006/ole">
             <mc:AlternateContent xmlns:mc="http://schemas.openxmlformats.org/markup-compatibility/2006">
               <mc:Choice xmlns:v="urn:schemas-microsoft-com:vml" Requires="v">
-                <p:oleObj name="Worksheet" r:id="rId8" imgW="4061637" imgH="419155" progId="Excel.Sheet.12">
+                <p:oleObj spid="_x0000_s18437" name="Worksheet" r:id="rId9" imgW="4061637" imgH="419155" progId="Excel.Sheet.12">
                   <p:embed/>
                 </p:oleObj>
               </mc:Choice>
               <mc:Fallback>
-                <p:oleObj name="Worksheet" r:id="rId8" imgW="4061637" imgH="419155" progId="Excel.Sheet.12">
+                <p:oleObj name="Worksheet" r:id="rId9" imgW="4061637" imgH="419155" progId="Excel.Sheet.12">
                   <p:embed/>
                   <p:pic>
                     <p:nvPicPr>
@@ -8801,7 +8805,7 @@
                       <p:nvPr/>
                     </p:nvPicPr>
                     <p:blipFill>
-                      <a:blip r:embed="rId9"/>
+                      <a:blip r:embed="rId10"/>
                       <a:stretch>
                         <a:fillRect/>
                       </a:stretch>
@@ -8844,12 +8848,12 @@
           <a:graphicData uri="http://schemas.openxmlformats.org/presentationml/2006/ole">
             <mc:AlternateContent xmlns:mc="http://schemas.openxmlformats.org/markup-compatibility/2006">
               <mc:Choice xmlns:v="urn:schemas-microsoft-com:vml" Requires="v">
-                <p:oleObj name="Worksheet" r:id="rId10" imgW="12062425" imgH="2384878" progId="Excel.Sheet.12">
+                <p:oleObj spid="_x0000_s18438" name="Worksheet" r:id="rId11" imgW="12062425" imgH="2384878" progId="Excel.Sheet.12">
                   <p:embed/>
                 </p:oleObj>
               </mc:Choice>
               <mc:Fallback>
-                <p:oleObj name="Worksheet" r:id="rId10" imgW="12062425" imgH="2384878" progId="Excel.Sheet.12">
+                <p:oleObj name="Worksheet" r:id="rId11" imgW="12062425" imgH="2384878" progId="Excel.Sheet.12">
                   <p:embed/>
                   <p:pic>
                     <p:nvPicPr>
@@ -8864,7 +8868,7 @@
                       <p:nvPr/>
                     </p:nvPicPr>
                     <p:blipFill>
-                      <a:blip r:embed="rId11"/>
+                      <a:blip r:embed="rId12"/>
                       <a:stretch>
                         <a:fillRect/>
                       </a:stretch>
@@ -9055,12 +9059,12 @@
           <a:graphicData uri="http://schemas.openxmlformats.org/presentationml/2006/ole">
             <mc:AlternateContent xmlns:mc="http://schemas.openxmlformats.org/markup-compatibility/2006">
               <mc:Choice xmlns:v="urn:schemas-microsoft-com:vml" Requires="v">
-                <p:oleObj name="Worksheet" r:id="rId12" imgW="2445914" imgH="830635" progId="Excel.Sheet.12">
+                <p:oleObj spid="_x0000_s18439" name="Worksheet" r:id="rId13" imgW="2445914" imgH="830635" progId="Excel.Sheet.12">
                   <p:embed/>
                 </p:oleObj>
               </mc:Choice>
               <mc:Fallback>
-                <p:oleObj name="Worksheet" r:id="rId12" imgW="2445914" imgH="830635" progId="Excel.Sheet.12">
+                <p:oleObj name="Worksheet" r:id="rId13" imgW="2445914" imgH="830635" progId="Excel.Sheet.12">
                   <p:embed/>
                   <p:pic>
                     <p:nvPicPr>
@@ -9075,7 +9079,7 @@
                       <p:nvPr/>
                     </p:nvPicPr>
                     <p:blipFill>
-                      <a:blip r:embed="rId13"/>
+                      <a:blip r:embed="rId14"/>
                       <a:stretch>
                         <a:fillRect/>
                       </a:stretch>
@@ -9148,12 +9152,12 @@
           <a:graphicData uri="http://schemas.openxmlformats.org/presentationml/2006/ole">
             <mc:AlternateContent xmlns:mc="http://schemas.openxmlformats.org/markup-compatibility/2006">
               <mc:Choice xmlns:v="urn:schemas-microsoft-com:vml" Requires="v">
-                <p:oleObj name="Worksheet" r:id="rId2" imgW="4061637" imgH="830635" progId="Excel.Sheet.12">
+                <p:oleObj spid="_x0000_s1026" name="Worksheet" r:id="rId3" imgW="4061637" imgH="830635" progId="Excel.Sheet.12">
                   <p:embed/>
                 </p:oleObj>
               </mc:Choice>
               <mc:Fallback>
-                <p:oleObj name="Worksheet" r:id="rId2" imgW="4061637" imgH="830635" progId="Excel.Sheet.12">
+                <p:oleObj name="Worksheet" r:id="rId3" imgW="4061637" imgH="830635" progId="Excel.Sheet.12">
                   <p:embed/>
                   <p:pic>
                     <p:nvPicPr>
@@ -9168,7 +9172,7 @@
                       <p:nvPr/>
                     </p:nvPicPr>
                     <p:blipFill>
-                      <a:blip r:embed="rId3"/>
+                      <a:blip r:embed="rId4"/>
                       <a:stretch>
                         <a:fillRect/>
                       </a:stretch>
@@ -9211,12 +9215,12 @@
           <a:graphicData uri="http://schemas.openxmlformats.org/presentationml/2006/ole">
             <mc:AlternateContent xmlns:mc="http://schemas.openxmlformats.org/markup-compatibility/2006">
               <mc:Choice xmlns:v="urn:schemas-microsoft-com:vml" Requires="v">
-                <p:oleObj name="Worksheet" r:id="rId4" imgW="5494055" imgH="213202" progId="Excel.Sheet.12">
+                <p:oleObj spid="_x0000_s1027" name="Worksheet" r:id="rId5" imgW="5494055" imgH="213202" progId="Excel.Sheet.12">
                   <p:embed/>
                 </p:oleObj>
               </mc:Choice>
               <mc:Fallback>
-                <p:oleObj name="Worksheet" r:id="rId4" imgW="5494055" imgH="213202" progId="Excel.Sheet.12">
+                <p:oleObj name="Worksheet" r:id="rId5" imgW="5494055" imgH="213202" progId="Excel.Sheet.12">
                   <p:embed/>
                   <p:pic>
                     <p:nvPicPr>
@@ -9231,7 +9235,7 @@
                       <p:nvPr/>
                     </p:nvPicPr>
                     <p:blipFill>
-                      <a:blip r:embed="rId5"/>
+                      <a:blip r:embed="rId6"/>
                       <a:stretch>
                         <a:fillRect/>
                       </a:stretch>
@@ -9274,12 +9278,12 @@
           <a:graphicData uri="http://schemas.openxmlformats.org/presentationml/2006/ole">
             <mc:AlternateContent xmlns:mc="http://schemas.openxmlformats.org/markup-compatibility/2006">
               <mc:Choice xmlns:v="urn:schemas-microsoft-com:vml" Requires="v">
-                <p:oleObj name="Worksheet" r:id="rId6" imgW="4061637" imgH="419155" progId="Excel.Sheet.12">
+                <p:oleObj spid="_x0000_s1028" name="Worksheet" r:id="rId7" imgW="4061637" imgH="419155" progId="Excel.Sheet.12">
                   <p:embed/>
                 </p:oleObj>
               </mc:Choice>
               <mc:Fallback>
-                <p:oleObj name="Worksheet" r:id="rId6" imgW="4061637" imgH="419155" progId="Excel.Sheet.12">
+                <p:oleObj name="Worksheet" r:id="rId7" imgW="4061637" imgH="419155" progId="Excel.Sheet.12">
                   <p:embed/>
                   <p:pic>
                     <p:nvPicPr>
@@ -9294,7 +9298,7 @@
                       <p:nvPr/>
                     </p:nvPicPr>
                     <p:blipFill>
-                      <a:blip r:embed="rId7"/>
+                      <a:blip r:embed="rId8"/>
                       <a:stretch>
                         <a:fillRect/>
                       </a:stretch>
@@ -9337,12 +9341,12 @@
           <a:graphicData uri="http://schemas.openxmlformats.org/presentationml/2006/ole">
             <mc:AlternateContent xmlns:mc="http://schemas.openxmlformats.org/markup-compatibility/2006">
               <mc:Choice xmlns:v="urn:schemas-microsoft-com:vml" Requires="v">
-                <p:oleObj name="Worksheet" r:id="rId8" imgW="4061637" imgH="419155" progId="Excel.Sheet.12">
+                <p:oleObj spid="_x0000_s1029" name="Worksheet" r:id="rId9" imgW="4061637" imgH="419155" progId="Excel.Sheet.12">
                   <p:embed/>
                 </p:oleObj>
               </mc:Choice>
               <mc:Fallback>
-                <p:oleObj name="Worksheet" r:id="rId8" imgW="4061637" imgH="419155" progId="Excel.Sheet.12">
+                <p:oleObj name="Worksheet" r:id="rId9" imgW="4061637" imgH="419155" progId="Excel.Sheet.12">
                   <p:embed/>
                   <p:pic>
                     <p:nvPicPr>
@@ -9357,7 +9361,7 @@
                       <p:nvPr/>
                     </p:nvPicPr>
                     <p:blipFill>
-                      <a:blip r:embed="rId9"/>
+                      <a:blip r:embed="rId10"/>
                       <a:stretch>
                         <a:fillRect/>
                       </a:stretch>
@@ -9406,12 +9410,12 @@
           <a:graphicData uri="http://schemas.openxmlformats.org/presentationml/2006/ole">
             <mc:AlternateContent xmlns:mc="http://schemas.openxmlformats.org/markup-compatibility/2006">
               <mc:Choice xmlns:v="urn:schemas-microsoft-com:vml" Requires="v">
-                <p:oleObj name="Worksheet" r:id="rId10" imgW="12062425" imgH="2384878" progId="Excel.Sheet.12">
+                <p:oleObj spid="_x0000_s1030" name="Worksheet" r:id="rId11" imgW="12062425" imgH="2384878" progId="Excel.Sheet.12">
                   <p:embed/>
                 </p:oleObj>
               </mc:Choice>
               <mc:Fallback>
-                <p:oleObj name="Worksheet" r:id="rId10" imgW="12062425" imgH="2384878" progId="Excel.Sheet.12">
+                <p:oleObj name="Worksheet" r:id="rId11" imgW="12062425" imgH="2384878" progId="Excel.Sheet.12">
                   <p:embed/>
                   <p:pic>
                     <p:nvPicPr>
@@ -9426,7 +9430,7 @@
                       <p:nvPr/>
                     </p:nvPicPr>
                     <p:blipFill>
-                      <a:blip r:embed="rId11"/>
+                      <a:blip r:embed="rId12"/>
                       <a:stretch>
                         <a:fillRect/>
                       </a:stretch>
@@ -9513,12 +9517,12 @@
           <a:graphicData uri="http://schemas.openxmlformats.org/presentationml/2006/ole">
             <mc:AlternateContent xmlns:mc="http://schemas.openxmlformats.org/markup-compatibility/2006">
               <mc:Choice xmlns:v="urn:schemas-microsoft-com:vml" Requires="v">
-                <p:oleObj name="Worksheet" r:id="rId12" imgW="2445914" imgH="830635" progId="Excel.Sheet.12">
+                <p:oleObj spid="_x0000_s1031" name="Worksheet" r:id="rId13" imgW="2445914" imgH="830635" progId="Excel.Sheet.12">
                   <p:embed/>
                 </p:oleObj>
               </mc:Choice>
               <mc:Fallback>
-                <p:oleObj name="Worksheet" r:id="rId12" imgW="2445914" imgH="830635" progId="Excel.Sheet.12">
+                <p:oleObj name="Worksheet" r:id="rId13" imgW="2445914" imgH="830635" progId="Excel.Sheet.12">
                   <p:embed/>
                   <p:pic>
                     <p:nvPicPr>
@@ -9533,7 +9537,7 @@
                       <p:nvPr/>
                     </p:nvPicPr>
                     <p:blipFill>
-                      <a:blip r:embed="rId13"/>
+                      <a:blip r:embed="rId14"/>
                       <a:stretch>
                         <a:fillRect/>
                       </a:stretch>
@@ -9606,12 +9610,12 @@
           <a:graphicData uri="http://schemas.openxmlformats.org/presentationml/2006/ole">
             <mc:AlternateContent xmlns:mc="http://schemas.openxmlformats.org/markup-compatibility/2006">
               <mc:Choice xmlns:v="urn:schemas-microsoft-com:vml" Requires="v">
-                <p:oleObj name="Worksheet" r:id="rId2" imgW="5494055" imgH="213202" progId="Excel.Sheet.12">
+                <p:oleObj spid="_x0000_s19458" name="Worksheet" r:id="rId3" imgW="5494055" imgH="213202" progId="Excel.Sheet.12">
                   <p:embed/>
                 </p:oleObj>
               </mc:Choice>
               <mc:Fallback>
-                <p:oleObj name="Worksheet" r:id="rId2" imgW="5494055" imgH="213202" progId="Excel.Sheet.12">
+                <p:oleObj name="Worksheet" r:id="rId3" imgW="5494055" imgH="213202" progId="Excel.Sheet.12">
                   <p:embed/>
                   <p:pic>
                     <p:nvPicPr>
@@ -9626,7 +9630,7 @@
                       <p:nvPr/>
                     </p:nvPicPr>
                     <p:blipFill>
-                      <a:blip r:embed="rId3"/>
+                      <a:blip r:embed="rId4"/>
                       <a:stretch>
                         <a:fillRect/>
                       </a:stretch>
@@ -9669,12 +9673,12 @@
           <a:graphicData uri="http://schemas.openxmlformats.org/presentationml/2006/ole">
             <mc:AlternateContent xmlns:mc="http://schemas.openxmlformats.org/markup-compatibility/2006">
               <mc:Choice xmlns:v="urn:schemas-microsoft-com:vml" Requires="v">
-                <p:oleObj name="Worksheet" r:id="rId4" imgW="4061637" imgH="830635" progId="Excel.Sheet.12">
+                <p:oleObj spid="_x0000_s19459" name="Worksheet" r:id="rId5" imgW="4061637" imgH="830635" progId="Excel.Sheet.12">
                   <p:embed/>
                 </p:oleObj>
               </mc:Choice>
               <mc:Fallback>
-                <p:oleObj name="Worksheet" r:id="rId4" imgW="4061637" imgH="830635" progId="Excel.Sheet.12">
+                <p:oleObj name="Worksheet" r:id="rId5" imgW="4061637" imgH="830635" progId="Excel.Sheet.12">
                   <p:embed/>
                   <p:pic>
                     <p:nvPicPr>
@@ -9689,7 +9693,7 @@
                       <p:nvPr/>
                     </p:nvPicPr>
                     <p:blipFill>
-                      <a:blip r:embed="rId5"/>
+                      <a:blip r:embed="rId6"/>
                       <a:stretch>
                         <a:fillRect/>
                       </a:stretch>
@@ -9738,12 +9742,12 @@
           <a:graphicData uri="http://schemas.openxmlformats.org/presentationml/2006/ole">
             <mc:AlternateContent xmlns:mc="http://schemas.openxmlformats.org/markup-compatibility/2006">
               <mc:Choice xmlns:v="urn:schemas-microsoft-com:vml" Requires="v">
-                <p:oleObj name="Worksheet" r:id="rId6" imgW="4061637" imgH="419155" progId="Excel.Sheet.12">
+                <p:oleObj spid="_x0000_s19460" name="Worksheet" r:id="rId7" imgW="4061637" imgH="419155" progId="Excel.Sheet.12">
                   <p:embed/>
                 </p:oleObj>
               </mc:Choice>
               <mc:Fallback>
-                <p:oleObj name="Worksheet" r:id="rId6" imgW="4061637" imgH="419155" progId="Excel.Sheet.12">
+                <p:oleObj name="Worksheet" r:id="rId7" imgW="4061637" imgH="419155" progId="Excel.Sheet.12">
                   <p:embed/>
                   <p:pic>
                     <p:nvPicPr>
@@ -9758,7 +9762,7 @@
                       <p:nvPr/>
                     </p:nvPicPr>
                     <p:blipFill>
-                      <a:blip r:embed="rId7"/>
+                      <a:blip r:embed="rId8"/>
                       <a:stretch>
                         <a:fillRect/>
                       </a:stretch>
@@ -9807,12 +9811,12 @@
           <a:graphicData uri="http://schemas.openxmlformats.org/presentationml/2006/ole">
             <mc:AlternateContent xmlns:mc="http://schemas.openxmlformats.org/markup-compatibility/2006">
               <mc:Choice xmlns:v="urn:schemas-microsoft-com:vml" Requires="v">
-                <p:oleObj name="Worksheet" r:id="rId8" imgW="4061637" imgH="419155" progId="Excel.Sheet.12">
+                <p:oleObj spid="_x0000_s19461" name="Worksheet" r:id="rId9" imgW="4061637" imgH="419155" progId="Excel.Sheet.12">
                   <p:embed/>
                 </p:oleObj>
               </mc:Choice>
               <mc:Fallback>
-                <p:oleObj name="Worksheet" r:id="rId8" imgW="4061637" imgH="419155" progId="Excel.Sheet.12">
+                <p:oleObj name="Worksheet" r:id="rId9" imgW="4061637" imgH="419155" progId="Excel.Sheet.12">
                   <p:embed/>
                   <p:pic>
                     <p:nvPicPr>
@@ -9827,7 +9831,7 @@
                       <p:nvPr/>
                     </p:nvPicPr>
                     <p:blipFill>
-                      <a:blip r:embed="rId9"/>
+                      <a:blip r:embed="rId10"/>
                       <a:stretch>
                         <a:fillRect/>
                       </a:stretch>
@@ -9870,12 +9874,12 @@
           <a:graphicData uri="http://schemas.openxmlformats.org/presentationml/2006/ole">
             <mc:AlternateContent xmlns:mc="http://schemas.openxmlformats.org/markup-compatibility/2006">
               <mc:Choice xmlns:v="urn:schemas-microsoft-com:vml" Requires="v">
-                <p:oleObj name="Worksheet" r:id="rId10" imgW="12062425" imgH="2384878" progId="Excel.Sheet.12">
+                <p:oleObj spid="_x0000_s19462" name="Worksheet" r:id="rId11" imgW="12062425" imgH="2384878" progId="Excel.Sheet.12">
                   <p:embed/>
                 </p:oleObj>
               </mc:Choice>
               <mc:Fallback>
-                <p:oleObj name="Worksheet" r:id="rId10" imgW="12062425" imgH="2384878" progId="Excel.Sheet.12">
+                <p:oleObj name="Worksheet" r:id="rId11" imgW="12062425" imgH="2384878" progId="Excel.Sheet.12">
                   <p:embed/>
                   <p:pic>
                     <p:nvPicPr>
@@ -9890,7 +9894,7 @@
                       <p:nvPr/>
                     </p:nvPicPr>
                     <p:blipFill>
-                      <a:blip r:embed="rId11"/>
+                      <a:blip r:embed="rId12"/>
                       <a:stretch>
                         <a:fillRect/>
                       </a:stretch>
@@ -10147,12 +10151,12 @@
           <a:graphicData uri="http://schemas.openxmlformats.org/presentationml/2006/ole">
             <mc:AlternateContent xmlns:mc="http://schemas.openxmlformats.org/markup-compatibility/2006">
               <mc:Choice xmlns:v="urn:schemas-microsoft-com:vml" Requires="v">
-                <p:oleObj name="Worksheet" r:id="rId12" imgW="2445914" imgH="830635" progId="Excel.Sheet.12">
+                <p:oleObj spid="_x0000_s19463" name="Worksheet" r:id="rId13" imgW="2445914" imgH="830635" progId="Excel.Sheet.12">
                   <p:embed/>
                 </p:oleObj>
               </mc:Choice>
               <mc:Fallback>
-                <p:oleObj name="Worksheet" r:id="rId12" imgW="2445914" imgH="830635" progId="Excel.Sheet.12">
+                <p:oleObj name="Worksheet" r:id="rId13" imgW="2445914" imgH="830635" progId="Excel.Sheet.12">
                   <p:embed/>
                   <p:pic>
                     <p:nvPicPr>
@@ -10167,7 +10171,7 @@
                       <p:nvPr/>
                     </p:nvPicPr>
                     <p:blipFill>
-                      <a:blip r:embed="rId13"/>
+                      <a:blip r:embed="rId14"/>
                       <a:stretch>
                         <a:fillRect/>
                       </a:stretch>
@@ -10240,12 +10244,12 @@
           <a:graphicData uri="http://schemas.openxmlformats.org/presentationml/2006/ole">
             <mc:AlternateContent xmlns:mc="http://schemas.openxmlformats.org/markup-compatibility/2006">
               <mc:Choice xmlns:v="urn:schemas-microsoft-com:vml" Requires="v">
-                <p:oleObj name="Worksheet" r:id="rId2" imgW="5494055" imgH="213202" progId="Excel.Sheet.12">
+                <p:oleObj spid="_x0000_s20482" name="Worksheet" r:id="rId3" imgW="5494055" imgH="213202" progId="Excel.Sheet.12">
                   <p:embed/>
                 </p:oleObj>
               </mc:Choice>
               <mc:Fallback>
-                <p:oleObj name="Worksheet" r:id="rId2" imgW="5494055" imgH="213202" progId="Excel.Sheet.12">
+                <p:oleObj name="Worksheet" r:id="rId3" imgW="5494055" imgH="213202" progId="Excel.Sheet.12">
                   <p:embed/>
                   <p:pic>
                     <p:nvPicPr>
@@ -10260,7 +10264,7 @@
                       <p:nvPr/>
                     </p:nvPicPr>
                     <p:blipFill>
-                      <a:blip r:embed="rId3"/>
+                      <a:blip r:embed="rId4"/>
                       <a:stretch>
                         <a:fillRect/>
                       </a:stretch>
@@ -10303,12 +10307,12 @@
           <a:graphicData uri="http://schemas.openxmlformats.org/presentationml/2006/ole">
             <mc:AlternateContent xmlns:mc="http://schemas.openxmlformats.org/markup-compatibility/2006">
               <mc:Choice xmlns:v="urn:schemas-microsoft-com:vml" Requires="v">
-                <p:oleObj name="Worksheet" r:id="rId4" imgW="4061637" imgH="830635" progId="Excel.Sheet.12">
+                <p:oleObj spid="_x0000_s20483" name="Worksheet" r:id="rId5" imgW="4061637" imgH="830635" progId="Excel.Sheet.12">
                   <p:embed/>
                 </p:oleObj>
               </mc:Choice>
               <mc:Fallback>
-                <p:oleObj name="Worksheet" r:id="rId4" imgW="4061637" imgH="830635" progId="Excel.Sheet.12">
+                <p:oleObj name="Worksheet" r:id="rId5" imgW="4061637" imgH="830635" progId="Excel.Sheet.12">
                   <p:embed/>
                   <p:pic>
                     <p:nvPicPr>
@@ -10323,7 +10327,7 @@
                       <p:nvPr/>
                     </p:nvPicPr>
                     <p:blipFill>
-                      <a:blip r:embed="rId5"/>
+                      <a:blip r:embed="rId6"/>
                       <a:stretch>
                         <a:fillRect/>
                       </a:stretch>
@@ -10372,12 +10376,12 @@
           <a:graphicData uri="http://schemas.openxmlformats.org/presentationml/2006/ole">
             <mc:AlternateContent xmlns:mc="http://schemas.openxmlformats.org/markup-compatibility/2006">
               <mc:Choice xmlns:v="urn:schemas-microsoft-com:vml" Requires="v">
-                <p:oleObj name="Worksheet" r:id="rId6" imgW="4061637" imgH="419155" progId="Excel.Sheet.12">
+                <p:oleObj spid="_x0000_s20484" name="Worksheet" r:id="rId7" imgW="4061637" imgH="419155" progId="Excel.Sheet.12">
                   <p:embed/>
                 </p:oleObj>
               </mc:Choice>
               <mc:Fallback>
-                <p:oleObj name="Worksheet" r:id="rId6" imgW="4061637" imgH="419155" progId="Excel.Sheet.12">
+                <p:oleObj name="Worksheet" r:id="rId7" imgW="4061637" imgH="419155" progId="Excel.Sheet.12">
                   <p:embed/>
                   <p:pic>
                     <p:nvPicPr>
@@ -10392,7 +10396,7 @@
                       <p:nvPr/>
                     </p:nvPicPr>
                     <p:blipFill>
-                      <a:blip r:embed="rId7"/>
+                      <a:blip r:embed="rId8"/>
                       <a:stretch>
                         <a:fillRect/>
                       </a:stretch>
@@ -10441,12 +10445,12 @@
           <a:graphicData uri="http://schemas.openxmlformats.org/presentationml/2006/ole">
             <mc:AlternateContent xmlns:mc="http://schemas.openxmlformats.org/markup-compatibility/2006">
               <mc:Choice xmlns:v="urn:schemas-microsoft-com:vml" Requires="v">
-                <p:oleObj name="Worksheet" r:id="rId8" imgW="4061637" imgH="419155" progId="Excel.Sheet.12">
+                <p:oleObj spid="_x0000_s20485" name="Worksheet" r:id="rId9" imgW="4061637" imgH="419155" progId="Excel.Sheet.12">
                   <p:embed/>
                 </p:oleObj>
               </mc:Choice>
               <mc:Fallback>
-                <p:oleObj name="Worksheet" r:id="rId8" imgW="4061637" imgH="419155" progId="Excel.Sheet.12">
+                <p:oleObj name="Worksheet" r:id="rId9" imgW="4061637" imgH="419155" progId="Excel.Sheet.12">
                   <p:embed/>
                   <p:pic>
                     <p:nvPicPr>
@@ -10461,7 +10465,7 @@
                       <p:nvPr/>
                     </p:nvPicPr>
                     <p:blipFill>
-                      <a:blip r:embed="rId9"/>
+                      <a:blip r:embed="rId10"/>
                       <a:stretch>
                         <a:fillRect/>
                       </a:stretch>
@@ -10504,12 +10508,12 @@
           <a:graphicData uri="http://schemas.openxmlformats.org/presentationml/2006/ole">
             <mc:AlternateContent xmlns:mc="http://schemas.openxmlformats.org/markup-compatibility/2006">
               <mc:Choice xmlns:v="urn:schemas-microsoft-com:vml" Requires="v">
-                <p:oleObj name="Worksheet" r:id="rId10" imgW="12062425" imgH="2384878" progId="Excel.Sheet.12">
+                <p:oleObj spid="_x0000_s20486" name="Worksheet" r:id="rId11" imgW="12062425" imgH="2384878" progId="Excel.Sheet.12">
                   <p:embed/>
                 </p:oleObj>
               </mc:Choice>
               <mc:Fallback>
-                <p:oleObj name="Worksheet" r:id="rId10" imgW="12062425" imgH="2384878" progId="Excel.Sheet.12">
+                <p:oleObj name="Worksheet" r:id="rId11" imgW="12062425" imgH="2384878" progId="Excel.Sheet.12">
                   <p:embed/>
                   <p:pic>
                     <p:nvPicPr>
@@ -10524,7 +10528,7 @@
                       <p:nvPr/>
                     </p:nvPicPr>
                     <p:blipFill>
-                      <a:blip r:embed="rId11"/>
+                      <a:blip r:embed="rId12"/>
                       <a:stretch>
                         <a:fillRect/>
                       </a:stretch>
@@ -10723,12 +10727,12 @@
           <a:graphicData uri="http://schemas.openxmlformats.org/presentationml/2006/ole">
             <mc:AlternateContent xmlns:mc="http://schemas.openxmlformats.org/markup-compatibility/2006">
               <mc:Choice xmlns:v="urn:schemas-microsoft-com:vml" Requires="v">
-                <p:oleObj name="Worksheet" r:id="rId12" imgW="2445914" imgH="830635" progId="Excel.Sheet.12">
+                <p:oleObj spid="_x0000_s20487" name="Worksheet" r:id="rId13" imgW="2445914" imgH="830635" progId="Excel.Sheet.12">
                   <p:embed/>
                 </p:oleObj>
               </mc:Choice>
               <mc:Fallback>
-                <p:oleObj name="Worksheet" r:id="rId12" imgW="2445914" imgH="830635" progId="Excel.Sheet.12">
+                <p:oleObj name="Worksheet" r:id="rId13" imgW="2445914" imgH="830635" progId="Excel.Sheet.12">
                   <p:embed/>
                   <p:pic>
                     <p:nvPicPr>
@@ -10743,7 +10747,7 @@
                       <p:nvPr/>
                     </p:nvPicPr>
                     <p:blipFill>
-                      <a:blip r:embed="rId13"/>
+                      <a:blip r:embed="rId14"/>
                       <a:stretch>
                         <a:fillRect/>
                       </a:stretch>
@@ -10854,12 +10858,12 @@
           <a:graphicData uri="http://schemas.openxmlformats.org/presentationml/2006/ole">
             <mc:AlternateContent xmlns:mc="http://schemas.openxmlformats.org/markup-compatibility/2006">
               <mc:Choice xmlns:v="urn:schemas-microsoft-com:vml" Requires="v">
-                <p:oleObj name="Worksheet" r:id="rId2" imgW="5494055" imgH="213202" progId="Excel.Sheet.12">
+                <p:oleObj spid="_x0000_s21506" name="Worksheet" r:id="rId3" imgW="5494055" imgH="213202" progId="Excel.Sheet.12">
                   <p:embed/>
                 </p:oleObj>
               </mc:Choice>
               <mc:Fallback>
-                <p:oleObj name="Worksheet" r:id="rId2" imgW="5494055" imgH="213202" progId="Excel.Sheet.12">
+                <p:oleObj name="Worksheet" r:id="rId3" imgW="5494055" imgH="213202" progId="Excel.Sheet.12">
                   <p:embed/>
                   <p:pic>
                     <p:nvPicPr>
@@ -10874,7 +10878,7 @@
                       <p:nvPr/>
                     </p:nvPicPr>
                     <p:blipFill>
-                      <a:blip r:embed="rId3"/>
+                      <a:blip r:embed="rId4"/>
                       <a:stretch>
                         <a:fillRect/>
                       </a:stretch>
@@ -10917,12 +10921,12 @@
           <a:graphicData uri="http://schemas.openxmlformats.org/presentationml/2006/ole">
             <mc:AlternateContent xmlns:mc="http://schemas.openxmlformats.org/markup-compatibility/2006">
               <mc:Choice xmlns:v="urn:schemas-microsoft-com:vml" Requires="v">
-                <p:oleObj name="Worksheet" r:id="rId4" imgW="4061637" imgH="830635" progId="Excel.Sheet.12">
+                <p:oleObj spid="_x0000_s21507" name="Worksheet" r:id="rId5" imgW="4061637" imgH="830635" progId="Excel.Sheet.12">
                   <p:embed/>
                 </p:oleObj>
               </mc:Choice>
               <mc:Fallback>
-                <p:oleObj name="Worksheet" r:id="rId4" imgW="4061637" imgH="830635" progId="Excel.Sheet.12">
+                <p:oleObj name="Worksheet" r:id="rId5" imgW="4061637" imgH="830635" progId="Excel.Sheet.12">
                   <p:embed/>
                   <p:pic>
                     <p:nvPicPr>
@@ -10937,7 +10941,7 @@
                       <p:nvPr/>
                     </p:nvPicPr>
                     <p:blipFill>
-                      <a:blip r:embed="rId5"/>
+                      <a:blip r:embed="rId6"/>
                       <a:stretch>
                         <a:fillRect/>
                       </a:stretch>
@@ -10986,12 +10990,12 @@
           <a:graphicData uri="http://schemas.openxmlformats.org/presentationml/2006/ole">
             <mc:AlternateContent xmlns:mc="http://schemas.openxmlformats.org/markup-compatibility/2006">
               <mc:Choice xmlns:v="urn:schemas-microsoft-com:vml" Requires="v">
-                <p:oleObj name="Worksheet" r:id="rId6" imgW="4061637" imgH="419155" progId="Excel.Sheet.12">
+                <p:oleObj spid="_x0000_s21508" name="Worksheet" r:id="rId7" imgW="4061637" imgH="419155" progId="Excel.Sheet.12">
                   <p:embed/>
                 </p:oleObj>
               </mc:Choice>
               <mc:Fallback>
-                <p:oleObj name="Worksheet" r:id="rId6" imgW="4061637" imgH="419155" progId="Excel.Sheet.12">
+                <p:oleObj name="Worksheet" r:id="rId7" imgW="4061637" imgH="419155" progId="Excel.Sheet.12">
                   <p:embed/>
                   <p:pic>
                     <p:nvPicPr>
@@ -11006,7 +11010,7 @@
                       <p:nvPr/>
                     </p:nvPicPr>
                     <p:blipFill>
-                      <a:blip r:embed="rId7"/>
+                      <a:blip r:embed="rId8"/>
                       <a:stretch>
                         <a:fillRect/>
                       </a:stretch>
@@ -11055,12 +11059,12 @@
           <a:graphicData uri="http://schemas.openxmlformats.org/presentationml/2006/ole">
             <mc:AlternateContent xmlns:mc="http://schemas.openxmlformats.org/markup-compatibility/2006">
               <mc:Choice xmlns:v="urn:schemas-microsoft-com:vml" Requires="v">
-                <p:oleObj name="Worksheet" r:id="rId8" imgW="4061637" imgH="419155" progId="Excel.Sheet.12">
+                <p:oleObj spid="_x0000_s21509" name="Worksheet" r:id="rId9" imgW="4061637" imgH="419155" progId="Excel.Sheet.12">
                   <p:embed/>
                 </p:oleObj>
               </mc:Choice>
               <mc:Fallback>
-                <p:oleObj name="Worksheet" r:id="rId8" imgW="4061637" imgH="419155" progId="Excel.Sheet.12">
+                <p:oleObj name="Worksheet" r:id="rId9" imgW="4061637" imgH="419155" progId="Excel.Sheet.12">
                   <p:embed/>
                   <p:pic>
                     <p:nvPicPr>
@@ -11075,7 +11079,7 @@
                       <p:nvPr/>
                     </p:nvPicPr>
                     <p:blipFill>
-                      <a:blip r:embed="rId9"/>
+                      <a:blip r:embed="rId10"/>
                       <a:stretch>
                         <a:fillRect/>
                       </a:stretch>
@@ -11124,12 +11128,12 @@
           <a:graphicData uri="http://schemas.openxmlformats.org/presentationml/2006/ole">
             <mc:AlternateContent xmlns:mc="http://schemas.openxmlformats.org/markup-compatibility/2006">
               <mc:Choice xmlns:v="urn:schemas-microsoft-com:vml" Requires="v">
-                <p:oleObj name="Worksheet" r:id="rId10" imgW="12062425" imgH="2384878" progId="Excel.Sheet.12">
+                <p:oleObj spid="_x0000_s21510" name="Worksheet" r:id="rId11" imgW="12062425" imgH="2384878" progId="Excel.Sheet.12">
                   <p:embed/>
                 </p:oleObj>
               </mc:Choice>
               <mc:Fallback>
-                <p:oleObj name="Worksheet" r:id="rId10" imgW="12062425" imgH="2384878" progId="Excel.Sheet.12">
+                <p:oleObj name="Worksheet" r:id="rId11" imgW="12062425" imgH="2384878" progId="Excel.Sheet.12">
                   <p:embed/>
                   <p:pic>
                     <p:nvPicPr>
@@ -11144,7 +11148,7 @@
                       <p:nvPr/>
                     </p:nvPicPr>
                     <p:blipFill>
-                      <a:blip r:embed="rId11"/>
+                      <a:blip r:embed="rId12"/>
                       <a:stretch>
                         <a:fillRect/>
                       </a:stretch>
@@ -11387,12 +11391,12 @@
           <a:graphicData uri="http://schemas.openxmlformats.org/presentationml/2006/ole">
             <mc:AlternateContent xmlns:mc="http://schemas.openxmlformats.org/markup-compatibility/2006">
               <mc:Choice xmlns:v="urn:schemas-microsoft-com:vml" Requires="v">
-                <p:oleObj name="Worksheet" r:id="rId12" imgW="2445914" imgH="830635" progId="Excel.Sheet.12">
+                <p:oleObj spid="_x0000_s21511" name="Worksheet" r:id="rId13" imgW="2445914" imgH="830635" progId="Excel.Sheet.12">
                   <p:embed/>
                 </p:oleObj>
               </mc:Choice>
               <mc:Fallback>
-                <p:oleObj name="Worksheet" r:id="rId12" imgW="2445914" imgH="830635" progId="Excel.Sheet.12">
+                <p:oleObj name="Worksheet" r:id="rId13" imgW="2445914" imgH="830635" progId="Excel.Sheet.12">
                   <p:embed/>
                   <p:pic>
                     <p:nvPicPr>
@@ -11407,7 +11411,7 @@
                       <p:nvPr/>
                     </p:nvPicPr>
                     <p:blipFill>
-                      <a:blip r:embed="rId13"/>
+                      <a:blip r:embed="rId14"/>
                       <a:stretch>
                         <a:fillRect/>
                       </a:stretch>
@@ -11480,12 +11484,12 @@
           <a:graphicData uri="http://schemas.openxmlformats.org/presentationml/2006/ole">
             <mc:AlternateContent xmlns:mc="http://schemas.openxmlformats.org/markup-compatibility/2006">
               <mc:Choice xmlns:v="urn:schemas-microsoft-com:vml" Requires="v">
-                <p:oleObj name="Worksheet" r:id="rId2" imgW="5494055" imgH="213202" progId="Excel.Sheet.12">
+                <p:oleObj spid="_x0000_s22530" name="Worksheet" r:id="rId3" imgW="5494055" imgH="213202" progId="Excel.Sheet.12">
                   <p:embed/>
                 </p:oleObj>
               </mc:Choice>
               <mc:Fallback>
-                <p:oleObj name="Worksheet" r:id="rId2" imgW="5494055" imgH="213202" progId="Excel.Sheet.12">
+                <p:oleObj name="Worksheet" r:id="rId3" imgW="5494055" imgH="213202" progId="Excel.Sheet.12">
                   <p:embed/>
                   <p:pic>
                     <p:nvPicPr>
@@ -11500,7 +11504,7 @@
                       <p:nvPr/>
                     </p:nvPicPr>
                     <p:blipFill>
-                      <a:blip r:embed="rId3"/>
+                      <a:blip r:embed="rId4"/>
                       <a:stretch>
                         <a:fillRect/>
                       </a:stretch>
@@ -11543,12 +11547,12 @@
           <a:graphicData uri="http://schemas.openxmlformats.org/presentationml/2006/ole">
             <mc:AlternateContent xmlns:mc="http://schemas.openxmlformats.org/markup-compatibility/2006">
               <mc:Choice xmlns:v="urn:schemas-microsoft-com:vml" Requires="v">
-                <p:oleObj name="Worksheet" r:id="rId4" imgW="4061637" imgH="830635" progId="Excel.Sheet.12">
+                <p:oleObj spid="_x0000_s22531" name="Worksheet" r:id="rId5" imgW="4061637" imgH="830635" progId="Excel.Sheet.12">
                   <p:embed/>
                 </p:oleObj>
               </mc:Choice>
               <mc:Fallback>
-                <p:oleObj name="Worksheet" r:id="rId4" imgW="4061637" imgH="830635" progId="Excel.Sheet.12">
+                <p:oleObj name="Worksheet" r:id="rId5" imgW="4061637" imgH="830635" progId="Excel.Sheet.12">
                   <p:embed/>
                   <p:pic>
                     <p:nvPicPr>
@@ -11563,7 +11567,7 @@
                       <p:nvPr/>
                     </p:nvPicPr>
                     <p:blipFill>
-                      <a:blip r:embed="rId5"/>
+                      <a:blip r:embed="rId6"/>
                       <a:stretch>
                         <a:fillRect/>
                       </a:stretch>
@@ -11612,12 +11616,12 @@
           <a:graphicData uri="http://schemas.openxmlformats.org/presentationml/2006/ole">
             <mc:AlternateContent xmlns:mc="http://schemas.openxmlformats.org/markup-compatibility/2006">
               <mc:Choice xmlns:v="urn:schemas-microsoft-com:vml" Requires="v">
-                <p:oleObj name="Worksheet" r:id="rId6" imgW="4061637" imgH="419155" progId="Excel.Sheet.12">
+                <p:oleObj spid="_x0000_s22532" name="Worksheet" r:id="rId7" imgW="4061637" imgH="419155" progId="Excel.Sheet.12">
                   <p:embed/>
                 </p:oleObj>
               </mc:Choice>
               <mc:Fallback>
-                <p:oleObj name="Worksheet" r:id="rId6" imgW="4061637" imgH="419155" progId="Excel.Sheet.12">
+                <p:oleObj name="Worksheet" r:id="rId7" imgW="4061637" imgH="419155" progId="Excel.Sheet.12">
                   <p:embed/>
                   <p:pic>
                     <p:nvPicPr>
@@ -11632,7 +11636,7 @@
                       <p:nvPr/>
                     </p:nvPicPr>
                     <p:blipFill>
-                      <a:blip r:embed="rId7"/>
+                      <a:blip r:embed="rId8"/>
                       <a:stretch>
                         <a:fillRect/>
                       </a:stretch>
@@ -11681,12 +11685,12 @@
           <a:graphicData uri="http://schemas.openxmlformats.org/presentationml/2006/ole">
             <mc:AlternateContent xmlns:mc="http://schemas.openxmlformats.org/markup-compatibility/2006">
               <mc:Choice xmlns:v="urn:schemas-microsoft-com:vml" Requires="v">
-                <p:oleObj name="Worksheet" r:id="rId8" imgW="4061637" imgH="419155" progId="Excel.Sheet.12">
+                <p:oleObj spid="_x0000_s22533" name="Worksheet" r:id="rId9" imgW="4061637" imgH="419155" progId="Excel.Sheet.12">
                   <p:embed/>
                 </p:oleObj>
               </mc:Choice>
               <mc:Fallback>
-                <p:oleObj name="Worksheet" r:id="rId8" imgW="4061637" imgH="419155" progId="Excel.Sheet.12">
+                <p:oleObj name="Worksheet" r:id="rId9" imgW="4061637" imgH="419155" progId="Excel.Sheet.12">
                   <p:embed/>
                   <p:pic>
                     <p:nvPicPr>
@@ -11701,7 +11705,7 @@
                       <p:nvPr/>
                     </p:nvPicPr>
                     <p:blipFill>
-                      <a:blip r:embed="rId9"/>
+                      <a:blip r:embed="rId10"/>
                       <a:stretch>
                         <a:fillRect/>
                       </a:stretch>
@@ -11744,12 +11748,12 @@
           <a:graphicData uri="http://schemas.openxmlformats.org/presentationml/2006/ole">
             <mc:AlternateContent xmlns:mc="http://schemas.openxmlformats.org/markup-compatibility/2006">
               <mc:Choice xmlns:v="urn:schemas-microsoft-com:vml" Requires="v">
-                <p:oleObj name="Worksheet" r:id="rId10" imgW="12062425" imgH="2384878" progId="Excel.Sheet.12">
+                <p:oleObj spid="_x0000_s22534" name="Worksheet" r:id="rId11" imgW="12062425" imgH="2384878" progId="Excel.Sheet.12">
                   <p:embed/>
                 </p:oleObj>
               </mc:Choice>
               <mc:Fallback>
-                <p:oleObj name="Worksheet" r:id="rId10" imgW="12062425" imgH="2384878" progId="Excel.Sheet.12">
+                <p:oleObj name="Worksheet" r:id="rId11" imgW="12062425" imgH="2384878" progId="Excel.Sheet.12">
                   <p:embed/>
                   <p:pic>
                     <p:nvPicPr>
@@ -11764,7 +11768,7 @@
                       <p:nvPr/>
                     </p:nvPicPr>
                     <p:blipFill>
-                      <a:blip r:embed="rId11"/>
+                      <a:blip r:embed="rId12"/>
                       <a:stretch>
                         <a:fillRect/>
                       </a:stretch>
@@ -11911,12 +11915,12 @@
           <a:graphicData uri="http://schemas.openxmlformats.org/presentationml/2006/ole">
             <mc:AlternateContent xmlns:mc="http://schemas.openxmlformats.org/markup-compatibility/2006">
               <mc:Choice xmlns:v="urn:schemas-microsoft-com:vml" Requires="v">
-                <p:oleObj name="Worksheet" r:id="rId12" imgW="2445914" imgH="830635" progId="Excel.Sheet.12">
+                <p:oleObj spid="_x0000_s22535" name="Worksheet" r:id="rId13" imgW="2445914" imgH="830635" progId="Excel.Sheet.12">
                   <p:embed/>
                 </p:oleObj>
               </mc:Choice>
               <mc:Fallback>
-                <p:oleObj name="Worksheet" r:id="rId12" imgW="2445914" imgH="830635" progId="Excel.Sheet.12">
+                <p:oleObj name="Worksheet" r:id="rId13" imgW="2445914" imgH="830635" progId="Excel.Sheet.12">
                   <p:embed/>
                   <p:pic>
                     <p:nvPicPr>
@@ -11931,7 +11935,7 @@
                       <p:nvPr/>
                     </p:nvPicPr>
                     <p:blipFill>
-                      <a:blip r:embed="rId13"/>
+                      <a:blip r:embed="rId14"/>
                       <a:stretch>
                         <a:fillRect/>
                       </a:stretch>
@@ -12070,12 +12074,12 @@
           <a:graphicData uri="http://schemas.openxmlformats.org/presentationml/2006/ole">
             <mc:AlternateContent xmlns:mc="http://schemas.openxmlformats.org/markup-compatibility/2006">
               <mc:Choice xmlns:v="urn:schemas-microsoft-com:vml" Requires="v">
-                <p:oleObj name="Worksheet" r:id="rId2" imgW="5494055" imgH="213202" progId="Excel.Sheet.12">
+                <p:oleObj spid="_x0000_s23554" name="Worksheet" r:id="rId3" imgW="5494055" imgH="213202" progId="Excel.Sheet.12">
                   <p:embed/>
                 </p:oleObj>
               </mc:Choice>
               <mc:Fallback>
-                <p:oleObj name="Worksheet" r:id="rId2" imgW="5494055" imgH="213202" progId="Excel.Sheet.12">
+                <p:oleObj name="Worksheet" r:id="rId3" imgW="5494055" imgH="213202" progId="Excel.Sheet.12">
                   <p:embed/>
                   <p:pic>
                     <p:nvPicPr>
@@ -12090,7 +12094,7 @@
                       <p:nvPr/>
                     </p:nvPicPr>
                     <p:blipFill>
-                      <a:blip r:embed="rId3"/>
+                      <a:blip r:embed="rId4"/>
                       <a:stretch>
                         <a:fillRect/>
                       </a:stretch>
@@ -12133,12 +12137,12 @@
           <a:graphicData uri="http://schemas.openxmlformats.org/presentationml/2006/ole">
             <mc:AlternateContent xmlns:mc="http://schemas.openxmlformats.org/markup-compatibility/2006">
               <mc:Choice xmlns:v="urn:schemas-microsoft-com:vml" Requires="v">
-                <p:oleObj name="Worksheet" r:id="rId4" imgW="4061637" imgH="830635" progId="Excel.Sheet.12">
+                <p:oleObj spid="_x0000_s23555" name="Worksheet" r:id="rId5" imgW="4061637" imgH="830635" progId="Excel.Sheet.12">
                   <p:embed/>
                 </p:oleObj>
               </mc:Choice>
               <mc:Fallback>
-                <p:oleObj name="Worksheet" r:id="rId4" imgW="4061637" imgH="830635" progId="Excel.Sheet.12">
+                <p:oleObj name="Worksheet" r:id="rId5" imgW="4061637" imgH="830635" progId="Excel.Sheet.12">
                   <p:embed/>
                   <p:pic>
                     <p:nvPicPr>
@@ -12153,7 +12157,7 @@
                       <p:nvPr/>
                     </p:nvPicPr>
                     <p:blipFill>
-                      <a:blip r:embed="rId5"/>
+                      <a:blip r:embed="rId6"/>
                       <a:stretch>
                         <a:fillRect/>
                       </a:stretch>
@@ -12202,12 +12206,12 @@
           <a:graphicData uri="http://schemas.openxmlformats.org/presentationml/2006/ole">
             <mc:AlternateContent xmlns:mc="http://schemas.openxmlformats.org/markup-compatibility/2006">
               <mc:Choice xmlns:v="urn:schemas-microsoft-com:vml" Requires="v">
-                <p:oleObj name="Worksheet" r:id="rId6" imgW="4061637" imgH="419155" progId="Excel.Sheet.12">
+                <p:oleObj spid="_x0000_s23556" name="Worksheet" r:id="rId7" imgW="4061637" imgH="419155" progId="Excel.Sheet.12">
                   <p:embed/>
                 </p:oleObj>
               </mc:Choice>
               <mc:Fallback>
-                <p:oleObj name="Worksheet" r:id="rId6" imgW="4061637" imgH="419155" progId="Excel.Sheet.12">
+                <p:oleObj name="Worksheet" r:id="rId7" imgW="4061637" imgH="419155" progId="Excel.Sheet.12">
                   <p:embed/>
                   <p:pic>
                     <p:nvPicPr>
@@ -12222,7 +12226,7 @@
                       <p:nvPr/>
                     </p:nvPicPr>
                     <p:blipFill>
-                      <a:blip r:embed="rId7"/>
+                      <a:blip r:embed="rId8"/>
                       <a:stretch>
                         <a:fillRect/>
                       </a:stretch>
@@ -12271,12 +12275,12 @@
           <a:graphicData uri="http://schemas.openxmlformats.org/presentationml/2006/ole">
             <mc:AlternateContent xmlns:mc="http://schemas.openxmlformats.org/markup-compatibility/2006">
               <mc:Choice xmlns:v="urn:schemas-microsoft-com:vml" Requires="v">
-                <p:oleObj name="Worksheet" r:id="rId8" imgW="4061637" imgH="419155" progId="Excel.Sheet.12">
+                <p:oleObj spid="_x0000_s23557" name="Worksheet" r:id="rId9" imgW="4061637" imgH="419155" progId="Excel.Sheet.12">
                   <p:embed/>
                 </p:oleObj>
               </mc:Choice>
               <mc:Fallback>
-                <p:oleObj name="Worksheet" r:id="rId8" imgW="4061637" imgH="419155" progId="Excel.Sheet.12">
+                <p:oleObj name="Worksheet" r:id="rId9" imgW="4061637" imgH="419155" progId="Excel.Sheet.12">
                   <p:embed/>
                   <p:pic>
                     <p:nvPicPr>
@@ -12291,7 +12295,7 @@
                       <p:nvPr/>
                     </p:nvPicPr>
                     <p:blipFill>
-                      <a:blip r:embed="rId9"/>
+                      <a:blip r:embed="rId10"/>
                       <a:stretch>
                         <a:fillRect/>
                       </a:stretch>
@@ -12334,12 +12338,12 @@
           <a:graphicData uri="http://schemas.openxmlformats.org/presentationml/2006/ole">
             <mc:AlternateContent xmlns:mc="http://schemas.openxmlformats.org/markup-compatibility/2006">
               <mc:Choice xmlns:v="urn:schemas-microsoft-com:vml" Requires="v">
-                <p:oleObj name="Worksheet" r:id="rId10" imgW="12062425" imgH="2384878" progId="Excel.Sheet.12">
+                <p:oleObj spid="_x0000_s23558" name="Worksheet" r:id="rId11" imgW="12062425" imgH="2384878" progId="Excel.Sheet.12">
                   <p:embed/>
                 </p:oleObj>
               </mc:Choice>
               <mc:Fallback>
-                <p:oleObj name="Worksheet" r:id="rId10" imgW="12062425" imgH="2384878" progId="Excel.Sheet.12">
+                <p:oleObj name="Worksheet" r:id="rId11" imgW="12062425" imgH="2384878" progId="Excel.Sheet.12">
                   <p:embed/>
                   <p:pic>
                     <p:nvPicPr>
@@ -12354,7 +12358,7 @@
                       <p:nvPr/>
                     </p:nvPicPr>
                     <p:blipFill>
-                      <a:blip r:embed="rId11"/>
+                      <a:blip r:embed="rId12"/>
                       <a:stretch>
                         <a:fillRect/>
                       </a:stretch>
@@ -12501,12 +12505,12 @@
           <a:graphicData uri="http://schemas.openxmlformats.org/presentationml/2006/ole">
             <mc:AlternateContent xmlns:mc="http://schemas.openxmlformats.org/markup-compatibility/2006">
               <mc:Choice xmlns:v="urn:schemas-microsoft-com:vml" Requires="v">
-                <p:oleObj name="Worksheet" r:id="rId12" imgW="2445914" imgH="830635" progId="Excel.Sheet.12">
+                <p:oleObj spid="_x0000_s23559" name="Worksheet" r:id="rId13" imgW="2445914" imgH="830635" progId="Excel.Sheet.12">
                   <p:embed/>
                 </p:oleObj>
               </mc:Choice>
               <mc:Fallback>
-                <p:oleObj name="Worksheet" r:id="rId12" imgW="2445914" imgH="830635" progId="Excel.Sheet.12">
+                <p:oleObj name="Worksheet" r:id="rId13" imgW="2445914" imgH="830635" progId="Excel.Sheet.12">
                   <p:embed/>
                   <p:pic>
                     <p:nvPicPr>
@@ -12521,7 +12525,7 @@
                       <p:nvPr/>
                     </p:nvPicPr>
                     <p:blipFill>
-                      <a:blip r:embed="rId13"/>
+                      <a:blip r:embed="rId14"/>
                       <a:stretch>
                         <a:fillRect/>
                       </a:stretch>
@@ -12632,12 +12636,12 @@
           <a:graphicData uri="http://schemas.openxmlformats.org/presentationml/2006/ole">
             <mc:AlternateContent xmlns:mc="http://schemas.openxmlformats.org/markup-compatibility/2006">
               <mc:Choice xmlns:v="urn:schemas-microsoft-com:vml" Requires="v">
-                <p:oleObj name="Worksheet" r:id="rId2" imgW="5494055" imgH="213202" progId="Excel.Sheet.12">
+                <p:oleObj spid="_x0000_s24578" name="Worksheet" r:id="rId3" imgW="5494055" imgH="213202" progId="Excel.Sheet.12">
                   <p:embed/>
                 </p:oleObj>
               </mc:Choice>
               <mc:Fallback>
-                <p:oleObj name="Worksheet" r:id="rId2" imgW="5494055" imgH="213202" progId="Excel.Sheet.12">
+                <p:oleObj name="Worksheet" r:id="rId3" imgW="5494055" imgH="213202" progId="Excel.Sheet.12">
                   <p:embed/>
                   <p:pic>
                     <p:nvPicPr>
@@ -12652,7 +12656,7 @@
                       <p:nvPr/>
                     </p:nvPicPr>
                     <p:blipFill>
-                      <a:blip r:embed="rId3"/>
+                      <a:blip r:embed="rId4"/>
                       <a:stretch>
                         <a:fillRect/>
                       </a:stretch>
@@ -12695,12 +12699,12 @@
           <a:graphicData uri="http://schemas.openxmlformats.org/presentationml/2006/ole">
             <mc:AlternateContent xmlns:mc="http://schemas.openxmlformats.org/markup-compatibility/2006">
               <mc:Choice xmlns:v="urn:schemas-microsoft-com:vml" Requires="v">
-                <p:oleObj name="Worksheet" r:id="rId4" imgW="4061637" imgH="830635" progId="Excel.Sheet.12">
+                <p:oleObj spid="_x0000_s24579" name="Worksheet" r:id="rId5" imgW="4061637" imgH="830635" progId="Excel.Sheet.12">
                   <p:embed/>
                 </p:oleObj>
               </mc:Choice>
               <mc:Fallback>
-                <p:oleObj name="Worksheet" r:id="rId4" imgW="4061637" imgH="830635" progId="Excel.Sheet.12">
+                <p:oleObj name="Worksheet" r:id="rId5" imgW="4061637" imgH="830635" progId="Excel.Sheet.12">
                   <p:embed/>
                   <p:pic>
                     <p:nvPicPr>
@@ -12715,7 +12719,7 @@
                       <p:nvPr/>
                     </p:nvPicPr>
                     <p:blipFill>
-                      <a:blip r:embed="rId5"/>
+                      <a:blip r:embed="rId6"/>
                       <a:stretch>
                         <a:fillRect/>
                       </a:stretch>
@@ -12764,12 +12768,12 @@
           <a:graphicData uri="http://schemas.openxmlformats.org/presentationml/2006/ole">
             <mc:AlternateContent xmlns:mc="http://schemas.openxmlformats.org/markup-compatibility/2006">
               <mc:Choice xmlns:v="urn:schemas-microsoft-com:vml" Requires="v">
-                <p:oleObj name="Worksheet" r:id="rId6" imgW="4061637" imgH="419155" progId="Excel.Sheet.12">
+                <p:oleObj spid="_x0000_s24580" name="Worksheet" r:id="rId7" imgW="4061637" imgH="419155" progId="Excel.Sheet.12">
                   <p:embed/>
                 </p:oleObj>
               </mc:Choice>
               <mc:Fallback>
-                <p:oleObj name="Worksheet" r:id="rId6" imgW="4061637" imgH="419155" progId="Excel.Sheet.12">
+                <p:oleObj name="Worksheet" r:id="rId7" imgW="4061637" imgH="419155" progId="Excel.Sheet.12">
                   <p:embed/>
                   <p:pic>
                     <p:nvPicPr>
@@ -12784,7 +12788,7 @@
                       <p:nvPr/>
                     </p:nvPicPr>
                     <p:blipFill>
-                      <a:blip r:embed="rId7"/>
+                      <a:blip r:embed="rId8"/>
                       <a:stretch>
                         <a:fillRect/>
                       </a:stretch>
@@ -12833,12 +12837,12 @@
           <a:graphicData uri="http://schemas.openxmlformats.org/presentationml/2006/ole">
             <mc:AlternateContent xmlns:mc="http://schemas.openxmlformats.org/markup-compatibility/2006">
               <mc:Choice xmlns:v="urn:schemas-microsoft-com:vml" Requires="v">
-                <p:oleObj name="Worksheet" r:id="rId8" imgW="4061637" imgH="419155" progId="Excel.Sheet.12">
+                <p:oleObj spid="_x0000_s24581" name="Worksheet" r:id="rId9" imgW="4061637" imgH="419155" progId="Excel.Sheet.12">
                   <p:embed/>
                 </p:oleObj>
               </mc:Choice>
               <mc:Fallback>
-                <p:oleObj name="Worksheet" r:id="rId8" imgW="4061637" imgH="419155" progId="Excel.Sheet.12">
+                <p:oleObj name="Worksheet" r:id="rId9" imgW="4061637" imgH="419155" progId="Excel.Sheet.12">
                   <p:embed/>
                   <p:pic>
                     <p:nvPicPr>
@@ -12853,7 +12857,7 @@
                       <p:nvPr/>
                     </p:nvPicPr>
                     <p:blipFill>
-                      <a:blip r:embed="rId9"/>
+                      <a:blip r:embed="rId10"/>
                       <a:stretch>
                         <a:fillRect/>
                       </a:stretch>
@@ -12896,12 +12900,12 @@
           <a:graphicData uri="http://schemas.openxmlformats.org/presentationml/2006/ole">
             <mc:AlternateContent xmlns:mc="http://schemas.openxmlformats.org/markup-compatibility/2006">
               <mc:Choice xmlns:v="urn:schemas-microsoft-com:vml" Requires="v">
-                <p:oleObj name="Worksheet" r:id="rId10" imgW="12062425" imgH="2384878" progId="Excel.Sheet.12">
+                <p:oleObj spid="_x0000_s24582" name="Worksheet" r:id="rId11" imgW="12062425" imgH="2384878" progId="Excel.Sheet.12">
                   <p:embed/>
                 </p:oleObj>
               </mc:Choice>
               <mc:Fallback>
-                <p:oleObj name="Worksheet" r:id="rId10" imgW="12062425" imgH="2384878" progId="Excel.Sheet.12">
+                <p:oleObj name="Worksheet" r:id="rId11" imgW="12062425" imgH="2384878" progId="Excel.Sheet.12">
                   <p:embed/>
                   <p:pic>
                     <p:nvPicPr>
@@ -12916,7 +12920,7 @@
                       <p:nvPr/>
                     </p:nvPicPr>
                     <p:blipFill>
-                      <a:blip r:embed="rId11"/>
+                      <a:blip r:embed="rId12"/>
                       <a:stretch>
                         <a:fillRect/>
                       </a:stretch>
@@ -13069,12 +13073,12 @@
           <a:graphicData uri="http://schemas.openxmlformats.org/presentationml/2006/ole">
             <mc:AlternateContent xmlns:mc="http://schemas.openxmlformats.org/markup-compatibility/2006">
               <mc:Choice xmlns:v="urn:schemas-microsoft-com:vml" Requires="v">
-                <p:oleObj name="Worksheet" r:id="rId12" imgW="2445914" imgH="830635" progId="Excel.Sheet.12">
+                <p:oleObj spid="_x0000_s24583" name="Worksheet" r:id="rId13" imgW="2445914" imgH="830635" progId="Excel.Sheet.12">
                   <p:embed/>
                 </p:oleObj>
               </mc:Choice>
               <mc:Fallback>
-                <p:oleObj name="Worksheet" r:id="rId12" imgW="2445914" imgH="830635" progId="Excel.Sheet.12">
+                <p:oleObj name="Worksheet" r:id="rId13" imgW="2445914" imgH="830635" progId="Excel.Sheet.12">
                   <p:embed/>
                   <p:pic>
                     <p:nvPicPr>
@@ -13089,7 +13093,7 @@
                       <p:nvPr/>
                     </p:nvPicPr>
                     <p:blipFill>
-                      <a:blip r:embed="rId13"/>
+                      <a:blip r:embed="rId14"/>
                       <a:stretch>
                         <a:fillRect/>
                       </a:stretch>
@@ -13266,12 +13270,12 @@
           <a:graphicData uri="http://schemas.openxmlformats.org/presentationml/2006/ole">
             <mc:AlternateContent xmlns:mc="http://schemas.openxmlformats.org/markup-compatibility/2006">
               <mc:Choice xmlns:v="urn:schemas-microsoft-com:vml" Requires="v">
-                <p:oleObj name="Worksheet" r:id="rId2" imgW="5494055" imgH="213202" progId="Excel.Sheet.12">
+                <p:oleObj spid="_x0000_s25602" name="Worksheet" r:id="rId3" imgW="5494055" imgH="213202" progId="Excel.Sheet.12">
                   <p:embed/>
                 </p:oleObj>
               </mc:Choice>
               <mc:Fallback>
-                <p:oleObj name="Worksheet" r:id="rId2" imgW="5494055" imgH="213202" progId="Excel.Sheet.12">
+                <p:oleObj name="Worksheet" r:id="rId3" imgW="5494055" imgH="213202" progId="Excel.Sheet.12">
                   <p:embed/>
                   <p:pic>
                     <p:nvPicPr>
@@ -13286,7 +13290,7 @@
                       <p:nvPr/>
                     </p:nvPicPr>
                     <p:blipFill>
-                      <a:blip r:embed="rId3"/>
+                      <a:blip r:embed="rId4"/>
                       <a:stretch>
                         <a:fillRect/>
                       </a:stretch>
@@ -13329,12 +13333,12 @@
           <a:graphicData uri="http://schemas.openxmlformats.org/presentationml/2006/ole">
             <mc:AlternateContent xmlns:mc="http://schemas.openxmlformats.org/markup-compatibility/2006">
               <mc:Choice xmlns:v="urn:schemas-microsoft-com:vml" Requires="v">
-                <p:oleObj name="Worksheet" r:id="rId4" imgW="4061637" imgH="830635" progId="Excel.Sheet.12">
+                <p:oleObj spid="_x0000_s25603" name="Worksheet" r:id="rId5" imgW="4061637" imgH="830635" progId="Excel.Sheet.12">
                   <p:embed/>
                 </p:oleObj>
               </mc:Choice>
               <mc:Fallback>
-                <p:oleObj name="Worksheet" r:id="rId4" imgW="4061637" imgH="830635" progId="Excel.Sheet.12">
+                <p:oleObj name="Worksheet" r:id="rId5" imgW="4061637" imgH="830635" progId="Excel.Sheet.12">
                   <p:embed/>
                   <p:pic>
                     <p:nvPicPr>
@@ -13349,7 +13353,7 @@
                       <p:nvPr/>
                     </p:nvPicPr>
                     <p:blipFill>
-                      <a:blip r:embed="rId5"/>
+                      <a:blip r:embed="rId6"/>
                       <a:stretch>
                         <a:fillRect/>
                       </a:stretch>
@@ -13398,12 +13402,12 @@
           <a:graphicData uri="http://schemas.openxmlformats.org/presentationml/2006/ole">
             <mc:AlternateContent xmlns:mc="http://schemas.openxmlformats.org/markup-compatibility/2006">
               <mc:Choice xmlns:v="urn:schemas-microsoft-com:vml" Requires="v">
-                <p:oleObj name="Worksheet" r:id="rId6" imgW="4061637" imgH="419155" progId="Excel.Sheet.12">
+                <p:oleObj spid="_x0000_s25604" name="Worksheet" r:id="rId7" imgW="4061637" imgH="419155" progId="Excel.Sheet.12">
                   <p:embed/>
                 </p:oleObj>
               </mc:Choice>
               <mc:Fallback>
-                <p:oleObj name="Worksheet" r:id="rId6" imgW="4061637" imgH="419155" progId="Excel.Sheet.12">
+                <p:oleObj name="Worksheet" r:id="rId7" imgW="4061637" imgH="419155" progId="Excel.Sheet.12">
                   <p:embed/>
                   <p:pic>
                     <p:nvPicPr>
@@ -13418,7 +13422,7 @@
                       <p:nvPr/>
                     </p:nvPicPr>
                     <p:blipFill>
-                      <a:blip r:embed="rId7"/>
+                      <a:blip r:embed="rId8"/>
                       <a:stretch>
                         <a:fillRect/>
                       </a:stretch>
@@ -13467,12 +13471,12 @@
           <a:graphicData uri="http://schemas.openxmlformats.org/presentationml/2006/ole">
             <mc:AlternateContent xmlns:mc="http://schemas.openxmlformats.org/markup-compatibility/2006">
               <mc:Choice xmlns:v="urn:schemas-microsoft-com:vml" Requires="v">
-                <p:oleObj name="Worksheet" r:id="rId8" imgW="4061637" imgH="419155" progId="Excel.Sheet.12">
+                <p:oleObj spid="_x0000_s25605" name="Worksheet" r:id="rId9" imgW="4061637" imgH="419155" progId="Excel.Sheet.12">
                   <p:embed/>
                 </p:oleObj>
               </mc:Choice>
               <mc:Fallback>
-                <p:oleObj name="Worksheet" r:id="rId8" imgW="4061637" imgH="419155" progId="Excel.Sheet.12">
+                <p:oleObj name="Worksheet" r:id="rId9" imgW="4061637" imgH="419155" progId="Excel.Sheet.12">
                   <p:embed/>
                   <p:pic>
                     <p:nvPicPr>
@@ -13487,7 +13491,7 @@
                       <p:nvPr/>
                     </p:nvPicPr>
                     <p:blipFill>
-                      <a:blip r:embed="rId9"/>
+                      <a:blip r:embed="rId10"/>
                       <a:stretch>
                         <a:fillRect/>
                       </a:stretch>
@@ -13530,12 +13534,12 @@
           <a:graphicData uri="http://schemas.openxmlformats.org/presentationml/2006/ole">
             <mc:AlternateContent xmlns:mc="http://schemas.openxmlformats.org/markup-compatibility/2006">
               <mc:Choice xmlns:v="urn:schemas-microsoft-com:vml" Requires="v">
-                <p:oleObj name="Worksheet" r:id="rId10" imgW="12062425" imgH="2384878" progId="Excel.Sheet.12">
+                <p:oleObj spid="_x0000_s25606" name="Worksheet" r:id="rId11" imgW="12062425" imgH="2384878" progId="Excel.Sheet.12">
                   <p:embed/>
                 </p:oleObj>
               </mc:Choice>
               <mc:Fallback>
-                <p:oleObj name="Worksheet" r:id="rId10" imgW="12062425" imgH="2384878" progId="Excel.Sheet.12">
+                <p:oleObj name="Worksheet" r:id="rId11" imgW="12062425" imgH="2384878" progId="Excel.Sheet.12">
                   <p:embed/>
                   <p:pic>
                     <p:nvPicPr>
@@ -13550,7 +13554,7 @@
                       <p:nvPr/>
                     </p:nvPicPr>
                     <p:blipFill>
-                      <a:blip r:embed="rId11"/>
+                      <a:blip r:embed="rId12"/>
                       <a:stretch>
                         <a:fillRect/>
                       </a:stretch>
@@ -13697,12 +13701,12 @@
           <a:graphicData uri="http://schemas.openxmlformats.org/presentationml/2006/ole">
             <mc:AlternateContent xmlns:mc="http://schemas.openxmlformats.org/markup-compatibility/2006">
               <mc:Choice xmlns:v="urn:schemas-microsoft-com:vml" Requires="v">
-                <p:oleObj name="Worksheet" r:id="rId12" imgW="2445914" imgH="830635" progId="Excel.Sheet.12">
+                <p:oleObj spid="_x0000_s25607" name="Worksheet" r:id="rId13" imgW="2445914" imgH="830635" progId="Excel.Sheet.12">
                   <p:embed/>
                 </p:oleObj>
               </mc:Choice>
               <mc:Fallback>
-                <p:oleObj name="Worksheet" r:id="rId12" imgW="2445914" imgH="830635" progId="Excel.Sheet.12">
+                <p:oleObj name="Worksheet" r:id="rId13" imgW="2445914" imgH="830635" progId="Excel.Sheet.12">
                   <p:embed/>
                   <p:pic>
                     <p:nvPicPr>
@@ -13717,7 +13721,7 @@
                       <p:nvPr/>
                     </p:nvPicPr>
                     <p:blipFill>
-                      <a:blip r:embed="rId13"/>
+                      <a:blip r:embed="rId14"/>
                       <a:stretch>
                         <a:fillRect/>
                       </a:stretch>
@@ -13880,12 +13884,12 @@
           <a:graphicData uri="http://schemas.openxmlformats.org/presentationml/2006/ole">
             <mc:AlternateContent xmlns:mc="http://schemas.openxmlformats.org/markup-compatibility/2006">
               <mc:Choice xmlns:v="urn:schemas-microsoft-com:vml" Requires="v">
-                <p:oleObj name="Worksheet" r:id="rId2" imgW="5494055" imgH="213202" progId="Excel.Sheet.12">
+                <p:oleObj spid="_x0000_s26626" name="Worksheet" r:id="rId3" imgW="5494055" imgH="213202" progId="Excel.Sheet.12">
                   <p:embed/>
                 </p:oleObj>
               </mc:Choice>
               <mc:Fallback>
-                <p:oleObj name="Worksheet" r:id="rId2" imgW="5494055" imgH="213202" progId="Excel.Sheet.12">
+                <p:oleObj name="Worksheet" r:id="rId3" imgW="5494055" imgH="213202" progId="Excel.Sheet.12">
                   <p:embed/>
                   <p:pic>
                     <p:nvPicPr>
@@ -13900,7 +13904,7 @@
                       <p:nvPr/>
                     </p:nvPicPr>
                     <p:blipFill>
-                      <a:blip r:embed="rId3"/>
+                      <a:blip r:embed="rId4"/>
                       <a:stretch>
                         <a:fillRect/>
                       </a:stretch>
@@ -13943,12 +13947,12 @@
           <a:graphicData uri="http://schemas.openxmlformats.org/presentationml/2006/ole">
             <mc:AlternateContent xmlns:mc="http://schemas.openxmlformats.org/markup-compatibility/2006">
               <mc:Choice xmlns:v="urn:schemas-microsoft-com:vml" Requires="v">
-                <p:oleObj name="Worksheet" r:id="rId4" imgW="4061637" imgH="830635" progId="Excel.Sheet.12">
+                <p:oleObj spid="_x0000_s26627" name="Worksheet" r:id="rId5" imgW="4061637" imgH="830635" progId="Excel.Sheet.12">
                   <p:embed/>
                 </p:oleObj>
               </mc:Choice>
               <mc:Fallback>
-                <p:oleObj name="Worksheet" r:id="rId4" imgW="4061637" imgH="830635" progId="Excel.Sheet.12">
+                <p:oleObj name="Worksheet" r:id="rId5" imgW="4061637" imgH="830635" progId="Excel.Sheet.12">
                   <p:embed/>
                   <p:pic>
                     <p:nvPicPr>
@@ -13963,7 +13967,7 @@
                       <p:nvPr/>
                     </p:nvPicPr>
                     <p:blipFill>
-                      <a:blip r:embed="rId5"/>
+                      <a:blip r:embed="rId6"/>
                       <a:stretch>
                         <a:fillRect/>
                       </a:stretch>
@@ -14012,12 +14016,12 @@
           <a:graphicData uri="http://schemas.openxmlformats.org/presentationml/2006/ole">
             <mc:AlternateContent xmlns:mc="http://schemas.openxmlformats.org/markup-compatibility/2006">
               <mc:Choice xmlns:v="urn:schemas-microsoft-com:vml" Requires="v">
-                <p:oleObj name="Worksheet" r:id="rId6" imgW="4061637" imgH="419155" progId="Excel.Sheet.12">
+                <p:oleObj spid="_x0000_s26628" name="Worksheet" r:id="rId7" imgW="4061637" imgH="419155" progId="Excel.Sheet.12">
                   <p:embed/>
                 </p:oleObj>
               </mc:Choice>
               <mc:Fallback>
-                <p:oleObj name="Worksheet" r:id="rId6" imgW="4061637" imgH="419155" progId="Excel.Sheet.12">
+                <p:oleObj name="Worksheet" r:id="rId7" imgW="4061637" imgH="419155" progId="Excel.Sheet.12">
                   <p:embed/>
                   <p:pic>
                     <p:nvPicPr>
@@ -14032,7 +14036,7 @@
                       <p:nvPr/>
                     </p:nvPicPr>
                     <p:blipFill>
-                      <a:blip r:embed="rId7"/>
+                      <a:blip r:embed="rId8"/>
                       <a:stretch>
                         <a:fillRect/>
                       </a:stretch>
@@ -14081,12 +14085,12 @@
           <a:graphicData uri="http://schemas.openxmlformats.org/presentationml/2006/ole">
             <mc:AlternateContent xmlns:mc="http://schemas.openxmlformats.org/markup-compatibility/2006">
               <mc:Choice xmlns:v="urn:schemas-microsoft-com:vml" Requires="v">
-                <p:oleObj name="Worksheet" r:id="rId8" imgW="4061637" imgH="419155" progId="Excel.Sheet.12">
+                <p:oleObj spid="_x0000_s26629" name="Worksheet" r:id="rId9" imgW="4061637" imgH="419155" progId="Excel.Sheet.12">
                   <p:embed/>
                 </p:oleObj>
               </mc:Choice>
               <mc:Fallback>
-                <p:oleObj name="Worksheet" r:id="rId8" imgW="4061637" imgH="419155" progId="Excel.Sheet.12">
+                <p:oleObj name="Worksheet" r:id="rId9" imgW="4061637" imgH="419155" progId="Excel.Sheet.12">
                   <p:embed/>
                   <p:pic>
                     <p:nvPicPr>
@@ -14101,7 +14105,7 @@
                       <p:nvPr/>
                     </p:nvPicPr>
                     <p:blipFill>
-                      <a:blip r:embed="rId9"/>
+                      <a:blip r:embed="rId10"/>
                       <a:stretch>
                         <a:fillRect/>
                       </a:stretch>
@@ -14150,12 +14154,12 @@
           <a:graphicData uri="http://schemas.openxmlformats.org/presentationml/2006/ole">
             <mc:AlternateContent xmlns:mc="http://schemas.openxmlformats.org/markup-compatibility/2006">
               <mc:Choice xmlns:v="urn:schemas-microsoft-com:vml" Requires="v">
-                <p:oleObj name="Worksheet" r:id="rId10" imgW="12062425" imgH="2384878" progId="Excel.Sheet.12">
+                <p:oleObj spid="_x0000_s26630" name="Worksheet" r:id="rId11" imgW="12062425" imgH="2384878" progId="Excel.Sheet.12">
                   <p:embed/>
                 </p:oleObj>
               </mc:Choice>
               <mc:Fallback>
-                <p:oleObj name="Worksheet" r:id="rId10" imgW="12062425" imgH="2384878" progId="Excel.Sheet.12">
+                <p:oleObj name="Worksheet" r:id="rId11" imgW="12062425" imgH="2384878" progId="Excel.Sheet.12">
                   <p:embed/>
                   <p:pic>
                     <p:nvPicPr>
@@ -14170,7 +14174,7 @@
                       <p:nvPr/>
                     </p:nvPicPr>
                     <p:blipFill>
-                      <a:blip r:embed="rId11"/>
+                      <a:blip r:embed="rId12"/>
                       <a:stretch>
                         <a:fillRect/>
                       </a:stretch>
@@ -14317,12 +14321,12 @@
           <a:graphicData uri="http://schemas.openxmlformats.org/presentationml/2006/ole">
             <mc:AlternateContent xmlns:mc="http://schemas.openxmlformats.org/markup-compatibility/2006">
               <mc:Choice xmlns:v="urn:schemas-microsoft-com:vml" Requires="v">
-                <p:oleObj name="Worksheet" r:id="rId12" imgW="2445914" imgH="830635" progId="Excel.Sheet.12">
+                <p:oleObj spid="_x0000_s26631" name="Worksheet" r:id="rId13" imgW="2445914" imgH="830635" progId="Excel.Sheet.12">
                   <p:embed/>
                 </p:oleObj>
               </mc:Choice>
               <mc:Fallback>
-                <p:oleObj name="Worksheet" r:id="rId12" imgW="2445914" imgH="830635" progId="Excel.Sheet.12">
+                <p:oleObj name="Worksheet" r:id="rId13" imgW="2445914" imgH="830635" progId="Excel.Sheet.12">
                   <p:embed/>
                   <p:pic>
                     <p:nvPicPr>
@@ -14337,7 +14341,7 @@
                       <p:nvPr/>
                     </p:nvPicPr>
                     <p:blipFill>
-                      <a:blip r:embed="rId13"/>
+                      <a:blip r:embed="rId14"/>
                       <a:stretch>
                         <a:fillRect/>
                       </a:stretch>
@@ -14500,12 +14504,12 @@
           <a:graphicData uri="http://schemas.openxmlformats.org/presentationml/2006/ole">
             <mc:AlternateContent xmlns:mc="http://schemas.openxmlformats.org/markup-compatibility/2006">
               <mc:Choice xmlns:v="urn:schemas-microsoft-com:vml" Requires="v">
-                <p:oleObj name="Worksheet" r:id="rId2" imgW="5494055" imgH="213202" progId="Excel.Sheet.12">
+                <p:oleObj spid="_x0000_s27650" name="Worksheet" r:id="rId3" imgW="5494055" imgH="213202" progId="Excel.Sheet.12">
                   <p:embed/>
                 </p:oleObj>
               </mc:Choice>
               <mc:Fallback>
-                <p:oleObj name="Worksheet" r:id="rId2" imgW="5494055" imgH="213202" progId="Excel.Sheet.12">
+                <p:oleObj name="Worksheet" r:id="rId3" imgW="5494055" imgH="213202" progId="Excel.Sheet.12">
                   <p:embed/>
                   <p:pic>
                     <p:nvPicPr>
@@ -14520,7 +14524,7 @@
                       <p:nvPr/>
                     </p:nvPicPr>
                     <p:blipFill>
-                      <a:blip r:embed="rId3"/>
+                      <a:blip r:embed="rId4"/>
                       <a:stretch>
                         <a:fillRect/>
                       </a:stretch>
@@ -14563,12 +14567,12 @@
           <a:graphicData uri="http://schemas.openxmlformats.org/presentationml/2006/ole">
             <mc:AlternateContent xmlns:mc="http://schemas.openxmlformats.org/markup-compatibility/2006">
               <mc:Choice xmlns:v="urn:schemas-microsoft-com:vml" Requires="v">
-                <p:oleObj name="Worksheet" r:id="rId4" imgW="4061637" imgH="830635" progId="Excel.Sheet.12">
+                <p:oleObj spid="_x0000_s27651" name="Worksheet" r:id="rId5" imgW="4061637" imgH="830635" progId="Excel.Sheet.12">
                   <p:embed/>
                 </p:oleObj>
               </mc:Choice>
               <mc:Fallback>
-                <p:oleObj name="Worksheet" r:id="rId4" imgW="4061637" imgH="830635" progId="Excel.Sheet.12">
+                <p:oleObj name="Worksheet" r:id="rId5" imgW="4061637" imgH="830635" progId="Excel.Sheet.12">
                   <p:embed/>
                   <p:pic>
                     <p:nvPicPr>
@@ -14583,7 +14587,7 @@
                       <p:nvPr/>
                     </p:nvPicPr>
                     <p:blipFill>
-                      <a:blip r:embed="rId5"/>
+                      <a:blip r:embed="rId6"/>
                       <a:stretch>
                         <a:fillRect/>
                       </a:stretch>
@@ -14632,12 +14636,12 @@
           <a:graphicData uri="http://schemas.openxmlformats.org/presentationml/2006/ole">
             <mc:AlternateContent xmlns:mc="http://schemas.openxmlformats.org/markup-compatibility/2006">
               <mc:Choice xmlns:v="urn:schemas-microsoft-com:vml" Requires="v">
-                <p:oleObj name="Worksheet" r:id="rId6" imgW="4061637" imgH="419155" progId="Excel.Sheet.12">
+                <p:oleObj spid="_x0000_s27652" name="Worksheet" r:id="rId7" imgW="4061637" imgH="419155" progId="Excel.Sheet.12">
                   <p:embed/>
                 </p:oleObj>
               </mc:Choice>
               <mc:Fallback>
-                <p:oleObj name="Worksheet" r:id="rId6" imgW="4061637" imgH="419155" progId="Excel.Sheet.12">
+                <p:oleObj name="Worksheet" r:id="rId7" imgW="4061637" imgH="419155" progId="Excel.Sheet.12">
                   <p:embed/>
                   <p:pic>
                     <p:nvPicPr>
@@ -14652,7 +14656,7 @@
                       <p:nvPr/>
                     </p:nvPicPr>
                     <p:blipFill>
-                      <a:blip r:embed="rId7"/>
+                      <a:blip r:embed="rId8"/>
                       <a:stretch>
                         <a:fillRect/>
                       </a:stretch>
@@ -14701,12 +14705,12 @@
           <a:graphicData uri="http://schemas.openxmlformats.org/presentationml/2006/ole">
             <mc:AlternateContent xmlns:mc="http://schemas.openxmlformats.org/markup-compatibility/2006">
               <mc:Choice xmlns:v="urn:schemas-microsoft-com:vml" Requires="v">
-                <p:oleObj name="Worksheet" r:id="rId8" imgW="4061637" imgH="419155" progId="Excel.Sheet.12">
+                <p:oleObj spid="_x0000_s27653" name="Worksheet" r:id="rId9" imgW="4061637" imgH="419155" progId="Excel.Sheet.12">
                   <p:embed/>
                 </p:oleObj>
               </mc:Choice>
               <mc:Fallback>
-                <p:oleObj name="Worksheet" r:id="rId8" imgW="4061637" imgH="419155" progId="Excel.Sheet.12">
+                <p:oleObj name="Worksheet" r:id="rId9" imgW="4061637" imgH="419155" progId="Excel.Sheet.12">
                   <p:embed/>
                   <p:pic>
                     <p:nvPicPr>
@@ -14721,7 +14725,7 @@
                       <p:nvPr/>
                     </p:nvPicPr>
                     <p:blipFill>
-                      <a:blip r:embed="rId9"/>
+                      <a:blip r:embed="rId10"/>
                       <a:stretch>
                         <a:fillRect/>
                       </a:stretch>
@@ -14770,12 +14774,12 @@
           <a:graphicData uri="http://schemas.openxmlformats.org/presentationml/2006/ole">
             <mc:AlternateContent xmlns:mc="http://schemas.openxmlformats.org/markup-compatibility/2006">
               <mc:Choice xmlns:v="urn:schemas-microsoft-com:vml" Requires="v">
-                <p:oleObj name="Worksheet" r:id="rId10" imgW="12062425" imgH="2384878" progId="Excel.Sheet.12">
+                <p:oleObj spid="_x0000_s27654" name="Worksheet" r:id="rId11" imgW="12062425" imgH="2384878" progId="Excel.Sheet.12">
                   <p:embed/>
                 </p:oleObj>
               </mc:Choice>
               <mc:Fallback>
-                <p:oleObj name="Worksheet" r:id="rId10" imgW="12062425" imgH="2384878" progId="Excel.Sheet.12">
+                <p:oleObj name="Worksheet" r:id="rId11" imgW="12062425" imgH="2384878" progId="Excel.Sheet.12">
                   <p:embed/>
                   <p:pic>
                     <p:nvPicPr>
@@ -14790,7 +14794,7 @@
                       <p:nvPr/>
                     </p:nvPicPr>
                     <p:blipFill>
-                      <a:blip r:embed="rId11"/>
+                      <a:blip r:embed="rId12"/>
                       <a:stretch>
                         <a:fillRect/>
                       </a:stretch>
@@ -14937,12 +14941,12 @@
           <a:graphicData uri="http://schemas.openxmlformats.org/presentationml/2006/ole">
             <mc:AlternateContent xmlns:mc="http://schemas.openxmlformats.org/markup-compatibility/2006">
               <mc:Choice xmlns:v="urn:schemas-microsoft-com:vml" Requires="v">
-                <p:oleObj name="Worksheet" r:id="rId12" imgW="2445914" imgH="830635" progId="Excel.Sheet.12">
+                <p:oleObj spid="_x0000_s27655" name="Worksheet" r:id="rId13" imgW="2445914" imgH="830635" progId="Excel.Sheet.12">
                   <p:embed/>
                 </p:oleObj>
               </mc:Choice>
               <mc:Fallback>
-                <p:oleObj name="Worksheet" r:id="rId12" imgW="2445914" imgH="830635" progId="Excel.Sheet.12">
+                <p:oleObj name="Worksheet" r:id="rId13" imgW="2445914" imgH="830635" progId="Excel.Sheet.12">
                   <p:embed/>
                   <p:pic>
                     <p:nvPicPr>
@@ -14957,7 +14961,7 @@
                       <p:nvPr/>
                     </p:nvPicPr>
                     <p:blipFill>
-                      <a:blip r:embed="rId13"/>
+                      <a:blip r:embed="rId14"/>
                       <a:stretch>
                         <a:fillRect/>
                       </a:stretch>
@@ -15096,12 +15100,12 @@
           <a:graphicData uri="http://schemas.openxmlformats.org/presentationml/2006/ole">
             <mc:AlternateContent xmlns:mc="http://schemas.openxmlformats.org/markup-compatibility/2006">
               <mc:Choice xmlns:v="urn:schemas-microsoft-com:vml" Requires="v">
-                <p:oleObj name="Worksheet" r:id="rId2" imgW="5494055" imgH="213202" progId="Excel.Sheet.12">
+                <p:oleObj spid="_x0000_s28674" name="Worksheet" r:id="rId3" imgW="5494055" imgH="213202" progId="Excel.Sheet.12">
                   <p:embed/>
                 </p:oleObj>
               </mc:Choice>
               <mc:Fallback>
-                <p:oleObj name="Worksheet" r:id="rId2" imgW="5494055" imgH="213202" progId="Excel.Sheet.12">
+                <p:oleObj name="Worksheet" r:id="rId3" imgW="5494055" imgH="213202" progId="Excel.Sheet.12">
                   <p:embed/>
                   <p:pic>
                     <p:nvPicPr>
@@ -15116,7 +15120,7 @@
                       <p:nvPr/>
                     </p:nvPicPr>
                     <p:blipFill>
-                      <a:blip r:embed="rId3"/>
+                      <a:blip r:embed="rId4"/>
                       <a:stretch>
                         <a:fillRect/>
                       </a:stretch>
@@ -15159,12 +15163,12 @@
           <a:graphicData uri="http://schemas.openxmlformats.org/presentationml/2006/ole">
             <mc:AlternateContent xmlns:mc="http://schemas.openxmlformats.org/markup-compatibility/2006">
               <mc:Choice xmlns:v="urn:schemas-microsoft-com:vml" Requires="v">
-                <p:oleObj name="Worksheet" r:id="rId4" imgW="4061637" imgH="830635" progId="Excel.Sheet.12">
+                <p:oleObj spid="_x0000_s28675" name="Worksheet" r:id="rId5" imgW="4061637" imgH="830635" progId="Excel.Sheet.12">
                   <p:embed/>
                 </p:oleObj>
               </mc:Choice>
               <mc:Fallback>
-                <p:oleObj name="Worksheet" r:id="rId4" imgW="4061637" imgH="830635" progId="Excel.Sheet.12">
+                <p:oleObj name="Worksheet" r:id="rId5" imgW="4061637" imgH="830635" progId="Excel.Sheet.12">
                   <p:embed/>
                   <p:pic>
                     <p:nvPicPr>
@@ -15179,7 +15183,7 @@
                       <p:nvPr/>
                     </p:nvPicPr>
                     <p:blipFill>
-                      <a:blip r:embed="rId5"/>
+                      <a:blip r:embed="rId6"/>
                       <a:stretch>
                         <a:fillRect/>
                       </a:stretch>
@@ -15228,12 +15232,12 @@
           <a:graphicData uri="http://schemas.openxmlformats.org/presentationml/2006/ole">
             <mc:AlternateContent xmlns:mc="http://schemas.openxmlformats.org/markup-compatibility/2006">
               <mc:Choice xmlns:v="urn:schemas-microsoft-com:vml" Requires="v">
-                <p:oleObj name="Worksheet" r:id="rId6" imgW="4061637" imgH="419155" progId="Excel.Sheet.12">
+                <p:oleObj spid="_x0000_s28676" name="Worksheet" r:id="rId7" imgW="4061637" imgH="419155" progId="Excel.Sheet.12">
                   <p:embed/>
                 </p:oleObj>
               </mc:Choice>
               <mc:Fallback>
-                <p:oleObj name="Worksheet" r:id="rId6" imgW="4061637" imgH="419155" progId="Excel.Sheet.12">
+                <p:oleObj name="Worksheet" r:id="rId7" imgW="4061637" imgH="419155" progId="Excel.Sheet.12">
                   <p:embed/>
                   <p:pic>
                     <p:nvPicPr>
@@ -15248,7 +15252,7 @@
                       <p:nvPr/>
                     </p:nvPicPr>
                     <p:blipFill>
-                      <a:blip r:embed="rId7"/>
+                      <a:blip r:embed="rId8"/>
                       <a:stretch>
                         <a:fillRect/>
                       </a:stretch>
@@ -15297,12 +15301,12 @@
           <a:graphicData uri="http://schemas.openxmlformats.org/presentationml/2006/ole">
             <mc:AlternateContent xmlns:mc="http://schemas.openxmlformats.org/markup-compatibility/2006">
               <mc:Choice xmlns:v="urn:schemas-microsoft-com:vml" Requires="v">
-                <p:oleObj name="Worksheet" r:id="rId8" imgW="4061637" imgH="419155" progId="Excel.Sheet.12">
+                <p:oleObj spid="_x0000_s28677" name="Worksheet" r:id="rId9" imgW="4061637" imgH="419155" progId="Excel.Sheet.12">
                   <p:embed/>
                 </p:oleObj>
               </mc:Choice>
               <mc:Fallback>
-                <p:oleObj name="Worksheet" r:id="rId8" imgW="4061637" imgH="419155" progId="Excel.Sheet.12">
+                <p:oleObj name="Worksheet" r:id="rId9" imgW="4061637" imgH="419155" progId="Excel.Sheet.12">
                   <p:embed/>
                   <p:pic>
                     <p:nvPicPr>
@@ -15317,7 +15321,7 @@
                       <p:nvPr/>
                     </p:nvPicPr>
                     <p:blipFill>
-                      <a:blip r:embed="rId9"/>
+                      <a:blip r:embed="rId10"/>
                       <a:stretch>
                         <a:fillRect/>
                       </a:stretch>
@@ -15366,12 +15370,12 @@
           <a:graphicData uri="http://schemas.openxmlformats.org/presentationml/2006/ole">
             <mc:AlternateContent xmlns:mc="http://schemas.openxmlformats.org/markup-compatibility/2006">
               <mc:Choice xmlns:v="urn:schemas-microsoft-com:vml" Requires="v">
-                <p:oleObj name="Worksheet" r:id="rId10" imgW="12062425" imgH="2384878" progId="Excel.Sheet.12">
+                <p:oleObj spid="_x0000_s28678" name="Worksheet" r:id="rId11" imgW="12062425" imgH="2384878" progId="Excel.Sheet.12">
                   <p:embed/>
                 </p:oleObj>
               </mc:Choice>
               <mc:Fallback>
-                <p:oleObj name="Worksheet" r:id="rId10" imgW="12062425" imgH="2384878" progId="Excel.Sheet.12">
+                <p:oleObj name="Worksheet" r:id="rId11" imgW="12062425" imgH="2384878" progId="Excel.Sheet.12">
                   <p:embed/>
                   <p:pic>
                     <p:nvPicPr>
@@ -15386,7 +15390,7 @@
                       <p:nvPr/>
                     </p:nvPicPr>
                     <p:blipFill>
-                      <a:blip r:embed="rId11"/>
+                      <a:blip r:embed="rId12"/>
                       <a:stretch>
                         <a:fillRect/>
                       </a:stretch>
@@ -15533,12 +15537,12 @@
           <a:graphicData uri="http://schemas.openxmlformats.org/presentationml/2006/ole">
             <mc:AlternateContent xmlns:mc="http://schemas.openxmlformats.org/markup-compatibility/2006">
               <mc:Choice xmlns:v="urn:schemas-microsoft-com:vml" Requires="v">
-                <p:oleObj name="Worksheet" r:id="rId12" imgW="2445914" imgH="830635" progId="Excel.Sheet.12">
+                <p:oleObj spid="_x0000_s28679" name="Worksheet" r:id="rId13" imgW="2445914" imgH="830635" progId="Excel.Sheet.12">
                   <p:embed/>
                 </p:oleObj>
               </mc:Choice>
               <mc:Fallback>
-                <p:oleObj name="Worksheet" r:id="rId12" imgW="2445914" imgH="830635" progId="Excel.Sheet.12">
+                <p:oleObj name="Worksheet" r:id="rId13" imgW="2445914" imgH="830635" progId="Excel.Sheet.12">
                   <p:embed/>
                   <p:pic>
                     <p:nvPicPr>
@@ -15553,7 +15557,7 @@
                       <p:nvPr/>
                     </p:nvPicPr>
                     <p:blipFill>
-                      <a:blip r:embed="rId13"/>
+                      <a:blip r:embed="rId14"/>
                       <a:stretch>
                         <a:fillRect/>
                       </a:stretch>
@@ -15670,12 +15674,12 @@
           <a:graphicData uri="http://schemas.openxmlformats.org/presentationml/2006/ole">
             <mc:AlternateContent xmlns:mc="http://schemas.openxmlformats.org/markup-compatibility/2006">
               <mc:Choice xmlns:v="urn:schemas-microsoft-com:vml" Requires="v">
-                <p:oleObj name="Worksheet" r:id="rId2" imgW="5494055" imgH="213202" progId="Excel.Sheet.12">
+                <p:oleObj spid="_x0000_s2050" name="Worksheet" r:id="rId3" imgW="5494055" imgH="213202" progId="Excel.Sheet.12">
                   <p:embed/>
                 </p:oleObj>
               </mc:Choice>
               <mc:Fallback>
-                <p:oleObj name="Worksheet" r:id="rId2" imgW="5494055" imgH="213202" progId="Excel.Sheet.12">
+                <p:oleObj name="Worksheet" r:id="rId3" imgW="5494055" imgH="213202" progId="Excel.Sheet.12">
                   <p:embed/>
                   <p:pic>
                     <p:nvPicPr>
@@ -15684,7 +15688,7 @@
                       <p:nvPr/>
                     </p:nvPicPr>
                     <p:blipFill>
-                      <a:blip r:embed="rId3"/>
+                      <a:blip r:embed="rId4"/>
                       <a:stretch>
                         <a:fillRect/>
                       </a:stretch>
@@ -15733,12 +15737,12 @@
           <a:graphicData uri="http://schemas.openxmlformats.org/presentationml/2006/ole">
             <mc:AlternateContent xmlns:mc="http://schemas.openxmlformats.org/markup-compatibility/2006">
               <mc:Choice xmlns:v="urn:schemas-microsoft-com:vml" Requires="v">
-                <p:oleObj name="Worksheet" r:id="rId4" imgW="4061637" imgH="830635" progId="Excel.Sheet.12">
+                <p:oleObj spid="_x0000_s2051" name="Worksheet" r:id="rId5" imgW="4061637" imgH="830635" progId="Excel.Sheet.12">
                   <p:embed/>
                 </p:oleObj>
               </mc:Choice>
               <mc:Fallback>
-                <p:oleObj name="Worksheet" r:id="rId4" imgW="4061637" imgH="830635" progId="Excel.Sheet.12">
+                <p:oleObj name="Worksheet" r:id="rId5" imgW="4061637" imgH="830635" progId="Excel.Sheet.12">
                   <p:embed/>
                   <p:pic>
                     <p:nvPicPr>
@@ -15747,7 +15751,7 @@
                       <p:nvPr/>
                     </p:nvPicPr>
                     <p:blipFill>
-                      <a:blip r:embed="rId5"/>
+                      <a:blip r:embed="rId6"/>
                       <a:stretch>
                         <a:fillRect/>
                       </a:stretch>
@@ -15796,12 +15800,12 @@
           <a:graphicData uri="http://schemas.openxmlformats.org/presentationml/2006/ole">
             <mc:AlternateContent xmlns:mc="http://schemas.openxmlformats.org/markup-compatibility/2006">
               <mc:Choice xmlns:v="urn:schemas-microsoft-com:vml" Requires="v">
-                <p:oleObj name="Worksheet" r:id="rId6" imgW="4061637" imgH="419155" progId="Excel.Sheet.12">
+                <p:oleObj spid="_x0000_s2052" name="Worksheet" r:id="rId7" imgW="4061637" imgH="419155" progId="Excel.Sheet.12">
                   <p:embed/>
                 </p:oleObj>
               </mc:Choice>
               <mc:Fallback>
-                <p:oleObj name="Worksheet" r:id="rId6" imgW="4061637" imgH="419155" progId="Excel.Sheet.12">
+                <p:oleObj name="Worksheet" r:id="rId7" imgW="4061637" imgH="419155" progId="Excel.Sheet.12">
                   <p:embed/>
                   <p:pic>
                     <p:nvPicPr>
@@ -15810,7 +15814,7 @@
                       <p:nvPr/>
                     </p:nvPicPr>
                     <p:blipFill>
-                      <a:blip r:embed="rId7"/>
+                      <a:blip r:embed="rId8"/>
                       <a:stretch>
                         <a:fillRect/>
                       </a:stretch>
@@ -15859,12 +15863,12 @@
           <a:graphicData uri="http://schemas.openxmlformats.org/presentationml/2006/ole">
             <mc:AlternateContent xmlns:mc="http://schemas.openxmlformats.org/markup-compatibility/2006">
               <mc:Choice xmlns:v="urn:schemas-microsoft-com:vml" Requires="v">
-                <p:oleObj name="Worksheet" r:id="rId8" imgW="4061637" imgH="419155" progId="Excel.Sheet.12">
+                <p:oleObj spid="_x0000_s2053" name="Worksheet" r:id="rId9" imgW="4061637" imgH="419155" progId="Excel.Sheet.12">
                   <p:embed/>
                 </p:oleObj>
               </mc:Choice>
               <mc:Fallback>
-                <p:oleObj name="Worksheet" r:id="rId8" imgW="4061637" imgH="419155" progId="Excel.Sheet.12">
+                <p:oleObj name="Worksheet" r:id="rId9" imgW="4061637" imgH="419155" progId="Excel.Sheet.12">
                   <p:embed/>
                   <p:pic>
                     <p:nvPicPr>
@@ -15873,7 +15877,7 @@
                       <p:nvPr/>
                     </p:nvPicPr>
                     <p:blipFill>
-                      <a:blip r:embed="rId9"/>
+                      <a:blip r:embed="rId10"/>
                       <a:stretch>
                         <a:fillRect/>
                       </a:stretch>
@@ -15922,12 +15926,12 @@
           <a:graphicData uri="http://schemas.openxmlformats.org/presentationml/2006/ole">
             <mc:AlternateContent xmlns:mc="http://schemas.openxmlformats.org/markup-compatibility/2006">
               <mc:Choice xmlns:v="urn:schemas-microsoft-com:vml" Requires="v">
-                <p:oleObj name="Worksheet" r:id="rId10" imgW="12062425" imgH="2384878" progId="Excel.Sheet.12">
+                <p:oleObj spid="_x0000_s2054" name="Worksheet" r:id="rId11" imgW="12062425" imgH="2384878" progId="Excel.Sheet.12">
                   <p:embed/>
                 </p:oleObj>
               </mc:Choice>
               <mc:Fallback>
-                <p:oleObj name="Worksheet" r:id="rId10" imgW="12062425" imgH="2384878" progId="Excel.Sheet.12">
+                <p:oleObj name="Worksheet" r:id="rId11" imgW="12062425" imgH="2384878" progId="Excel.Sheet.12">
                   <p:embed/>
                   <p:pic>
                     <p:nvPicPr>
@@ -15936,7 +15940,7 @@
                       <p:nvPr/>
                     </p:nvPicPr>
                     <p:blipFill>
-                      <a:blip r:embed="rId11"/>
+                      <a:blip r:embed="rId12"/>
                       <a:stretch>
                         <a:fillRect/>
                       </a:stretch>
@@ -16155,12 +16159,12 @@
           <a:graphicData uri="http://schemas.openxmlformats.org/presentationml/2006/ole">
             <mc:AlternateContent xmlns:mc="http://schemas.openxmlformats.org/markup-compatibility/2006">
               <mc:Choice xmlns:v="urn:schemas-microsoft-com:vml" Requires="v">
-                <p:oleObj name="Worksheet" r:id="rId12" imgW="2445914" imgH="830635" progId="Excel.Sheet.12">
+                <p:oleObj spid="_x0000_s2055" name="Worksheet" r:id="rId13" imgW="2445914" imgH="830635" progId="Excel.Sheet.12">
                   <p:embed/>
                 </p:oleObj>
               </mc:Choice>
               <mc:Fallback>
-                <p:oleObj name="Worksheet" r:id="rId12" imgW="2445914" imgH="830635" progId="Excel.Sheet.12">
+                <p:oleObj name="Worksheet" r:id="rId13" imgW="2445914" imgH="830635" progId="Excel.Sheet.12">
                   <p:embed/>
                   <p:pic>
                     <p:nvPicPr>
@@ -16175,7 +16179,7 @@
                       <p:nvPr/>
                     </p:nvPicPr>
                     <p:blipFill>
-                      <a:blip r:embed="rId13"/>
+                      <a:blip r:embed="rId14"/>
                       <a:stretch>
                         <a:fillRect/>
                       </a:stretch>
@@ -16248,12 +16252,12 @@
           <a:graphicData uri="http://schemas.openxmlformats.org/presentationml/2006/ole">
             <mc:AlternateContent xmlns:mc="http://schemas.openxmlformats.org/markup-compatibility/2006">
               <mc:Choice xmlns:v="urn:schemas-microsoft-com:vml" Requires="v">
-                <p:oleObj name="Worksheet" r:id="rId2" imgW="5494055" imgH="213202" progId="Excel.Sheet.12">
+                <p:oleObj spid="_x0000_s29698" name="Worksheet" r:id="rId3" imgW="5494055" imgH="213202" progId="Excel.Sheet.12">
                   <p:embed/>
                 </p:oleObj>
               </mc:Choice>
               <mc:Fallback>
-                <p:oleObj name="Worksheet" r:id="rId2" imgW="5494055" imgH="213202" progId="Excel.Sheet.12">
+                <p:oleObj name="Worksheet" r:id="rId3" imgW="5494055" imgH="213202" progId="Excel.Sheet.12">
                   <p:embed/>
                   <p:pic>
                     <p:nvPicPr>
@@ -16268,7 +16272,7 @@
                       <p:nvPr/>
                     </p:nvPicPr>
                     <p:blipFill>
-                      <a:blip r:embed="rId3"/>
+                      <a:blip r:embed="rId4"/>
                       <a:stretch>
                         <a:fillRect/>
                       </a:stretch>
@@ -16311,12 +16315,12 @@
           <a:graphicData uri="http://schemas.openxmlformats.org/presentationml/2006/ole">
             <mc:AlternateContent xmlns:mc="http://schemas.openxmlformats.org/markup-compatibility/2006">
               <mc:Choice xmlns:v="urn:schemas-microsoft-com:vml" Requires="v">
-                <p:oleObj name="Worksheet" r:id="rId4" imgW="4061637" imgH="830635" progId="Excel.Sheet.12">
+                <p:oleObj spid="_x0000_s29699" name="Worksheet" r:id="rId5" imgW="4061637" imgH="830635" progId="Excel.Sheet.12">
                   <p:embed/>
                 </p:oleObj>
               </mc:Choice>
               <mc:Fallback>
-                <p:oleObj name="Worksheet" r:id="rId4" imgW="4061637" imgH="830635" progId="Excel.Sheet.12">
+                <p:oleObj name="Worksheet" r:id="rId5" imgW="4061637" imgH="830635" progId="Excel.Sheet.12">
                   <p:embed/>
                   <p:pic>
                     <p:nvPicPr>
@@ -16331,7 +16335,7 @@
                       <p:nvPr/>
                     </p:nvPicPr>
                     <p:blipFill>
-                      <a:blip r:embed="rId5"/>
+                      <a:blip r:embed="rId6"/>
                       <a:stretch>
                         <a:fillRect/>
                       </a:stretch>
@@ -16380,12 +16384,12 @@
           <a:graphicData uri="http://schemas.openxmlformats.org/presentationml/2006/ole">
             <mc:AlternateContent xmlns:mc="http://schemas.openxmlformats.org/markup-compatibility/2006">
               <mc:Choice xmlns:v="urn:schemas-microsoft-com:vml" Requires="v">
-                <p:oleObj name="Worksheet" r:id="rId6" imgW="4061637" imgH="419155" progId="Excel.Sheet.12">
+                <p:oleObj spid="_x0000_s29700" name="Worksheet" r:id="rId7" imgW="4061637" imgH="419155" progId="Excel.Sheet.12">
                   <p:embed/>
                 </p:oleObj>
               </mc:Choice>
               <mc:Fallback>
-                <p:oleObj name="Worksheet" r:id="rId6" imgW="4061637" imgH="419155" progId="Excel.Sheet.12">
+                <p:oleObj name="Worksheet" r:id="rId7" imgW="4061637" imgH="419155" progId="Excel.Sheet.12">
                   <p:embed/>
                   <p:pic>
                     <p:nvPicPr>
@@ -16400,7 +16404,7 @@
                       <p:nvPr/>
                     </p:nvPicPr>
                     <p:blipFill>
-                      <a:blip r:embed="rId7"/>
+                      <a:blip r:embed="rId8"/>
                       <a:stretch>
                         <a:fillRect/>
                       </a:stretch>
@@ -16449,12 +16453,12 @@
           <a:graphicData uri="http://schemas.openxmlformats.org/presentationml/2006/ole">
             <mc:AlternateContent xmlns:mc="http://schemas.openxmlformats.org/markup-compatibility/2006">
               <mc:Choice xmlns:v="urn:schemas-microsoft-com:vml" Requires="v">
-                <p:oleObj name="Worksheet" r:id="rId8" imgW="4061637" imgH="419155" progId="Excel.Sheet.12">
+                <p:oleObj spid="_x0000_s29701" name="Worksheet" r:id="rId9" imgW="4061637" imgH="419155" progId="Excel.Sheet.12">
                   <p:embed/>
                 </p:oleObj>
               </mc:Choice>
               <mc:Fallback>
-                <p:oleObj name="Worksheet" r:id="rId8" imgW="4061637" imgH="419155" progId="Excel.Sheet.12">
+                <p:oleObj name="Worksheet" r:id="rId9" imgW="4061637" imgH="419155" progId="Excel.Sheet.12">
                   <p:embed/>
                   <p:pic>
                     <p:nvPicPr>
@@ -16469,7 +16473,7 @@
                       <p:nvPr/>
                     </p:nvPicPr>
                     <p:blipFill>
-                      <a:blip r:embed="rId9"/>
+                      <a:blip r:embed="rId10"/>
                       <a:stretch>
                         <a:fillRect/>
                       </a:stretch>
@@ -16518,12 +16522,12 @@
           <a:graphicData uri="http://schemas.openxmlformats.org/presentationml/2006/ole">
             <mc:AlternateContent xmlns:mc="http://schemas.openxmlformats.org/markup-compatibility/2006">
               <mc:Choice xmlns:v="urn:schemas-microsoft-com:vml" Requires="v">
-                <p:oleObj name="Worksheet" r:id="rId10" imgW="12062425" imgH="2384878" progId="Excel.Sheet.12">
+                <p:oleObj spid="_x0000_s29702" name="Worksheet" r:id="rId11" imgW="12062425" imgH="2384878" progId="Excel.Sheet.12">
                   <p:embed/>
                 </p:oleObj>
               </mc:Choice>
               <mc:Fallback>
-                <p:oleObj name="Worksheet" r:id="rId10" imgW="12062425" imgH="2384878" progId="Excel.Sheet.12">
+                <p:oleObj name="Worksheet" r:id="rId11" imgW="12062425" imgH="2384878" progId="Excel.Sheet.12">
                   <p:embed/>
                   <p:pic>
                     <p:nvPicPr>
@@ -16538,7 +16542,7 @@
                       <p:nvPr/>
                     </p:nvPicPr>
                     <p:blipFill>
-                      <a:blip r:embed="rId11"/>
+                      <a:blip r:embed="rId12"/>
                       <a:stretch>
                         <a:fillRect/>
                       </a:stretch>
@@ -16691,12 +16695,12 @@
           <a:graphicData uri="http://schemas.openxmlformats.org/presentationml/2006/ole">
             <mc:AlternateContent xmlns:mc="http://schemas.openxmlformats.org/markup-compatibility/2006">
               <mc:Choice xmlns:v="urn:schemas-microsoft-com:vml" Requires="v">
-                <p:oleObj name="Worksheet" r:id="rId12" imgW="2445914" imgH="830635" progId="Excel.Sheet.12">
+                <p:oleObj spid="_x0000_s29703" name="Worksheet" r:id="rId13" imgW="2445914" imgH="830635" progId="Excel.Sheet.12">
                   <p:embed/>
                 </p:oleObj>
               </mc:Choice>
               <mc:Fallback>
-                <p:oleObj name="Worksheet" r:id="rId12" imgW="2445914" imgH="830635" progId="Excel.Sheet.12">
+                <p:oleObj name="Worksheet" r:id="rId13" imgW="2445914" imgH="830635" progId="Excel.Sheet.12">
                   <p:embed/>
                   <p:pic>
                     <p:nvPicPr>
@@ -16711,7 +16715,7 @@
                       <p:nvPr/>
                     </p:nvPicPr>
                     <p:blipFill>
-                      <a:blip r:embed="rId13"/>
+                      <a:blip r:embed="rId14"/>
                       <a:stretch>
                         <a:fillRect/>
                       </a:stretch>
@@ -16888,12 +16892,12 @@
           <a:graphicData uri="http://schemas.openxmlformats.org/presentationml/2006/ole">
             <mc:AlternateContent xmlns:mc="http://schemas.openxmlformats.org/markup-compatibility/2006">
               <mc:Choice xmlns:v="urn:schemas-microsoft-com:vml" Requires="v">
-                <p:oleObj name="Worksheet" r:id="rId2" imgW="5494055" imgH="213202" progId="Excel.Sheet.12">
+                <p:oleObj spid="_x0000_s30722" name="Worksheet" r:id="rId3" imgW="5494055" imgH="213202" progId="Excel.Sheet.12">
                   <p:embed/>
                 </p:oleObj>
               </mc:Choice>
               <mc:Fallback>
-                <p:oleObj name="Worksheet" r:id="rId2" imgW="5494055" imgH="213202" progId="Excel.Sheet.12">
+                <p:oleObj name="Worksheet" r:id="rId3" imgW="5494055" imgH="213202" progId="Excel.Sheet.12">
                   <p:embed/>
                   <p:pic>
                     <p:nvPicPr>
@@ -16908,7 +16912,7 @@
                       <p:nvPr/>
                     </p:nvPicPr>
                     <p:blipFill>
-                      <a:blip r:embed="rId3"/>
+                      <a:blip r:embed="rId4"/>
                       <a:stretch>
                         <a:fillRect/>
                       </a:stretch>
@@ -16951,12 +16955,12 @@
           <a:graphicData uri="http://schemas.openxmlformats.org/presentationml/2006/ole">
             <mc:AlternateContent xmlns:mc="http://schemas.openxmlformats.org/markup-compatibility/2006">
               <mc:Choice xmlns:v="urn:schemas-microsoft-com:vml" Requires="v">
-                <p:oleObj name="Worksheet" r:id="rId4" imgW="4061637" imgH="830635" progId="Excel.Sheet.12">
+                <p:oleObj spid="_x0000_s30723" name="Worksheet" r:id="rId5" imgW="4061637" imgH="830635" progId="Excel.Sheet.12">
                   <p:embed/>
                 </p:oleObj>
               </mc:Choice>
               <mc:Fallback>
-                <p:oleObj name="Worksheet" r:id="rId4" imgW="4061637" imgH="830635" progId="Excel.Sheet.12">
+                <p:oleObj name="Worksheet" r:id="rId5" imgW="4061637" imgH="830635" progId="Excel.Sheet.12">
                   <p:embed/>
                   <p:pic>
                     <p:nvPicPr>
@@ -16971,7 +16975,7 @@
                       <p:nvPr/>
                     </p:nvPicPr>
                     <p:blipFill>
-                      <a:blip r:embed="rId5"/>
+                      <a:blip r:embed="rId6"/>
                       <a:stretch>
                         <a:fillRect/>
                       </a:stretch>
@@ -17020,12 +17024,12 @@
           <a:graphicData uri="http://schemas.openxmlformats.org/presentationml/2006/ole">
             <mc:AlternateContent xmlns:mc="http://schemas.openxmlformats.org/markup-compatibility/2006">
               <mc:Choice xmlns:v="urn:schemas-microsoft-com:vml" Requires="v">
-                <p:oleObj name="Worksheet" r:id="rId6" imgW="4061637" imgH="419155" progId="Excel.Sheet.12">
+                <p:oleObj spid="_x0000_s30724" name="Worksheet" r:id="rId7" imgW="4061637" imgH="419155" progId="Excel.Sheet.12">
                   <p:embed/>
                 </p:oleObj>
               </mc:Choice>
               <mc:Fallback>
-                <p:oleObj name="Worksheet" r:id="rId6" imgW="4061637" imgH="419155" progId="Excel.Sheet.12">
+                <p:oleObj name="Worksheet" r:id="rId7" imgW="4061637" imgH="419155" progId="Excel.Sheet.12">
                   <p:embed/>
                   <p:pic>
                     <p:nvPicPr>
@@ -17040,7 +17044,7 @@
                       <p:nvPr/>
                     </p:nvPicPr>
                     <p:blipFill>
-                      <a:blip r:embed="rId7"/>
+                      <a:blip r:embed="rId8"/>
                       <a:stretch>
                         <a:fillRect/>
                       </a:stretch>
@@ -17089,12 +17093,12 @@
           <a:graphicData uri="http://schemas.openxmlformats.org/presentationml/2006/ole">
             <mc:AlternateContent xmlns:mc="http://schemas.openxmlformats.org/markup-compatibility/2006">
               <mc:Choice xmlns:v="urn:schemas-microsoft-com:vml" Requires="v">
-                <p:oleObj name="Worksheet" r:id="rId8" imgW="4061637" imgH="419155" progId="Excel.Sheet.12">
+                <p:oleObj spid="_x0000_s30725" name="Worksheet" r:id="rId9" imgW="4061637" imgH="419155" progId="Excel.Sheet.12">
                   <p:embed/>
                 </p:oleObj>
               </mc:Choice>
               <mc:Fallback>
-                <p:oleObj name="Worksheet" r:id="rId8" imgW="4061637" imgH="419155" progId="Excel.Sheet.12">
+                <p:oleObj name="Worksheet" r:id="rId9" imgW="4061637" imgH="419155" progId="Excel.Sheet.12">
                   <p:embed/>
                   <p:pic>
                     <p:nvPicPr>
@@ -17109,7 +17113,7 @@
                       <p:nvPr/>
                     </p:nvPicPr>
                     <p:blipFill>
-                      <a:blip r:embed="rId9"/>
+                      <a:blip r:embed="rId10"/>
                       <a:stretch>
                         <a:fillRect/>
                       </a:stretch>
@@ -17158,12 +17162,12 @@
           <a:graphicData uri="http://schemas.openxmlformats.org/presentationml/2006/ole">
             <mc:AlternateContent xmlns:mc="http://schemas.openxmlformats.org/markup-compatibility/2006">
               <mc:Choice xmlns:v="urn:schemas-microsoft-com:vml" Requires="v">
-                <p:oleObj name="Worksheet" r:id="rId10" imgW="12062425" imgH="2384878" progId="Excel.Sheet.12">
+                <p:oleObj spid="_x0000_s30726" name="Worksheet" r:id="rId11" imgW="12062425" imgH="2384878" progId="Excel.Sheet.12">
                   <p:embed/>
                 </p:oleObj>
               </mc:Choice>
               <mc:Fallback>
-                <p:oleObj name="Worksheet" r:id="rId10" imgW="12062425" imgH="2384878" progId="Excel.Sheet.12">
+                <p:oleObj name="Worksheet" r:id="rId11" imgW="12062425" imgH="2384878" progId="Excel.Sheet.12">
                   <p:embed/>
                   <p:pic>
                     <p:nvPicPr>
@@ -17178,7 +17182,7 @@
                       <p:nvPr/>
                     </p:nvPicPr>
                     <p:blipFill>
-                      <a:blip r:embed="rId11"/>
+                      <a:blip r:embed="rId12"/>
                       <a:stretch>
                         <a:fillRect/>
                       </a:stretch>
@@ -17325,12 +17329,12 @@
           <a:graphicData uri="http://schemas.openxmlformats.org/presentationml/2006/ole">
             <mc:AlternateContent xmlns:mc="http://schemas.openxmlformats.org/markup-compatibility/2006">
               <mc:Choice xmlns:v="urn:schemas-microsoft-com:vml" Requires="v">
-                <p:oleObj name="Worksheet" r:id="rId12" imgW="2445914" imgH="830635" progId="Excel.Sheet.12">
+                <p:oleObj spid="_x0000_s30727" name="Worksheet" r:id="rId13" imgW="2445914" imgH="830635" progId="Excel.Sheet.12">
                   <p:embed/>
                 </p:oleObj>
               </mc:Choice>
               <mc:Fallback>
-                <p:oleObj name="Worksheet" r:id="rId12" imgW="2445914" imgH="830635" progId="Excel.Sheet.12">
+                <p:oleObj name="Worksheet" r:id="rId13" imgW="2445914" imgH="830635" progId="Excel.Sheet.12">
                   <p:embed/>
                   <p:pic>
                     <p:nvPicPr>
@@ -17345,7 +17349,7 @@
                       <p:nvPr/>
                     </p:nvPicPr>
                     <p:blipFill>
-                      <a:blip r:embed="rId13"/>
+                      <a:blip r:embed="rId14"/>
                       <a:stretch>
                         <a:fillRect/>
                       </a:stretch>
@@ -17508,12 +17512,12 @@
           <a:graphicData uri="http://schemas.openxmlformats.org/presentationml/2006/ole">
             <mc:AlternateContent xmlns:mc="http://schemas.openxmlformats.org/markup-compatibility/2006">
               <mc:Choice xmlns:v="urn:schemas-microsoft-com:vml" Requires="v">
-                <p:oleObj name="Worksheet" r:id="rId2" imgW="5494055" imgH="213202" progId="Excel.Sheet.12">
+                <p:oleObj spid="_x0000_s31746" name="Worksheet" r:id="rId3" imgW="5494055" imgH="213202" progId="Excel.Sheet.12">
                   <p:embed/>
                 </p:oleObj>
               </mc:Choice>
               <mc:Fallback>
-                <p:oleObj name="Worksheet" r:id="rId2" imgW="5494055" imgH="213202" progId="Excel.Sheet.12">
+                <p:oleObj name="Worksheet" r:id="rId3" imgW="5494055" imgH="213202" progId="Excel.Sheet.12">
                   <p:embed/>
                   <p:pic>
                     <p:nvPicPr>
@@ -17528,7 +17532,7 @@
                       <p:nvPr/>
                     </p:nvPicPr>
                     <p:blipFill>
-                      <a:blip r:embed="rId3"/>
+                      <a:blip r:embed="rId4"/>
                       <a:stretch>
                         <a:fillRect/>
                       </a:stretch>
@@ -17571,12 +17575,12 @@
           <a:graphicData uri="http://schemas.openxmlformats.org/presentationml/2006/ole">
             <mc:AlternateContent xmlns:mc="http://schemas.openxmlformats.org/markup-compatibility/2006">
               <mc:Choice xmlns:v="urn:schemas-microsoft-com:vml" Requires="v">
-                <p:oleObj name="Worksheet" r:id="rId4" imgW="4061637" imgH="830635" progId="Excel.Sheet.12">
+                <p:oleObj spid="_x0000_s31747" name="Worksheet" r:id="rId5" imgW="4061637" imgH="830635" progId="Excel.Sheet.12">
                   <p:embed/>
                 </p:oleObj>
               </mc:Choice>
               <mc:Fallback>
-                <p:oleObj name="Worksheet" r:id="rId4" imgW="4061637" imgH="830635" progId="Excel.Sheet.12">
+                <p:oleObj name="Worksheet" r:id="rId5" imgW="4061637" imgH="830635" progId="Excel.Sheet.12">
                   <p:embed/>
                   <p:pic>
                     <p:nvPicPr>
@@ -17591,7 +17595,7 @@
                       <p:nvPr/>
                     </p:nvPicPr>
                     <p:blipFill>
-                      <a:blip r:embed="rId5"/>
+                      <a:blip r:embed="rId6"/>
                       <a:stretch>
                         <a:fillRect/>
                       </a:stretch>
@@ -17640,12 +17644,12 @@
           <a:graphicData uri="http://schemas.openxmlformats.org/presentationml/2006/ole">
             <mc:AlternateContent xmlns:mc="http://schemas.openxmlformats.org/markup-compatibility/2006">
               <mc:Choice xmlns:v="urn:schemas-microsoft-com:vml" Requires="v">
-                <p:oleObj name="Worksheet" r:id="rId6" imgW="4061637" imgH="419155" progId="Excel.Sheet.12">
+                <p:oleObj spid="_x0000_s31748" name="Worksheet" r:id="rId7" imgW="4061637" imgH="419155" progId="Excel.Sheet.12">
                   <p:embed/>
                 </p:oleObj>
               </mc:Choice>
               <mc:Fallback>
-                <p:oleObj name="Worksheet" r:id="rId6" imgW="4061637" imgH="419155" progId="Excel.Sheet.12">
+                <p:oleObj name="Worksheet" r:id="rId7" imgW="4061637" imgH="419155" progId="Excel.Sheet.12">
                   <p:embed/>
                   <p:pic>
                     <p:nvPicPr>
@@ -17660,7 +17664,7 @@
                       <p:nvPr/>
                     </p:nvPicPr>
                     <p:blipFill>
-                      <a:blip r:embed="rId7"/>
+                      <a:blip r:embed="rId8"/>
                       <a:stretch>
                         <a:fillRect/>
                       </a:stretch>
@@ -17709,12 +17713,12 @@
           <a:graphicData uri="http://schemas.openxmlformats.org/presentationml/2006/ole">
             <mc:AlternateContent xmlns:mc="http://schemas.openxmlformats.org/markup-compatibility/2006">
               <mc:Choice xmlns:v="urn:schemas-microsoft-com:vml" Requires="v">
-                <p:oleObj name="Worksheet" r:id="rId8" imgW="4061637" imgH="419155" progId="Excel.Sheet.12">
+                <p:oleObj spid="_x0000_s31749" name="Worksheet" r:id="rId9" imgW="4061637" imgH="419155" progId="Excel.Sheet.12">
                   <p:embed/>
                 </p:oleObj>
               </mc:Choice>
               <mc:Fallback>
-                <p:oleObj name="Worksheet" r:id="rId8" imgW="4061637" imgH="419155" progId="Excel.Sheet.12">
+                <p:oleObj name="Worksheet" r:id="rId9" imgW="4061637" imgH="419155" progId="Excel.Sheet.12">
                   <p:embed/>
                   <p:pic>
                     <p:nvPicPr>
@@ -17729,7 +17733,7 @@
                       <p:nvPr/>
                     </p:nvPicPr>
                     <p:blipFill>
-                      <a:blip r:embed="rId9"/>
+                      <a:blip r:embed="rId10"/>
                       <a:stretch>
                         <a:fillRect/>
                       </a:stretch>
@@ -17778,12 +17782,12 @@
           <a:graphicData uri="http://schemas.openxmlformats.org/presentationml/2006/ole">
             <mc:AlternateContent xmlns:mc="http://schemas.openxmlformats.org/markup-compatibility/2006">
               <mc:Choice xmlns:v="urn:schemas-microsoft-com:vml" Requires="v">
-                <p:oleObj name="Worksheet" r:id="rId10" imgW="12062425" imgH="2384878" progId="Excel.Sheet.12">
+                <p:oleObj spid="_x0000_s31750" name="Worksheet" r:id="rId11" imgW="12062425" imgH="2384878" progId="Excel.Sheet.12">
                   <p:embed/>
                 </p:oleObj>
               </mc:Choice>
               <mc:Fallback>
-                <p:oleObj name="Worksheet" r:id="rId10" imgW="12062425" imgH="2384878" progId="Excel.Sheet.12">
+                <p:oleObj name="Worksheet" r:id="rId11" imgW="12062425" imgH="2384878" progId="Excel.Sheet.12">
                   <p:embed/>
                   <p:pic>
                     <p:nvPicPr>
@@ -17798,7 +17802,7 @@
                       <p:nvPr/>
                     </p:nvPicPr>
                     <p:blipFill>
-                      <a:blip r:embed="rId11"/>
+                      <a:blip r:embed="rId12"/>
                       <a:stretch>
                         <a:fillRect/>
                       </a:stretch>
@@ -17945,12 +17949,12 @@
           <a:graphicData uri="http://schemas.openxmlformats.org/presentationml/2006/ole">
             <mc:AlternateContent xmlns:mc="http://schemas.openxmlformats.org/markup-compatibility/2006">
               <mc:Choice xmlns:v="urn:schemas-microsoft-com:vml" Requires="v">
-                <p:oleObj name="Worksheet" r:id="rId12" imgW="2445914" imgH="830635" progId="Excel.Sheet.12">
+                <p:oleObj spid="_x0000_s31751" name="Worksheet" r:id="rId13" imgW="2445914" imgH="830635" progId="Excel.Sheet.12">
                   <p:embed/>
                 </p:oleObj>
               </mc:Choice>
               <mc:Fallback>
-                <p:oleObj name="Worksheet" r:id="rId12" imgW="2445914" imgH="830635" progId="Excel.Sheet.12">
+                <p:oleObj name="Worksheet" r:id="rId13" imgW="2445914" imgH="830635" progId="Excel.Sheet.12">
                   <p:embed/>
                   <p:pic>
                     <p:nvPicPr>
@@ -17965,7 +17969,7 @@
                       <p:nvPr/>
                     </p:nvPicPr>
                     <p:blipFill>
-                      <a:blip r:embed="rId13"/>
+                      <a:blip r:embed="rId14"/>
                       <a:stretch>
                         <a:fillRect/>
                       </a:stretch>
@@ -18128,12 +18132,12 @@
           <a:graphicData uri="http://schemas.openxmlformats.org/presentationml/2006/ole">
             <mc:AlternateContent xmlns:mc="http://schemas.openxmlformats.org/markup-compatibility/2006">
               <mc:Choice xmlns:v="urn:schemas-microsoft-com:vml" Requires="v">
-                <p:oleObj name="Worksheet" r:id="rId2" imgW="5494055" imgH="213202" progId="Excel.Sheet.12">
+                <p:oleObj spid="_x0000_s32770" name="Worksheet" r:id="rId3" imgW="5494055" imgH="213202" progId="Excel.Sheet.12">
                   <p:embed/>
                 </p:oleObj>
               </mc:Choice>
               <mc:Fallback>
-                <p:oleObj name="Worksheet" r:id="rId2" imgW="5494055" imgH="213202" progId="Excel.Sheet.12">
+                <p:oleObj name="Worksheet" r:id="rId3" imgW="5494055" imgH="213202" progId="Excel.Sheet.12">
                   <p:embed/>
                   <p:pic>
                     <p:nvPicPr>
@@ -18148,7 +18152,7 @@
                       <p:nvPr/>
                     </p:nvPicPr>
                     <p:blipFill>
-                      <a:blip r:embed="rId3"/>
+                      <a:blip r:embed="rId4"/>
                       <a:stretch>
                         <a:fillRect/>
                       </a:stretch>
@@ -18191,12 +18195,12 @@
           <a:graphicData uri="http://schemas.openxmlformats.org/presentationml/2006/ole">
             <mc:AlternateContent xmlns:mc="http://schemas.openxmlformats.org/markup-compatibility/2006">
               <mc:Choice xmlns:v="urn:schemas-microsoft-com:vml" Requires="v">
-                <p:oleObj name="Worksheet" r:id="rId4" imgW="4061637" imgH="830635" progId="Excel.Sheet.12">
+                <p:oleObj spid="_x0000_s32771" name="Worksheet" r:id="rId5" imgW="4061637" imgH="830635" progId="Excel.Sheet.12">
                   <p:embed/>
                 </p:oleObj>
               </mc:Choice>
               <mc:Fallback>
-                <p:oleObj name="Worksheet" r:id="rId4" imgW="4061637" imgH="830635" progId="Excel.Sheet.12">
+                <p:oleObj name="Worksheet" r:id="rId5" imgW="4061637" imgH="830635" progId="Excel.Sheet.12">
                   <p:embed/>
                   <p:pic>
                     <p:nvPicPr>
@@ -18211,7 +18215,7 @@
                       <p:nvPr/>
                     </p:nvPicPr>
                     <p:blipFill>
-                      <a:blip r:embed="rId5"/>
+                      <a:blip r:embed="rId6"/>
                       <a:stretch>
                         <a:fillRect/>
                       </a:stretch>
@@ -18260,12 +18264,12 @@
           <a:graphicData uri="http://schemas.openxmlformats.org/presentationml/2006/ole">
             <mc:AlternateContent xmlns:mc="http://schemas.openxmlformats.org/markup-compatibility/2006">
               <mc:Choice xmlns:v="urn:schemas-microsoft-com:vml" Requires="v">
-                <p:oleObj name="Worksheet" r:id="rId6" imgW="4061637" imgH="419155" progId="Excel.Sheet.12">
+                <p:oleObj spid="_x0000_s32772" name="Worksheet" r:id="rId7" imgW="4061637" imgH="419155" progId="Excel.Sheet.12">
                   <p:embed/>
                 </p:oleObj>
               </mc:Choice>
               <mc:Fallback>
-                <p:oleObj name="Worksheet" r:id="rId6" imgW="4061637" imgH="419155" progId="Excel.Sheet.12">
+                <p:oleObj name="Worksheet" r:id="rId7" imgW="4061637" imgH="419155" progId="Excel.Sheet.12">
                   <p:embed/>
                   <p:pic>
                     <p:nvPicPr>
@@ -18280,7 +18284,7 @@
                       <p:nvPr/>
                     </p:nvPicPr>
                     <p:blipFill>
-                      <a:blip r:embed="rId7"/>
+                      <a:blip r:embed="rId8"/>
                       <a:stretch>
                         <a:fillRect/>
                       </a:stretch>
@@ -18329,12 +18333,12 @@
           <a:graphicData uri="http://schemas.openxmlformats.org/presentationml/2006/ole">
             <mc:AlternateContent xmlns:mc="http://schemas.openxmlformats.org/markup-compatibility/2006">
               <mc:Choice xmlns:v="urn:schemas-microsoft-com:vml" Requires="v">
-                <p:oleObj name="Worksheet" r:id="rId8" imgW="4061637" imgH="419155" progId="Excel.Sheet.12">
+                <p:oleObj spid="_x0000_s32773" name="Worksheet" r:id="rId9" imgW="4061637" imgH="419155" progId="Excel.Sheet.12">
                   <p:embed/>
                 </p:oleObj>
               </mc:Choice>
               <mc:Fallback>
-                <p:oleObj name="Worksheet" r:id="rId8" imgW="4061637" imgH="419155" progId="Excel.Sheet.12">
+                <p:oleObj name="Worksheet" r:id="rId9" imgW="4061637" imgH="419155" progId="Excel.Sheet.12">
                   <p:embed/>
                   <p:pic>
                     <p:nvPicPr>
@@ -18349,7 +18353,7 @@
                       <p:nvPr/>
                     </p:nvPicPr>
                     <p:blipFill>
-                      <a:blip r:embed="rId9"/>
+                      <a:blip r:embed="rId10"/>
                       <a:stretch>
                         <a:fillRect/>
                       </a:stretch>
@@ -18496,12 +18500,12 @@
           <a:graphicData uri="http://schemas.openxmlformats.org/presentationml/2006/ole">
             <mc:AlternateContent xmlns:mc="http://schemas.openxmlformats.org/markup-compatibility/2006">
               <mc:Choice xmlns:v="urn:schemas-microsoft-com:vml" Requires="v">
-                <p:oleObj name="Worksheet" r:id="rId10" imgW="2445914" imgH="830635" progId="Excel.Sheet.12">
+                <p:oleObj spid="_x0000_s32774" name="Worksheet" r:id="rId11" imgW="2445914" imgH="830635" progId="Excel.Sheet.12">
                   <p:embed/>
                 </p:oleObj>
               </mc:Choice>
               <mc:Fallback>
-                <p:oleObj name="Worksheet" r:id="rId10" imgW="2445914" imgH="830635" progId="Excel.Sheet.12">
+                <p:oleObj name="Worksheet" r:id="rId11" imgW="2445914" imgH="830635" progId="Excel.Sheet.12">
                   <p:embed/>
                   <p:pic>
                     <p:nvPicPr>
@@ -18516,7 +18520,7 @@
                       <p:nvPr/>
                     </p:nvPicPr>
                     <p:blipFill>
-                      <a:blip r:embed="rId11"/>
+                      <a:blip r:embed="rId12"/>
                       <a:stretch>
                         <a:fillRect/>
                       </a:stretch>
@@ -18631,12 +18635,12 @@
           <a:graphicData uri="http://schemas.openxmlformats.org/presentationml/2006/ole">
             <mc:AlternateContent xmlns:mc="http://schemas.openxmlformats.org/markup-compatibility/2006">
               <mc:Choice xmlns:v="urn:schemas-microsoft-com:vml" Requires="v">
-                <p:oleObj name="Worksheet" r:id="rId12" imgW="12062425" imgH="2384878" progId="Excel.Sheet.12">
+                <p:oleObj spid="_x0000_s32775" name="Worksheet" r:id="rId13" imgW="12062425" imgH="2384878" progId="Excel.Sheet.12">
                   <p:embed/>
                 </p:oleObj>
               </mc:Choice>
               <mc:Fallback>
-                <p:oleObj name="Worksheet" r:id="rId12" imgW="12062425" imgH="2384878" progId="Excel.Sheet.12">
+                <p:oleObj name="Worksheet" r:id="rId13" imgW="12062425" imgH="2384878" progId="Excel.Sheet.12">
                   <p:embed/>
                   <p:pic>
                     <p:nvPicPr>
@@ -18651,7 +18655,7 @@
                       <p:nvPr/>
                     </p:nvPicPr>
                     <p:blipFill>
-                      <a:blip r:embed="rId13"/>
+                      <a:blip r:embed="rId14"/>
                       <a:stretch>
                         <a:fillRect/>
                       </a:stretch>
@@ -18724,12 +18728,12 @@
           <a:graphicData uri="http://schemas.openxmlformats.org/presentationml/2006/ole">
             <mc:AlternateContent xmlns:mc="http://schemas.openxmlformats.org/markup-compatibility/2006">
               <mc:Choice xmlns:v="urn:schemas-microsoft-com:vml" Requires="v">
-                <p:oleObj name="Worksheet" r:id="rId2" imgW="5494055" imgH="213202" progId="Excel.Sheet.12">
+                <p:oleObj spid="_x0000_s33794" name="Worksheet" r:id="rId3" imgW="5494055" imgH="213202" progId="Excel.Sheet.12">
                   <p:embed/>
                 </p:oleObj>
               </mc:Choice>
               <mc:Fallback>
-                <p:oleObj name="Worksheet" r:id="rId2" imgW="5494055" imgH="213202" progId="Excel.Sheet.12">
+                <p:oleObj name="Worksheet" r:id="rId3" imgW="5494055" imgH="213202" progId="Excel.Sheet.12">
                   <p:embed/>
                   <p:pic>
                     <p:nvPicPr>
@@ -18744,7 +18748,7 @@
                       <p:nvPr/>
                     </p:nvPicPr>
                     <p:blipFill>
-                      <a:blip r:embed="rId3"/>
+                      <a:blip r:embed="rId4"/>
                       <a:stretch>
                         <a:fillRect/>
                       </a:stretch>
@@ -18787,12 +18791,12 @@
           <a:graphicData uri="http://schemas.openxmlformats.org/presentationml/2006/ole">
             <mc:AlternateContent xmlns:mc="http://schemas.openxmlformats.org/markup-compatibility/2006">
               <mc:Choice xmlns:v="urn:schemas-microsoft-com:vml" Requires="v">
-                <p:oleObj name="Worksheet" r:id="rId4" imgW="4061637" imgH="830635" progId="Excel.Sheet.12">
+                <p:oleObj spid="_x0000_s33795" name="Worksheet" r:id="rId5" imgW="4061637" imgH="830635" progId="Excel.Sheet.12">
                   <p:embed/>
                 </p:oleObj>
               </mc:Choice>
               <mc:Fallback>
-                <p:oleObj name="Worksheet" r:id="rId4" imgW="4061637" imgH="830635" progId="Excel.Sheet.12">
+                <p:oleObj name="Worksheet" r:id="rId5" imgW="4061637" imgH="830635" progId="Excel.Sheet.12">
                   <p:embed/>
                   <p:pic>
                     <p:nvPicPr>
@@ -18807,7 +18811,7 @@
                       <p:nvPr/>
                     </p:nvPicPr>
                     <p:blipFill>
-                      <a:blip r:embed="rId5"/>
+                      <a:blip r:embed="rId6"/>
                       <a:stretch>
                         <a:fillRect/>
                       </a:stretch>
@@ -18856,12 +18860,12 @@
           <a:graphicData uri="http://schemas.openxmlformats.org/presentationml/2006/ole">
             <mc:AlternateContent xmlns:mc="http://schemas.openxmlformats.org/markup-compatibility/2006">
               <mc:Choice xmlns:v="urn:schemas-microsoft-com:vml" Requires="v">
-                <p:oleObj name="Worksheet" r:id="rId6" imgW="4061637" imgH="419155" progId="Excel.Sheet.12">
+                <p:oleObj spid="_x0000_s33796" name="Worksheet" r:id="rId7" imgW="4061637" imgH="419155" progId="Excel.Sheet.12">
                   <p:embed/>
                 </p:oleObj>
               </mc:Choice>
               <mc:Fallback>
-                <p:oleObj name="Worksheet" r:id="rId6" imgW="4061637" imgH="419155" progId="Excel.Sheet.12">
+                <p:oleObj name="Worksheet" r:id="rId7" imgW="4061637" imgH="419155" progId="Excel.Sheet.12">
                   <p:embed/>
                   <p:pic>
                     <p:nvPicPr>
@@ -18876,7 +18880,7 @@
                       <p:nvPr/>
                     </p:nvPicPr>
                     <p:blipFill>
-                      <a:blip r:embed="rId7"/>
+                      <a:blip r:embed="rId8"/>
                       <a:stretch>
                         <a:fillRect/>
                       </a:stretch>
@@ -18925,12 +18929,12 @@
           <a:graphicData uri="http://schemas.openxmlformats.org/presentationml/2006/ole">
             <mc:AlternateContent xmlns:mc="http://schemas.openxmlformats.org/markup-compatibility/2006">
               <mc:Choice xmlns:v="urn:schemas-microsoft-com:vml" Requires="v">
-                <p:oleObj name="Worksheet" r:id="rId8" imgW="4061637" imgH="419155" progId="Excel.Sheet.12">
+                <p:oleObj spid="_x0000_s33797" name="Worksheet" r:id="rId9" imgW="4061637" imgH="419155" progId="Excel.Sheet.12">
                   <p:embed/>
                 </p:oleObj>
               </mc:Choice>
               <mc:Fallback>
-                <p:oleObj name="Worksheet" r:id="rId8" imgW="4061637" imgH="419155" progId="Excel.Sheet.12">
+                <p:oleObj name="Worksheet" r:id="rId9" imgW="4061637" imgH="419155" progId="Excel.Sheet.12">
                   <p:embed/>
                   <p:pic>
                     <p:nvPicPr>
@@ -18945,7 +18949,7 @@
                       <p:nvPr/>
                     </p:nvPicPr>
                     <p:blipFill>
-                      <a:blip r:embed="rId9"/>
+                      <a:blip r:embed="rId10"/>
                       <a:stretch>
                         <a:fillRect/>
                       </a:stretch>
@@ -19092,12 +19096,12 @@
           <a:graphicData uri="http://schemas.openxmlformats.org/presentationml/2006/ole">
             <mc:AlternateContent xmlns:mc="http://schemas.openxmlformats.org/markup-compatibility/2006">
               <mc:Choice xmlns:v="urn:schemas-microsoft-com:vml" Requires="v">
-                <p:oleObj name="Worksheet" r:id="rId10" imgW="2445914" imgH="830635" progId="Excel.Sheet.12">
+                <p:oleObj spid="_x0000_s33798" name="Worksheet" r:id="rId11" imgW="2445914" imgH="830635" progId="Excel.Sheet.12">
                   <p:embed/>
                 </p:oleObj>
               </mc:Choice>
               <mc:Fallback>
-                <p:oleObj name="Worksheet" r:id="rId10" imgW="2445914" imgH="830635" progId="Excel.Sheet.12">
+                <p:oleObj name="Worksheet" r:id="rId11" imgW="2445914" imgH="830635" progId="Excel.Sheet.12">
                   <p:embed/>
                   <p:pic>
                     <p:nvPicPr>
@@ -19112,7 +19116,7 @@
                       <p:nvPr/>
                     </p:nvPicPr>
                     <p:blipFill>
-                      <a:blip r:embed="rId11"/>
+                      <a:blip r:embed="rId12"/>
                       <a:stretch>
                         <a:fillRect/>
                       </a:stretch>
@@ -19199,12 +19203,12 @@
           <a:graphicData uri="http://schemas.openxmlformats.org/presentationml/2006/ole">
             <mc:AlternateContent xmlns:mc="http://schemas.openxmlformats.org/markup-compatibility/2006">
               <mc:Choice xmlns:v="urn:schemas-microsoft-com:vml" Requires="v">
-                <p:oleObj name="Worksheet" r:id="rId12" imgW="12062425" imgH="2384878" progId="Excel.Sheet.12">
+                <p:oleObj spid="_x0000_s33799" name="Worksheet" r:id="rId13" imgW="12062425" imgH="2384878" progId="Excel.Sheet.12">
                   <p:embed/>
                 </p:oleObj>
               </mc:Choice>
               <mc:Fallback>
-                <p:oleObj name="Worksheet" r:id="rId12" imgW="12062425" imgH="2384878" progId="Excel.Sheet.12">
+                <p:oleObj name="Worksheet" r:id="rId13" imgW="12062425" imgH="2384878" progId="Excel.Sheet.12">
                   <p:embed/>
                   <p:pic>
                     <p:nvPicPr>
@@ -19219,7 +19223,7 @@
                       <p:nvPr/>
                     </p:nvPicPr>
                     <p:blipFill>
-                      <a:blip r:embed="rId13"/>
+                      <a:blip r:embed="rId14"/>
                       <a:stretch>
                         <a:fillRect/>
                       </a:stretch>
@@ -19292,12 +19296,12 @@
           <a:graphicData uri="http://schemas.openxmlformats.org/presentationml/2006/ole">
             <mc:AlternateContent xmlns:mc="http://schemas.openxmlformats.org/markup-compatibility/2006">
               <mc:Choice xmlns:v="urn:schemas-microsoft-com:vml" Requires="v">
-                <p:oleObj name="Worksheet" r:id="rId2" imgW="5494055" imgH="213202" progId="Excel.Sheet.12">
+                <p:oleObj spid="_x0000_s34818" name="Worksheet" r:id="rId3" imgW="5494055" imgH="213202" progId="Excel.Sheet.12">
                   <p:embed/>
                 </p:oleObj>
               </mc:Choice>
               <mc:Fallback>
-                <p:oleObj name="Worksheet" r:id="rId2" imgW="5494055" imgH="213202" progId="Excel.Sheet.12">
+                <p:oleObj name="Worksheet" r:id="rId3" imgW="5494055" imgH="213202" progId="Excel.Sheet.12">
                   <p:embed/>
                   <p:pic>
                     <p:nvPicPr>
@@ -19312,7 +19316,7 @@
                       <p:nvPr/>
                     </p:nvPicPr>
                     <p:blipFill>
-                      <a:blip r:embed="rId3"/>
+                      <a:blip r:embed="rId4"/>
                       <a:stretch>
                         <a:fillRect/>
                       </a:stretch>
@@ -19355,12 +19359,12 @@
           <a:graphicData uri="http://schemas.openxmlformats.org/presentationml/2006/ole">
             <mc:AlternateContent xmlns:mc="http://schemas.openxmlformats.org/markup-compatibility/2006">
               <mc:Choice xmlns:v="urn:schemas-microsoft-com:vml" Requires="v">
-                <p:oleObj name="Worksheet" r:id="rId4" imgW="4061637" imgH="830635" progId="Excel.Sheet.12">
+                <p:oleObj spid="_x0000_s34819" name="Worksheet" r:id="rId5" imgW="4061637" imgH="830635" progId="Excel.Sheet.12">
                   <p:embed/>
                 </p:oleObj>
               </mc:Choice>
               <mc:Fallback>
-                <p:oleObj name="Worksheet" r:id="rId4" imgW="4061637" imgH="830635" progId="Excel.Sheet.12">
+                <p:oleObj name="Worksheet" r:id="rId5" imgW="4061637" imgH="830635" progId="Excel.Sheet.12">
                   <p:embed/>
                   <p:pic>
                     <p:nvPicPr>
@@ -19375,7 +19379,7 @@
                       <p:nvPr/>
                     </p:nvPicPr>
                     <p:blipFill>
-                      <a:blip r:embed="rId5"/>
+                      <a:blip r:embed="rId6"/>
                       <a:stretch>
                         <a:fillRect/>
                       </a:stretch>
@@ -19424,12 +19428,12 @@
           <a:graphicData uri="http://schemas.openxmlformats.org/presentationml/2006/ole">
             <mc:AlternateContent xmlns:mc="http://schemas.openxmlformats.org/markup-compatibility/2006">
               <mc:Choice xmlns:v="urn:schemas-microsoft-com:vml" Requires="v">
-                <p:oleObj name="Worksheet" r:id="rId6" imgW="4061637" imgH="419155" progId="Excel.Sheet.12">
+                <p:oleObj spid="_x0000_s34820" name="Worksheet" r:id="rId7" imgW="4061637" imgH="419155" progId="Excel.Sheet.12">
                   <p:embed/>
                 </p:oleObj>
               </mc:Choice>
               <mc:Fallback>
-                <p:oleObj name="Worksheet" r:id="rId6" imgW="4061637" imgH="419155" progId="Excel.Sheet.12">
+                <p:oleObj name="Worksheet" r:id="rId7" imgW="4061637" imgH="419155" progId="Excel.Sheet.12">
                   <p:embed/>
                   <p:pic>
                     <p:nvPicPr>
@@ -19444,7 +19448,7 @@
                       <p:nvPr/>
                     </p:nvPicPr>
                     <p:blipFill>
-                      <a:blip r:embed="rId7"/>
+                      <a:blip r:embed="rId8"/>
                       <a:stretch>
                         <a:fillRect/>
                       </a:stretch>
@@ -19493,12 +19497,12 @@
           <a:graphicData uri="http://schemas.openxmlformats.org/presentationml/2006/ole">
             <mc:AlternateContent xmlns:mc="http://schemas.openxmlformats.org/markup-compatibility/2006">
               <mc:Choice xmlns:v="urn:schemas-microsoft-com:vml" Requires="v">
-                <p:oleObj name="Worksheet" r:id="rId8" imgW="4061637" imgH="419155" progId="Excel.Sheet.12">
+                <p:oleObj spid="_x0000_s34821" name="Worksheet" r:id="rId9" imgW="4061637" imgH="419155" progId="Excel.Sheet.12">
                   <p:embed/>
                 </p:oleObj>
               </mc:Choice>
               <mc:Fallback>
-                <p:oleObj name="Worksheet" r:id="rId8" imgW="4061637" imgH="419155" progId="Excel.Sheet.12">
+                <p:oleObj name="Worksheet" r:id="rId9" imgW="4061637" imgH="419155" progId="Excel.Sheet.12">
                   <p:embed/>
                   <p:pic>
                     <p:nvPicPr>
@@ -19513,7 +19517,7 @@
                       <p:nvPr/>
                     </p:nvPicPr>
                     <p:blipFill>
-                      <a:blip r:embed="rId9"/>
+                      <a:blip r:embed="rId10"/>
                       <a:stretch>
                         <a:fillRect/>
                       </a:stretch>
@@ -19666,12 +19670,12 @@
           <a:graphicData uri="http://schemas.openxmlformats.org/presentationml/2006/ole">
             <mc:AlternateContent xmlns:mc="http://schemas.openxmlformats.org/markup-compatibility/2006">
               <mc:Choice xmlns:v="urn:schemas-microsoft-com:vml" Requires="v">
-                <p:oleObj name="Worksheet" r:id="rId10" imgW="2445914" imgH="830635" progId="Excel.Sheet.12">
+                <p:oleObj spid="_x0000_s34822" name="Worksheet" r:id="rId11" imgW="2445914" imgH="830635" progId="Excel.Sheet.12">
                   <p:embed/>
                 </p:oleObj>
               </mc:Choice>
               <mc:Fallback>
-                <p:oleObj name="Worksheet" r:id="rId10" imgW="2445914" imgH="830635" progId="Excel.Sheet.12">
+                <p:oleObj name="Worksheet" r:id="rId11" imgW="2445914" imgH="830635" progId="Excel.Sheet.12">
                   <p:embed/>
                   <p:pic>
                     <p:nvPicPr>
@@ -19686,7 +19690,7 @@
                       <p:nvPr/>
                     </p:nvPicPr>
                     <p:blipFill>
-                      <a:blip r:embed="rId11"/>
+                      <a:blip r:embed="rId12"/>
                       <a:stretch>
                         <a:fillRect/>
                       </a:stretch>
@@ -19839,12 +19843,12 @@
           <a:graphicData uri="http://schemas.openxmlformats.org/presentationml/2006/ole">
             <mc:AlternateContent xmlns:mc="http://schemas.openxmlformats.org/markup-compatibility/2006">
               <mc:Choice xmlns:v="urn:schemas-microsoft-com:vml" Requires="v">
-                <p:oleObj name="Worksheet" r:id="rId12" imgW="12062425" imgH="2384878" progId="Excel.Sheet.12">
+                <p:oleObj spid="_x0000_s34823" name="Worksheet" r:id="rId13" imgW="12062425" imgH="2384878" progId="Excel.Sheet.12">
                   <p:embed/>
                 </p:oleObj>
               </mc:Choice>
               <mc:Fallback>
-                <p:oleObj name="Worksheet" r:id="rId12" imgW="12062425" imgH="2384878" progId="Excel.Sheet.12">
+                <p:oleObj name="Worksheet" r:id="rId13" imgW="12062425" imgH="2384878" progId="Excel.Sheet.12">
                   <p:embed/>
                   <p:pic>
                     <p:nvPicPr>
@@ -19859,7 +19863,7 @@
                       <p:nvPr/>
                     </p:nvPicPr>
                     <p:blipFill>
-                      <a:blip r:embed="rId13"/>
+                      <a:blip r:embed="rId14"/>
                       <a:stretch>
                         <a:fillRect/>
                       </a:stretch>
@@ -19932,12 +19936,12 @@
           <a:graphicData uri="http://schemas.openxmlformats.org/presentationml/2006/ole">
             <mc:AlternateContent xmlns:mc="http://schemas.openxmlformats.org/markup-compatibility/2006">
               <mc:Choice xmlns:v="urn:schemas-microsoft-com:vml" Requires="v">
-                <p:oleObj name="Worksheet" r:id="rId2" imgW="5494055" imgH="213202" progId="Excel.Sheet.12">
+                <p:oleObj spid="_x0000_s35842" name="Worksheet" r:id="rId3" imgW="5494055" imgH="213202" progId="Excel.Sheet.12">
                   <p:embed/>
                 </p:oleObj>
               </mc:Choice>
               <mc:Fallback>
-                <p:oleObj name="Worksheet" r:id="rId2" imgW="5494055" imgH="213202" progId="Excel.Sheet.12">
+                <p:oleObj name="Worksheet" r:id="rId3" imgW="5494055" imgH="213202" progId="Excel.Sheet.12">
                   <p:embed/>
                   <p:pic>
                     <p:nvPicPr>
@@ -19952,7 +19956,7 @@
                       <p:nvPr/>
                     </p:nvPicPr>
                     <p:blipFill>
-                      <a:blip r:embed="rId3"/>
+                      <a:blip r:embed="rId4"/>
                       <a:stretch>
                         <a:fillRect/>
                       </a:stretch>
@@ -19995,12 +19999,12 @@
           <a:graphicData uri="http://schemas.openxmlformats.org/presentationml/2006/ole">
             <mc:AlternateContent xmlns:mc="http://schemas.openxmlformats.org/markup-compatibility/2006">
               <mc:Choice xmlns:v="urn:schemas-microsoft-com:vml" Requires="v">
-                <p:oleObj name="Worksheet" r:id="rId4" imgW="4061637" imgH="830635" progId="Excel.Sheet.12">
+                <p:oleObj spid="_x0000_s35843" name="Worksheet" r:id="rId5" imgW="4061637" imgH="830635" progId="Excel.Sheet.12">
                   <p:embed/>
                 </p:oleObj>
               </mc:Choice>
               <mc:Fallback>
-                <p:oleObj name="Worksheet" r:id="rId4" imgW="4061637" imgH="830635" progId="Excel.Sheet.12">
+                <p:oleObj name="Worksheet" r:id="rId5" imgW="4061637" imgH="830635" progId="Excel.Sheet.12">
                   <p:embed/>
                   <p:pic>
                     <p:nvPicPr>
@@ -20015,7 +20019,7 @@
                       <p:nvPr/>
                     </p:nvPicPr>
                     <p:blipFill>
-                      <a:blip r:embed="rId5"/>
+                      <a:blip r:embed="rId6"/>
                       <a:stretch>
                         <a:fillRect/>
                       </a:stretch>
@@ -20064,12 +20068,12 @@
           <a:graphicData uri="http://schemas.openxmlformats.org/presentationml/2006/ole">
             <mc:AlternateContent xmlns:mc="http://schemas.openxmlformats.org/markup-compatibility/2006">
               <mc:Choice xmlns:v="urn:schemas-microsoft-com:vml" Requires="v">
-                <p:oleObj name="Worksheet" r:id="rId6" imgW="4061637" imgH="419155" progId="Excel.Sheet.12">
+                <p:oleObj spid="_x0000_s35844" name="Worksheet" r:id="rId7" imgW="4061637" imgH="419155" progId="Excel.Sheet.12">
                   <p:embed/>
                 </p:oleObj>
               </mc:Choice>
               <mc:Fallback>
-                <p:oleObj name="Worksheet" r:id="rId6" imgW="4061637" imgH="419155" progId="Excel.Sheet.12">
+                <p:oleObj name="Worksheet" r:id="rId7" imgW="4061637" imgH="419155" progId="Excel.Sheet.12">
                   <p:embed/>
                   <p:pic>
                     <p:nvPicPr>
@@ -20084,7 +20088,7 @@
                       <p:nvPr/>
                     </p:nvPicPr>
                     <p:blipFill>
-                      <a:blip r:embed="rId7"/>
+                      <a:blip r:embed="rId8"/>
                       <a:stretch>
                         <a:fillRect/>
                       </a:stretch>
@@ -20133,12 +20137,12 @@
           <a:graphicData uri="http://schemas.openxmlformats.org/presentationml/2006/ole">
             <mc:AlternateContent xmlns:mc="http://schemas.openxmlformats.org/markup-compatibility/2006">
               <mc:Choice xmlns:v="urn:schemas-microsoft-com:vml" Requires="v">
-                <p:oleObj name="Worksheet" r:id="rId8" imgW="4061637" imgH="419155" progId="Excel.Sheet.12">
+                <p:oleObj spid="_x0000_s35845" name="Worksheet" r:id="rId9" imgW="4061637" imgH="419155" progId="Excel.Sheet.12">
                   <p:embed/>
                 </p:oleObj>
               </mc:Choice>
               <mc:Fallback>
-                <p:oleObj name="Worksheet" r:id="rId8" imgW="4061637" imgH="419155" progId="Excel.Sheet.12">
+                <p:oleObj name="Worksheet" r:id="rId9" imgW="4061637" imgH="419155" progId="Excel.Sheet.12">
                   <p:embed/>
                   <p:pic>
                     <p:nvPicPr>
@@ -20153,7 +20157,7 @@
                       <p:nvPr/>
                     </p:nvPicPr>
                     <p:blipFill>
-                      <a:blip r:embed="rId9"/>
+                      <a:blip r:embed="rId10"/>
                       <a:stretch>
                         <a:fillRect/>
                       </a:stretch>
@@ -20396,12 +20400,12 @@
           <a:graphicData uri="http://schemas.openxmlformats.org/presentationml/2006/ole">
             <mc:AlternateContent xmlns:mc="http://schemas.openxmlformats.org/markup-compatibility/2006">
               <mc:Choice xmlns:v="urn:schemas-microsoft-com:vml" Requires="v">
-                <p:oleObj name="Worksheet" r:id="rId10" imgW="12062425" imgH="2384878" progId="Excel.Sheet.12">
+                <p:oleObj spid="_x0000_s35846" name="Worksheet" r:id="rId11" imgW="12062425" imgH="2384878" progId="Excel.Sheet.12">
                   <p:embed/>
                 </p:oleObj>
               </mc:Choice>
               <mc:Fallback>
-                <p:oleObj name="Worksheet" r:id="rId10" imgW="12062425" imgH="2384878" progId="Excel.Sheet.12">
+                <p:oleObj name="Worksheet" r:id="rId11" imgW="12062425" imgH="2384878" progId="Excel.Sheet.12">
                   <p:embed/>
                   <p:pic>
                     <p:nvPicPr>
@@ -20416,7 +20420,7 @@
                       <p:nvPr/>
                     </p:nvPicPr>
                     <p:blipFill>
-                      <a:blip r:embed="rId11"/>
+                      <a:blip r:embed="rId12"/>
                       <a:stretch>
                         <a:fillRect/>
                       </a:stretch>
@@ -20465,12 +20469,12 @@
           <a:graphicData uri="http://schemas.openxmlformats.org/presentationml/2006/ole">
             <mc:AlternateContent xmlns:mc="http://schemas.openxmlformats.org/markup-compatibility/2006">
               <mc:Choice xmlns:v="urn:schemas-microsoft-com:vml" Requires="v">
-                <p:oleObj name="Worksheet" r:id="rId12" imgW="2445914" imgH="830635" progId="Excel.Sheet.12">
+                <p:oleObj spid="_x0000_s35847" name="Worksheet" r:id="rId13" imgW="2445914" imgH="830635" progId="Excel.Sheet.12">
                   <p:embed/>
                 </p:oleObj>
               </mc:Choice>
               <mc:Fallback>
-                <p:oleObj name="Worksheet" r:id="rId12" imgW="2445914" imgH="830635" progId="Excel.Sheet.12">
+                <p:oleObj name="Worksheet" r:id="rId13" imgW="2445914" imgH="830635" progId="Excel.Sheet.12">
                   <p:embed/>
                   <p:pic>
                     <p:nvPicPr>
@@ -20485,7 +20489,7 @@
                       <p:nvPr/>
                     </p:nvPicPr>
                     <p:blipFill>
-                      <a:blip r:embed="rId13"/>
+                      <a:blip r:embed="rId14"/>
                       <a:stretch>
                         <a:fillRect/>
                       </a:stretch>
@@ -20558,12 +20562,12 @@
           <a:graphicData uri="http://schemas.openxmlformats.org/presentationml/2006/ole">
             <mc:AlternateContent xmlns:mc="http://schemas.openxmlformats.org/markup-compatibility/2006">
               <mc:Choice xmlns:v="urn:schemas-microsoft-com:vml" Requires="v">
-                <p:oleObj name="Worksheet" r:id="rId2" imgW="5494055" imgH="213202" progId="Excel.Sheet.12">
+                <p:oleObj spid="_x0000_s36866" name="Worksheet" r:id="rId3" imgW="5494055" imgH="213202" progId="Excel.Sheet.12">
                   <p:embed/>
                 </p:oleObj>
               </mc:Choice>
               <mc:Fallback>
-                <p:oleObj name="Worksheet" r:id="rId2" imgW="5494055" imgH="213202" progId="Excel.Sheet.12">
+                <p:oleObj name="Worksheet" r:id="rId3" imgW="5494055" imgH="213202" progId="Excel.Sheet.12">
                   <p:embed/>
                   <p:pic>
                     <p:nvPicPr>
@@ -20578,7 +20582,7 @@
                       <p:nvPr/>
                     </p:nvPicPr>
                     <p:blipFill>
-                      <a:blip r:embed="rId3"/>
+                      <a:blip r:embed="rId4"/>
                       <a:stretch>
                         <a:fillRect/>
                       </a:stretch>
@@ -20621,12 +20625,12 @@
           <a:graphicData uri="http://schemas.openxmlformats.org/presentationml/2006/ole">
             <mc:AlternateContent xmlns:mc="http://schemas.openxmlformats.org/markup-compatibility/2006">
               <mc:Choice xmlns:v="urn:schemas-microsoft-com:vml" Requires="v">
-                <p:oleObj name="Worksheet" r:id="rId4" imgW="4061637" imgH="830635" progId="Excel.Sheet.12">
+                <p:oleObj spid="_x0000_s36867" name="Worksheet" r:id="rId5" imgW="4061637" imgH="830635" progId="Excel.Sheet.12">
                   <p:embed/>
                 </p:oleObj>
               </mc:Choice>
               <mc:Fallback>
-                <p:oleObj name="Worksheet" r:id="rId4" imgW="4061637" imgH="830635" progId="Excel.Sheet.12">
+                <p:oleObj name="Worksheet" r:id="rId5" imgW="4061637" imgH="830635" progId="Excel.Sheet.12">
                   <p:embed/>
                   <p:pic>
                     <p:nvPicPr>
@@ -20641,7 +20645,7 @@
                       <p:nvPr/>
                     </p:nvPicPr>
                     <p:blipFill>
-                      <a:blip r:embed="rId5"/>
+                      <a:blip r:embed="rId6"/>
                       <a:stretch>
                         <a:fillRect/>
                       </a:stretch>
@@ -20690,12 +20694,12 @@
           <a:graphicData uri="http://schemas.openxmlformats.org/presentationml/2006/ole">
             <mc:AlternateContent xmlns:mc="http://schemas.openxmlformats.org/markup-compatibility/2006">
               <mc:Choice xmlns:v="urn:schemas-microsoft-com:vml" Requires="v">
-                <p:oleObj name="Worksheet" r:id="rId6" imgW="4061637" imgH="419155" progId="Excel.Sheet.12">
+                <p:oleObj spid="_x0000_s36868" name="Worksheet" r:id="rId7" imgW="4061637" imgH="419155" progId="Excel.Sheet.12">
                   <p:embed/>
                 </p:oleObj>
               </mc:Choice>
               <mc:Fallback>
-                <p:oleObj name="Worksheet" r:id="rId6" imgW="4061637" imgH="419155" progId="Excel.Sheet.12">
+                <p:oleObj name="Worksheet" r:id="rId7" imgW="4061637" imgH="419155" progId="Excel.Sheet.12">
                   <p:embed/>
                   <p:pic>
                     <p:nvPicPr>
@@ -20710,7 +20714,7 @@
                       <p:nvPr/>
                     </p:nvPicPr>
                     <p:blipFill>
-                      <a:blip r:embed="rId7"/>
+                      <a:blip r:embed="rId8"/>
                       <a:stretch>
                         <a:fillRect/>
                       </a:stretch>
@@ -20759,12 +20763,12 @@
           <a:graphicData uri="http://schemas.openxmlformats.org/presentationml/2006/ole">
             <mc:AlternateContent xmlns:mc="http://schemas.openxmlformats.org/markup-compatibility/2006">
               <mc:Choice xmlns:v="urn:schemas-microsoft-com:vml" Requires="v">
-                <p:oleObj name="Worksheet" r:id="rId8" imgW="4061637" imgH="419155" progId="Excel.Sheet.12">
+                <p:oleObj spid="_x0000_s36869" name="Worksheet" r:id="rId9" imgW="4061637" imgH="419155" progId="Excel.Sheet.12">
                   <p:embed/>
                 </p:oleObj>
               </mc:Choice>
               <mc:Fallback>
-                <p:oleObj name="Worksheet" r:id="rId8" imgW="4061637" imgH="419155" progId="Excel.Sheet.12">
+                <p:oleObj name="Worksheet" r:id="rId9" imgW="4061637" imgH="419155" progId="Excel.Sheet.12">
                   <p:embed/>
                   <p:pic>
                     <p:nvPicPr>
@@ -20779,7 +20783,7 @@
                       <p:nvPr/>
                     </p:nvPicPr>
                     <p:blipFill>
-                      <a:blip r:embed="rId9"/>
+                      <a:blip r:embed="rId10"/>
                       <a:stretch>
                         <a:fillRect/>
                       </a:stretch>
@@ -21022,12 +21026,12 @@
           <a:graphicData uri="http://schemas.openxmlformats.org/presentationml/2006/ole">
             <mc:AlternateContent xmlns:mc="http://schemas.openxmlformats.org/markup-compatibility/2006">
               <mc:Choice xmlns:v="urn:schemas-microsoft-com:vml" Requires="v">
-                <p:oleObj name="Worksheet" r:id="rId10" imgW="12062425" imgH="2384878" progId="Excel.Sheet.12">
+                <p:oleObj spid="_x0000_s36870" name="Worksheet" r:id="rId11" imgW="12062425" imgH="2384878" progId="Excel.Sheet.12">
                   <p:embed/>
                 </p:oleObj>
               </mc:Choice>
               <mc:Fallback>
-                <p:oleObj name="Worksheet" r:id="rId10" imgW="12062425" imgH="2384878" progId="Excel.Sheet.12">
+                <p:oleObj name="Worksheet" r:id="rId11" imgW="12062425" imgH="2384878" progId="Excel.Sheet.12">
                   <p:embed/>
                   <p:pic>
                     <p:nvPicPr>
@@ -21042,7 +21046,7 @@
                       <p:nvPr/>
                     </p:nvPicPr>
                     <p:blipFill>
-                      <a:blip r:embed="rId11"/>
+                      <a:blip r:embed="rId12"/>
                       <a:stretch>
                         <a:fillRect/>
                       </a:stretch>
@@ -21091,12 +21095,12 @@
           <a:graphicData uri="http://schemas.openxmlformats.org/presentationml/2006/ole">
             <mc:AlternateContent xmlns:mc="http://schemas.openxmlformats.org/markup-compatibility/2006">
               <mc:Choice xmlns:v="urn:schemas-microsoft-com:vml" Requires="v">
-                <p:oleObj name="Worksheet" r:id="rId12" imgW="2445914" imgH="830635" progId="Excel.Sheet.12">
+                <p:oleObj spid="_x0000_s36871" name="Worksheet" r:id="rId13" imgW="2445914" imgH="830635" progId="Excel.Sheet.12">
                   <p:embed/>
                 </p:oleObj>
               </mc:Choice>
               <mc:Fallback>
-                <p:oleObj name="Worksheet" r:id="rId12" imgW="2445914" imgH="830635" progId="Excel.Sheet.12">
+                <p:oleObj name="Worksheet" r:id="rId13" imgW="2445914" imgH="830635" progId="Excel.Sheet.12">
                   <p:embed/>
                   <p:pic>
                     <p:nvPicPr>
@@ -21111,7 +21115,7 @@
                       <p:nvPr/>
                     </p:nvPicPr>
                     <p:blipFill>
-                      <a:blip r:embed="rId13"/>
+                      <a:blip r:embed="rId14"/>
                       <a:stretch>
                         <a:fillRect/>
                       </a:stretch>
@@ -21184,12 +21188,12 @@
           <a:graphicData uri="http://schemas.openxmlformats.org/presentationml/2006/ole">
             <mc:AlternateContent xmlns:mc="http://schemas.openxmlformats.org/markup-compatibility/2006">
               <mc:Choice xmlns:v="urn:schemas-microsoft-com:vml" Requires="v">
-                <p:oleObj name="Worksheet" r:id="rId2" imgW="5494055" imgH="213202" progId="Excel.Sheet.12">
+                <p:oleObj spid="_x0000_s3074" name="Worksheet" r:id="rId3" imgW="5494055" imgH="213202" progId="Excel.Sheet.12">
                   <p:embed/>
                 </p:oleObj>
               </mc:Choice>
               <mc:Fallback>
-                <p:oleObj name="Worksheet" r:id="rId2" imgW="5494055" imgH="213202" progId="Excel.Sheet.12">
+                <p:oleObj name="Worksheet" r:id="rId3" imgW="5494055" imgH="213202" progId="Excel.Sheet.12">
                   <p:embed/>
                   <p:pic>
                     <p:nvPicPr>
@@ -21204,7 +21208,7 @@
                       <p:nvPr/>
                     </p:nvPicPr>
                     <p:blipFill>
-                      <a:blip r:embed="rId3"/>
+                      <a:blip r:embed="rId4"/>
                       <a:stretch>
                         <a:fillRect/>
                       </a:stretch>
@@ -21247,12 +21251,12 @@
           <a:graphicData uri="http://schemas.openxmlformats.org/presentationml/2006/ole">
             <mc:AlternateContent xmlns:mc="http://schemas.openxmlformats.org/markup-compatibility/2006">
               <mc:Choice xmlns:v="urn:schemas-microsoft-com:vml" Requires="v">
-                <p:oleObj name="Worksheet" r:id="rId4" imgW="4061637" imgH="830635" progId="Excel.Sheet.12">
+                <p:oleObj spid="_x0000_s3075" name="Worksheet" r:id="rId5" imgW="4061637" imgH="830635" progId="Excel.Sheet.12">
                   <p:embed/>
                 </p:oleObj>
               </mc:Choice>
               <mc:Fallback>
-                <p:oleObj name="Worksheet" r:id="rId4" imgW="4061637" imgH="830635" progId="Excel.Sheet.12">
+                <p:oleObj name="Worksheet" r:id="rId5" imgW="4061637" imgH="830635" progId="Excel.Sheet.12">
                   <p:embed/>
                   <p:pic>
                     <p:nvPicPr>
@@ -21267,7 +21271,7 @@
                       <p:nvPr/>
                     </p:nvPicPr>
                     <p:blipFill>
-                      <a:blip r:embed="rId5"/>
+                      <a:blip r:embed="rId6"/>
                       <a:stretch>
                         <a:fillRect/>
                       </a:stretch>
@@ -21316,12 +21320,12 @@
           <a:graphicData uri="http://schemas.openxmlformats.org/presentationml/2006/ole">
             <mc:AlternateContent xmlns:mc="http://schemas.openxmlformats.org/markup-compatibility/2006">
               <mc:Choice xmlns:v="urn:schemas-microsoft-com:vml" Requires="v">
-                <p:oleObj name="Worksheet" r:id="rId6" imgW="4061637" imgH="419155" progId="Excel.Sheet.12">
+                <p:oleObj spid="_x0000_s3076" name="Worksheet" r:id="rId7" imgW="4061637" imgH="419155" progId="Excel.Sheet.12">
                   <p:embed/>
                 </p:oleObj>
               </mc:Choice>
               <mc:Fallback>
-                <p:oleObj name="Worksheet" r:id="rId6" imgW="4061637" imgH="419155" progId="Excel.Sheet.12">
+                <p:oleObj name="Worksheet" r:id="rId7" imgW="4061637" imgH="419155" progId="Excel.Sheet.12">
                   <p:embed/>
                   <p:pic>
                     <p:nvPicPr>
@@ -21336,7 +21340,7 @@
                       <p:nvPr/>
                     </p:nvPicPr>
                     <p:blipFill>
-                      <a:blip r:embed="rId7"/>
+                      <a:blip r:embed="rId8"/>
                       <a:stretch>
                         <a:fillRect/>
                       </a:stretch>
@@ -21385,12 +21389,12 @@
           <a:graphicData uri="http://schemas.openxmlformats.org/presentationml/2006/ole">
             <mc:AlternateContent xmlns:mc="http://schemas.openxmlformats.org/markup-compatibility/2006">
               <mc:Choice xmlns:v="urn:schemas-microsoft-com:vml" Requires="v">
-                <p:oleObj name="Worksheet" r:id="rId8" imgW="4061637" imgH="419155" progId="Excel.Sheet.12">
+                <p:oleObj spid="_x0000_s3077" name="Worksheet" r:id="rId9" imgW="4061637" imgH="419155" progId="Excel.Sheet.12">
                   <p:embed/>
                 </p:oleObj>
               </mc:Choice>
               <mc:Fallback>
-                <p:oleObj name="Worksheet" r:id="rId8" imgW="4061637" imgH="419155" progId="Excel.Sheet.12">
+                <p:oleObj name="Worksheet" r:id="rId9" imgW="4061637" imgH="419155" progId="Excel.Sheet.12">
                   <p:embed/>
                   <p:pic>
                     <p:nvPicPr>
@@ -21405,7 +21409,7 @@
                       <p:nvPr/>
                     </p:nvPicPr>
                     <p:blipFill>
-                      <a:blip r:embed="rId9"/>
+                      <a:blip r:embed="rId10"/>
                       <a:stretch>
                         <a:fillRect/>
                       </a:stretch>
@@ -21454,12 +21458,12 @@
           <a:graphicData uri="http://schemas.openxmlformats.org/presentationml/2006/ole">
             <mc:AlternateContent xmlns:mc="http://schemas.openxmlformats.org/markup-compatibility/2006">
               <mc:Choice xmlns:v="urn:schemas-microsoft-com:vml" Requires="v">
-                <p:oleObj name="Worksheet" r:id="rId10" imgW="12062425" imgH="2384878" progId="Excel.Sheet.12">
+                <p:oleObj spid="_x0000_s3078" name="Worksheet" r:id="rId11" imgW="12062425" imgH="2384878" progId="Excel.Sheet.12">
                   <p:embed/>
                 </p:oleObj>
               </mc:Choice>
               <mc:Fallback>
-                <p:oleObj name="Worksheet" r:id="rId10" imgW="12062425" imgH="2384878" progId="Excel.Sheet.12">
+                <p:oleObj name="Worksheet" r:id="rId11" imgW="12062425" imgH="2384878" progId="Excel.Sheet.12">
                   <p:embed/>
                   <p:pic>
                     <p:nvPicPr>
@@ -21474,7 +21478,7 @@
                       <p:nvPr/>
                     </p:nvPicPr>
                     <p:blipFill>
-                      <a:blip r:embed="rId11"/>
+                      <a:blip r:embed="rId12"/>
                       <a:stretch>
                         <a:fillRect/>
                       </a:stretch>
@@ -21665,12 +21669,12 @@
           <a:graphicData uri="http://schemas.openxmlformats.org/presentationml/2006/ole">
             <mc:AlternateContent xmlns:mc="http://schemas.openxmlformats.org/markup-compatibility/2006">
               <mc:Choice xmlns:v="urn:schemas-microsoft-com:vml" Requires="v">
-                <p:oleObj name="Worksheet" r:id="rId12" imgW="2445914" imgH="830635" progId="Excel.Sheet.12">
+                <p:oleObj spid="_x0000_s3079" name="Worksheet" r:id="rId13" imgW="2445914" imgH="830635" progId="Excel.Sheet.12">
                   <p:embed/>
                 </p:oleObj>
               </mc:Choice>
               <mc:Fallback>
-                <p:oleObj name="Worksheet" r:id="rId12" imgW="2445914" imgH="830635" progId="Excel.Sheet.12">
+                <p:oleObj name="Worksheet" r:id="rId13" imgW="2445914" imgH="830635" progId="Excel.Sheet.12">
                   <p:embed/>
                   <p:pic>
                     <p:nvPicPr>
@@ -21685,7 +21689,7 @@
                       <p:nvPr/>
                     </p:nvPicPr>
                     <p:blipFill>
-                      <a:blip r:embed="rId13"/>
+                      <a:blip r:embed="rId14"/>
                       <a:stretch>
                         <a:fillRect/>
                       </a:stretch>
@@ -21758,12 +21762,12 @@
           <a:graphicData uri="http://schemas.openxmlformats.org/presentationml/2006/ole">
             <mc:AlternateContent xmlns:mc="http://schemas.openxmlformats.org/markup-compatibility/2006">
               <mc:Choice xmlns:v="urn:schemas-microsoft-com:vml" Requires="v">
-                <p:oleObj name="Worksheet" r:id="rId2" imgW="5494055" imgH="213202" progId="Excel.Sheet.12">
+                <p:oleObj spid="_x0000_s4098" name="Worksheet" r:id="rId3" imgW="5494055" imgH="213202" progId="Excel.Sheet.12">
                   <p:embed/>
                 </p:oleObj>
               </mc:Choice>
               <mc:Fallback>
-                <p:oleObj name="Worksheet" r:id="rId2" imgW="5494055" imgH="213202" progId="Excel.Sheet.12">
+                <p:oleObj name="Worksheet" r:id="rId3" imgW="5494055" imgH="213202" progId="Excel.Sheet.12">
                   <p:embed/>
                   <p:pic>
                     <p:nvPicPr>
@@ -21778,7 +21782,7 @@
                       <p:nvPr/>
                     </p:nvPicPr>
                     <p:blipFill>
-                      <a:blip r:embed="rId3"/>
+                      <a:blip r:embed="rId4"/>
                       <a:stretch>
                         <a:fillRect/>
                       </a:stretch>
@@ -21821,12 +21825,12 @@
           <a:graphicData uri="http://schemas.openxmlformats.org/presentationml/2006/ole">
             <mc:AlternateContent xmlns:mc="http://schemas.openxmlformats.org/markup-compatibility/2006">
               <mc:Choice xmlns:v="urn:schemas-microsoft-com:vml" Requires="v">
-                <p:oleObj name="Worksheet" r:id="rId4" imgW="4061637" imgH="830635" progId="Excel.Sheet.12">
+                <p:oleObj spid="_x0000_s4099" name="Worksheet" r:id="rId5" imgW="4061637" imgH="830635" progId="Excel.Sheet.12">
                   <p:embed/>
                 </p:oleObj>
               </mc:Choice>
               <mc:Fallback>
-                <p:oleObj name="Worksheet" r:id="rId4" imgW="4061637" imgH="830635" progId="Excel.Sheet.12">
+                <p:oleObj name="Worksheet" r:id="rId5" imgW="4061637" imgH="830635" progId="Excel.Sheet.12">
                   <p:embed/>
                   <p:pic>
                     <p:nvPicPr>
@@ -21841,7 +21845,7 @@
                       <p:nvPr/>
                     </p:nvPicPr>
                     <p:blipFill>
-                      <a:blip r:embed="rId5"/>
+                      <a:blip r:embed="rId6"/>
                       <a:stretch>
                         <a:fillRect/>
                       </a:stretch>
@@ -21890,12 +21894,12 @@
           <a:graphicData uri="http://schemas.openxmlformats.org/presentationml/2006/ole">
             <mc:AlternateContent xmlns:mc="http://schemas.openxmlformats.org/markup-compatibility/2006">
               <mc:Choice xmlns:v="urn:schemas-microsoft-com:vml" Requires="v">
-                <p:oleObj name="Worksheet" r:id="rId6" imgW="4061637" imgH="419155" progId="Excel.Sheet.12">
+                <p:oleObj spid="_x0000_s4100" name="Worksheet" r:id="rId7" imgW="4061637" imgH="419155" progId="Excel.Sheet.12">
                   <p:embed/>
                 </p:oleObj>
               </mc:Choice>
               <mc:Fallback>
-                <p:oleObj name="Worksheet" r:id="rId6" imgW="4061637" imgH="419155" progId="Excel.Sheet.12">
+                <p:oleObj name="Worksheet" r:id="rId7" imgW="4061637" imgH="419155" progId="Excel.Sheet.12">
                   <p:embed/>
                   <p:pic>
                     <p:nvPicPr>
@@ -21910,7 +21914,7 @@
                       <p:nvPr/>
                     </p:nvPicPr>
                     <p:blipFill>
-                      <a:blip r:embed="rId7"/>
+                      <a:blip r:embed="rId8"/>
                       <a:stretch>
                         <a:fillRect/>
                       </a:stretch>
@@ -21959,12 +21963,12 @@
           <a:graphicData uri="http://schemas.openxmlformats.org/presentationml/2006/ole">
             <mc:AlternateContent xmlns:mc="http://schemas.openxmlformats.org/markup-compatibility/2006">
               <mc:Choice xmlns:v="urn:schemas-microsoft-com:vml" Requires="v">
-                <p:oleObj name="Worksheet" r:id="rId8" imgW="4061637" imgH="419155" progId="Excel.Sheet.12">
+                <p:oleObj spid="_x0000_s4101" name="Worksheet" r:id="rId9" imgW="4061637" imgH="419155" progId="Excel.Sheet.12">
                   <p:embed/>
                 </p:oleObj>
               </mc:Choice>
               <mc:Fallback>
-                <p:oleObj name="Worksheet" r:id="rId8" imgW="4061637" imgH="419155" progId="Excel.Sheet.12">
+                <p:oleObj name="Worksheet" r:id="rId9" imgW="4061637" imgH="419155" progId="Excel.Sheet.12">
                   <p:embed/>
                   <p:pic>
                     <p:nvPicPr>
@@ -21979,7 +21983,7 @@
                       <p:nvPr/>
                     </p:nvPicPr>
                     <p:blipFill>
-                      <a:blip r:embed="rId9"/>
+                      <a:blip r:embed="rId10"/>
                       <a:stretch>
                         <a:fillRect/>
                       </a:stretch>
@@ -22022,12 +22026,12 @@
           <a:graphicData uri="http://schemas.openxmlformats.org/presentationml/2006/ole">
             <mc:AlternateContent xmlns:mc="http://schemas.openxmlformats.org/markup-compatibility/2006">
               <mc:Choice xmlns:v="urn:schemas-microsoft-com:vml" Requires="v">
-                <p:oleObj name="Worksheet" r:id="rId10" imgW="12062425" imgH="2384878" progId="Excel.Sheet.12">
+                <p:oleObj spid="_x0000_s4102" name="Worksheet" r:id="rId11" imgW="12062425" imgH="2384878" progId="Excel.Sheet.12">
                   <p:embed/>
                 </p:oleObj>
               </mc:Choice>
               <mc:Fallback>
-                <p:oleObj name="Worksheet" r:id="rId10" imgW="12062425" imgH="2384878" progId="Excel.Sheet.12">
+                <p:oleObj name="Worksheet" r:id="rId11" imgW="12062425" imgH="2384878" progId="Excel.Sheet.12">
                   <p:embed/>
                   <p:pic>
                     <p:nvPicPr>
@@ -22042,7 +22046,7 @@
                       <p:nvPr/>
                     </p:nvPicPr>
                     <p:blipFill>
-                      <a:blip r:embed="rId11"/>
+                      <a:blip r:embed="rId12"/>
                       <a:stretch>
                         <a:fillRect/>
                       </a:stretch>
@@ -22299,12 +22303,12 @@
           <a:graphicData uri="http://schemas.openxmlformats.org/presentationml/2006/ole">
             <mc:AlternateContent xmlns:mc="http://schemas.openxmlformats.org/markup-compatibility/2006">
               <mc:Choice xmlns:v="urn:schemas-microsoft-com:vml" Requires="v">
-                <p:oleObj name="Worksheet" r:id="rId12" imgW="2445914" imgH="830635" progId="Excel.Sheet.12">
+                <p:oleObj spid="_x0000_s4103" name="Worksheet" r:id="rId13" imgW="2445914" imgH="830635" progId="Excel.Sheet.12">
                   <p:embed/>
                 </p:oleObj>
               </mc:Choice>
               <mc:Fallback>
-                <p:oleObj name="Worksheet" r:id="rId12" imgW="2445914" imgH="830635" progId="Excel.Sheet.12">
+                <p:oleObj name="Worksheet" r:id="rId13" imgW="2445914" imgH="830635" progId="Excel.Sheet.12">
                   <p:embed/>
                   <p:pic>
                     <p:nvPicPr>
@@ -22313,7 +22317,7 @@
                       <p:nvPr/>
                     </p:nvPicPr>
                     <p:blipFill>
-                      <a:blip r:embed="rId13"/>
+                      <a:blip r:embed="rId14"/>
                       <a:stretch>
                         <a:fillRect/>
                       </a:stretch>
@@ -22386,12 +22390,12 @@
           <a:graphicData uri="http://schemas.openxmlformats.org/presentationml/2006/ole">
             <mc:AlternateContent xmlns:mc="http://schemas.openxmlformats.org/markup-compatibility/2006">
               <mc:Choice xmlns:v="urn:schemas-microsoft-com:vml" Requires="v">
-                <p:oleObj name="Worksheet" r:id="rId2" imgW="5494055" imgH="213202" progId="Excel.Sheet.12">
+                <p:oleObj spid="_x0000_s5122" name="Worksheet" r:id="rId3" imgW="5494055" imgH="213202" progId="Excel.Sheet.12">
                   <p:embed/>
                 </p:oleObj>
               </mc:Choice>
               <mc:Fallback>
-                <p:oleObj name="Worksheet" r:id="rId2" imgW="5494055" imgH="213202" progId="Excel.Sheet.12">
+                <p:oleObj name="Worksheet" r:id="rId3" imgW="5494055" imgH="213202" progId="Excel.Sheet.12">
                   <p:embed/>
                   <p:pic>
                     <p:nvPicPr>
@@ -22406,7 +22410,7 @@
                       <p:nvPr/>
                     </p:nvPicPr>
                     <p:blipFill>
-                      <a:blip r:embed="rId3"/>
+                      <a:blip r:embed="rId4"/>
                       <a:stretch>
                         <a:fillRect/>
                       </a:stretch>
@@ -22449,12 +22453,12 @@
           <a:graphicData uri="http://schemas.openxmlformats.org/presentationml/2006/ole">
             <mc:AlternateContent xmlns:mc="http://schemas.openxmlformats.org/markup-compatibility/2006">
               <mc:Choice xmlns:v="urn:schemas-microsoft-com:vml" Requires="v">
-                <p:oleObj name="Worksheet" r:id="rId4" imgW="4061637" imgH="830635" progId="Excel.Sheet.12">
+                <p:oleObj spid="_x0000_s5123" name="Worksheet" r:id="rId5" imgW="4061637" imgH="830635" progId="Excel.Sheet.12">
                   <p:embed/>
                 </p:oleObj>
               </mc:Choice>
               <mc:Fallback>
-                <p:oleObj name="Worksheet" r:id="rId4" imgW="4061637" imgH="830635" progId="Excel.Sheet.12">
+                <p:oleObj name="Worksheet" r:id="rId5" imgW="4061637" imgH="830635" progId="Excel.Sheet.12">
                   <p:embed/>
                   <p:pic>
                     <p:nvPicPr>
@@ -22469,7 +22473,7 @@
                       <p:nvPr/>
                     </p:nvPicPr>
                     <p:blipFill>
-                      <a:blip r:embed="rId5"/>
+                      <a:blip r:embed="rId6"/>
                       <a:stretch>
                         <a:fillRect/>
                       </a:stretch>
@@ -22518,12 +22522,12 @@
           <a:graphicData uri="http://schemas.openxmlformats.org/presentationml/2006/ole">
             <mc:AlternateContent xmlns:mc="http://schemas.openxmlformats.org/markup-compatibility/2006">
               <mc:Choice xmlns:v="urn:schemas-microsoft-com:vml" Requires="v">
-                <p:oleObj name="Worksheet" r:id="rId6" imgW="4061637" imgH="419155" progId="Excel.Sheet.12">
+                <p:oleObj spid="_x0000_s5124" name="Worksheet" r:id="rId7" imgW="4061637" imgH="419155" progId="Excel.Sheet.12">
                   <p:embed/>
                 </p:oleObj>
               </mc:Choice>
               <mc:Fallback>
-                <p:oleObj name="Worksheet" r:id="rId6" imgW="4061637" imgH="419155" progId="Excel.Sheet.12">
+                <p:oleObj name="Worksheet" r:id="rId7" imgW="4061637" imgH="419155" progId="Excel.Sheet.12">
                   <p:embed/>
                   <p:pic>
                     <p:nvPicPr>
@@ -22538,7 +22542,7 @@
                       <p:nvPr/>
                     </p:nvPicPr>
                     <p:blipFill>
-                      <a:blip r:embed="rId7"/>
+                      <a:blip r:embed="rId8"/>
                       <a:stretch>
                         <a:fillRect/>
                       </a:stretch>
@@ -22581,12 +22585,12 @@
           <a:graphicData uri="http://schemas.openxmlformats.org/presentationml/2006/ole">
             <mc:AlternateContent xmlns:mc="http://schemas.openxmlformats.org/markup-compatibility/2006">
               <mc:Choice xmlns:v="urn:schemas-microsoft-com:vml" Requires="v">
-                <p:oleObj name="Worksheet" r:id="rId8" imgW="4061637" imgH="419155" progId="Excel.Sheet.12">
+                <p:oleObj spid="_x0000_s5125" name="Worksheet" r:id="rId9" imgW="4061637" imgH="419155" progId="Excel.Sheet.12">
                   <p:embed/>
                 </p:oleObj>
               </mc:Choice>
               <mc:Fallback>
-                <p:oleObj name="Worksheet" r:id="rId8" imgW="4061637" imgH="419155" progId="Excel.Sheet.12">
+                <p:oleObj name="Worksheet" r:id="rId9" imgW="4061637" imgH="419155" progId="Excel.Sheet.12">
                   <p:embed/>
                   <p:pic>
                     <p:nvPicPr>
@@ -22601,7 +22605,7 @@
                       <p:nvPr/>
                     </p:nvPicPr>
                     <p:blipFill>
-                      <a:blip r:embed="rId9"/>
+                      <a:blip r:embed="rId10"/>
                       <a:stretch>
                         <a:fillRect/>
                       </a:stretch>
@@ -22644,12 +22648,12 @@
           <a:graphicData uri="http://schemas.openxmlformats.org/presentationml/2006/ole">
             <mc:AlternateContent xmlns:mc="http://schemas.openxmlformats.org/markup-compatibility/2006">
               <mc:Choice xmlns:v="urn:schemas-microsoft-com:vml" Requires="v">
-                <p:oleObj name="Worksheet" r:id="rId10" imgW="12062425" imgH="2384878" progId="Excel.Sheet.12">
+                <p:oleObj spid="_x0000_s5126" name="Worksheet" r:id="rId11" imgW="12062425" imgH="2384878" progId="Excel.Sheet.12">
                   <p:embed/>
                 </p:oleObj>
               </mc:Choice>
               <mc:Fallback>
-                <p:oleObj name="Worksheet" r:id="rId10" imgW="12062425" imgH="2384878" progId="Excel.Sheet.12">
+                <p:oleObj name="Worksheet" r:id="rId11" imgW="12062425" imgH="2384878" progId="Excel.Sheet.12">
                   <p:embed/>
                   <p:pic>
                     <p:nvPicPr>
@@ -22664,7 +22668,7 @@
                       <p:nvPr/>
                     </p:nvPicPr>
                     <p:blipFill>
-                      <a:blip r:embed="rId11"/>
+                      <a:blip r:embed="rId12"/>
                       <a:stretch>
                         <a:fillRect/>
                       </a:stretch>
@@ -22863,12 +22867,12 @@
           <a:graphicData uri="http://schemas.openxmlformats.org/presentationml/2006/ole">
             <mc:AlternateContent xmlns:mc="http://schemas.openxmlformats.org/markup-compatibility/2006">
               <mc:Choice xmlns:v="urn:schemas-microsoft-com:vml" Requires="v">
-                <p:oleObj name="Worksheet" r:id="rId12" imgW="2445914" imgH="830635" progId="Excel.Sheet.12">
+                <p:oleObj spid="_x0000_s5127" name="Worksheet" r:id="rId13" imgW="2445914" imgH="830635" progId="Excel.Sheet.12">
                   <p:embed/>
                 </p:oleObj>
               </mc:Choice>
               <mc:Fallback>
-                <p:oleObj name="Worksheet" r:id="rId12" imgW="2445914" imgH="830635" progId="Excel.Sheet.12">
+                <p:oleObj name="Worksheet" r:id="rId13" imgW="2445914" imgH="830635" progId="Excel.Sheet.12">
                   <p:embed/>
                   <p:pic>
                     <p:nvPicPr>
@@ -22883,7 +22887,7 @@
                       <p:nvPr/>
                     </p:nvPicPr>
                     <p:blipFill>
-                      <a:blip r:embed="rId13"/>
+                      <a:blip r:embed="rId14"/>
                       <a:stretch>
                         <a:fillRect/>
                       </a:stretch>
@@ -22994,12 +22998,12 @@
           <a:graphicData uri="http://schemas.openxmlformats.org/presentationml/2006/ole">
             <mc:AlternateContent xmlns:mc="http://schemas.openxmlformats.org/markup-compatibility/2006">
               <mc:Choice xmlns:v="urn:schemas-microsoft-com:vml" Requires="v">
-                <p:oleObj name="Worksheet" r:id="rId2" imgW="5494055" imgH="213202" progId="Excel.Sheet.12">
+                <p:oleObj spid="_x0000_s6146" name="Worksheet" r:id="rId3" imgW="5494055" imgH="213202" progId="Excel.Sheet.12">
                   <p:embed/>
                 </p:oleObj>
               </mc:Choice>
               <mc:Fallback>
-                <p:oleObj name="Worksheet" r:id="rId2" imgW="5494055" imgH="213202" progId="Excel.Sheet.12">
+                <p:oleObj name="Worksheet" r:id="rId3" imgW="5494055" imgH="213202" progId="Excel.Sheet.12">
                   <p:embed/>
                   <p:pic>
                     <p:nvPicPr>
@@ -23014,7 +23018,7 @@
                       <p:nvPr/>
                     </p:nvPicPr>
                     <p:blipFill>
-                      <a:blip r:embed="rId3"/>
+                      <a:blip r:embed="rId4"/>
                       <a:stretch>
                         <a:fillRect/>
                       </a:stretch>
@@ -23057,12 +23061,12 @@
           <a:graphicData uri="http://schemas.openxmlformats.org/presentationml/2006/ole">
             <mc:AlternateContent xmlns:mc="http://schemas.openxmlformats.org/markup-compatibility/2006">
               <mc:Choice xmlns:v="urn:schemas-microsoft-com:vml" Requires="v">
-                <p:oleObj name="Worksheet" r:id="rId4" imgW="4061637" imgH="830635" progId="Excel.Sheet.12">
+                <p:oleObj spid="_x0000_s6147" name="Worksheet" r:id="rId5" imgW="4061637" imgH="830635" progId="Excel.Sheet.12">
                   <p:embed/>
                 </p:oleObj>
               </mc:Choice>
               <mc:Fallback>
-                <p:oleObj name="Worksheet" r:id="rId4" imgW="4061637" imgH="830635" progId="Excel.Sheet.12">
+                <p:oleObj name="Worksheet" r:id="rId5" imgW="4061637" imgH="830635" progId="Excel.Sheet.12">
                   <p:embed/>
                   <p:pic>
                     <p:nvPicPr>
@@ -23077,7 +23081,7 @@
                       <p:nvPr/>
                     </p:nvPicPr>
                     <p:blipFill>
-                      <a:blip r:embed="rId5"/>
+                      <a:blip r:embed="rId6"/>
                       <a:stretch>
                         <a:fillRect/>
                       </a:stretch>
@@ -23126,12 +23130,12 @@
           <a:graphicData uri="http://schemas.openxmlformats.org/presentationml/2006/ole">
             <mc:AlternateContent xmlns:mc="http://schemas.openxmlformats.org/markup-compatibility/2006">
               <mc:Choice xmlns:v="urn:schemas-microsoft-com:vml" Requires="v">
-                <p:oleObj name="Worksheet" r:id="rId6" imgW="4061637" imgH="419155" progId="Excel.Sheet.12">
+                <p:oleObj spid="_x0000_s6148" name="Worksheet" r:id="rId7" imgW="4061637" imgH="419155" progId="Excel.Sheet.12">
                   <p:embed/>
                 </p:oleObj>
               </mc:Choice>
               <mc:Fallback>
-                <p:oleObj name="Worksheet" r:id="rId6" imgW="4061637" imgH="419155" progId="Excel.Sheet.12">
+                <p:oleObj name="Worksheet" r:id="rId7" imgW="4061637" imgH="419155" progId="Excel.Sheet.12">
                   <p:embed/>
                   <p:pic>
                     <p:nvPicPr>
@@ -23146,7 +23150,7 @@
                       <p:nvPr/>
                     </p:nvPicPr>
                     <p:blipFill>
-                      <a:blip r:embed="rId7"/>
+                      <a:blip r:embed="rId8"/>
                       <a:stretch>
                         <a:fillRect/>
                       </a:stretch>
@@ -23195,12 +23199,12 @@
           <a:graphicData uri="http://schemas.openxmlformats.org/presentationml/2006/ole">
             <mc:AlternateContent xmlns:mc="http://schemas.openxmlformats.org/markup-compatibility/2006">
               <mc:Choice xmlns:v="urn:schemas-microsoft-com:vml" Requires="v">
-                <p:oleObj name="Worksheet" r:id="rId8" imgW="4061637" imgH="419155" progId="Excel.Sheet.12">
+                <p:oleObj spid="_x0000_s6149" name="Worksheet" r:id="rId9" imgW="4061637" imgH="419155" progId="Excel.Sheet.12">
                   <p:embed/>
                 </p:oleObj>
               </mc:Choice>
               <mc:Fallback>
-                <p:oleObj name="Worksheet" r:id="rId8" imgW="4061637" imgH="419155" progId="Excel.Sheet.12">
+                <p:oleObj name="Worksheet" r:id="rId9" imgW="4061637" imgH="419155" progId="Excel.Sheet.12">
                   <p:embed/>
                   <p:pic>
                     <p:nvPicPr>
@@ -23215,7 +23219,7 @@
                       <p:nvPr/>
                     </p:nvPicPr>
                     <p:blipFill>
-                      <a:blip r:embed="rId9"/>
+                      <a:blip r:embed="rId10"/>
                       <a:stretch>
                         <a:fillRect/>
                       </a:stretch>
@@ -23264,12 +23268,12 @@
           <a:graphicData uri="http://schemas.openxmlformats.org/presentationml/2006/ole">
             <mc:AlternateContent xmlns:mc="http://schemas.openxmlformats.org/markup-compatibility/2006">
               <mc:Choice xmlns:v="urn:schemas-microsoft-com:vml" Requires="v">
-                <p:oleObj name="Worksheet" r:id="rId10" imgW="12062425" imgH="2384878" progId="Excel.Sheet.12">
+                <p:oleObj spid="_x0000_s6150" name="Worksheet" r:id="rId11" imgW="12062425" imgH="2384878" progId="Excel.Sheet.12">
                   <p:embed/>
                 </p:oleObj>
               </mc:Choice>
               <mc:Fallback>
-                <p:oleObj name="Worksheet" r:id="rId10" imgW="12062425" imgH="2384878" progId="Excel.Sheet.12">
+                <p:oleObj name="Worksheet" r:id="rId11" imgW="12062425" imgH="2384878" progId="Excel.Sheet.12">
                   <p:embed/>
                   <p:pic>
                     <p:nvPicPr>
@@ -23284,7 +23288,7 @@
                       <p:nvPr/>
                     </p:nvPicPr>
                     <p:blipFill>
-                      <a:blip r:embed="rId11"/>
+                      <a:blip r:embed="rId12"/>
                       <a:stretch>
                         <a:fillRect/>
                       </a:stretch>
@@ -23527,12 +23531,12 @@
           <a:graphicData uri="http://schemas.openxmlformats.org/presentationml/2006/ole">
             <mc:AlternateContent xmlns:mc="http://schemas.openxmlformats.org/markup-compatibility/2006">
               <mc:Choice xmlns:v="urn:schemas-microsoft-com:vml" Requires="v">
-                <p:oleObj name="Worksheet" r:id="rId12" imgW="2445914" imgH="830635" progId="Excel.Sheet.12">
+                <p:oleObj spid="_x0000_s6151" name="Worksheet" r:id="rId13" imgW="2445914" imgH="830635" progId="Excel.Sheet.12">
                   <p:embed/>
                 </p:oleObj>
               </mc:Choice>
               <mc:Fallback>
-                <p:oleObj name="Worksheet" r:id="rId12" imgW="2445914" imgH="830635" progId="Excel.Sheet.12">
+                <p:oleObj name="Worksheet" r:id="rId13" imgW="2445914" imgH="830635" progId="Excel.Sheet.12">
                   <p:embed/>
                   <p:pic>
                     <p:nvPicPr>
@@ -23547,7 +23551,7 @@
                       <p:nvPr/>
                     </p:nvPicPr>
                     <p:blipFill>
-                      <a:blip r:embed="rId13"/>
+                      <a:blip r:embed="rId14"/>
                       <a:stretch>
                         <a:fillRect/>
                       </a:stretch>
@@ -23620,12 +23624,12 @@
           <a:graphicData uri="http://schemas.openxmlformats.org/presentationml/2006/ole">
             <mc:AlternateContent xmlns:mc="http://schemas.openxmlformats.org/markup-compatibility/2006">
               <mc:Choice xmlns:v="urn:schemas-microsoft-com:vml" Requires="v">
-                <p:oleObj name="Worksheet" r:id="rId2" imgW="5494055" imgH="213202" progId="Excel.Sheet.12">
+                <p:oleObj spid="_x0000_s7170" name="Worksheet" r:id="rId3" imgW="5494055" imgH="213202" progId="Excel.Sheet.12">
                   <p:embed/>
                 </p:oleObj>
               </mc:Choice>
               <mc:Fallback>
-                <p:oleObj name="Worksheet" r:id="rId2" imgW="5494055" imgH="213202" progId="Excel.Sheet.12">
+                <p:oleObj name="Worksheet" r:id="rId3" imgW="5494055" imgH="213202" progId="Excel.Sheet.12">
                   <p:embed/>
                   <p:pic>
                     <p:nvPicPr>
@@ -23640,7 +23644,7 @@
                       <p:nvPr/>
                     </p:nvPicPr>
                     <p:blipFill>
-                      <a:blip r:embed="rId3"/>
+                      <a:blip r:embed="rId4"/>
                       <a:stretch>
                         <a:fillRect/>
                       </a:stretch>
@@ -23683,12 +23687,12 @@
           <a:graphicData uri="http://schemas.openxmlformats.org/presentationml/2006/ole">
             <mc:AlternateContent xmlns:mc="http://schemas.openxmlformats.org/markup-compatibility/2006">
               <mc:Choice xmlns:v="urn:schemas-microsoft-com:vml" Requires="v">
-                <p:oleObj name="Worksheet" r:id="rId4" imgW="4061637" imgH="830635" progId="Excel.Sheet.12">
+                <p:oleObj spid="_x0000_s7171" name="Worksheet" r:id="rId5" imgW="4061637" imgH="830635" progId="Excel.Sheet.12">
                   <p:embed/>
                 </p:oleObj>
               </mc:Choice>
               <mc:Fallback>
-                <p:oleObj name="Worksheet" r:id="rId4" imgW="4061637" imgH="830635" progId="Excel.Sheet.12">
+                <p:oleObj name="Worksheet" r:id="rId5" imgW="4061637" imgH="830635" progId="Excel.Sheet.12">
                   <p:embed/>
                   <p:pic>
                     <p:nvPicPr>
@@ -23703,7 +23707,7 @@
                       <p:nvPr/>
                     </p:nvPicPr>
                     <p:blipFill>
-                      <a:blip r:embed="rId5"/>
+                      <a:blip r:embed="rId6"/>
                       <a:stretch>
                         <a:fillRect/>
                       </a:stretch>
@@ -23752,12 +23756,12 @@
           <a:graphicData uri="http://schemas.openxmlformats.org/presentationml/2006/ole">
             <mc:AlternateContent xmlns:mc="http://schemas.openxmlformats.org/markup-compatibility/2006">
               <mc:Choice xmlns:v="urn:schemas-microsoft-com:vml" Requires="v">
-                <p:oleObj name="Worksheet" r:id="rId6" imgW="4061637" imgH="419155" progId="Excel.Sheet.12">
+                <p:oleObj spid="_x0000_s7172" name="Worksheet" r:id="rId7" imgW="4061637" imgH="419155" progId="Excel.Sheet.12">
                   <p:embed/>
                 </p:oleObj>
               </mc:Choice>
               <mc:Fallback>
-                <p:oleObj name="Worksheet" r:id="rId6" imgW="4061637" imgH="419155" progId="Excel.Sheet.12">
+                <p:oleObj name="Worksheet" r:id="rId7" imgW="4061637" imgH="419155" progId="Excel.Sheet.12">
                   <p:embed/>
                   <p:pic>
                     <p:nvPicPr>
@@ -23772,7 +23776,7 @@
                       <p:nvPr/>
                     </p:nvPicPr>
                     <p:blipFill>
-                      <a:blip r:embed="rId7"/>
+                      <a:blip r:embed="rId8"/>
                       <a:stretch>
                         <a:fillRect/>
                       </a:stretch>
@@ -23821,12 +23825,12 @@
           <a:graphicData uri="http://schemas.openxmlformats.org/presentationml/2006/ole">
             <mc:AlternateContent xmlns:mc="http://schemas.openxmlformats.org/markup-compatibility/2006">
               <mc:Choice xmlns:v="urn:schemas-microsoft-com:vml" Requires="v">
-                <p:oleObj name="Worksheet" r:id="rId8" imgW="4061637" imgH="419155" progId="Excel.Sheet.12">
+                <p:oleObj spid="_x0000_s7173" name="Worksheet" r:id="rId9" imgW="4061637" imgH="419155" progId="Excel.Sheet.12">
                   <p:embed/>
                 </p:oleObj>
               </mc:Choice>
               <mc:Fallback>
-                <p:oleObj name="Worksheet" r:id="rId8" imgW="4061637" imgH="419155" progId="Excel.Sheet.12">
+                <p:oleObj name="Worksheet" r:id="rId9" imgW="4061637" imgH="419155" progId="Excel.Sheet.12">
                   <p:embed/>
                   <p:pic>
                     <p:nvPicPr>
@@ -23841,7 +23845,7 @@
                       <p:nvPr/>
                     </p:nvPicPr>
                     <p:blipFill>
-                      <a:blip r:embed="rId9"/>
+                      <a:blip r:embed="rId10"/>
                       <a:stretch>
                         <a:fillRect/>
                       </a:stretch>
@@ -23890,12 +23894,12 @@
           <a:graphicData uri="http://schemas.openxmlformats.org/presentationml/2006/ole">
             <mc:AlternateContent xmlns:mc="http://schemas.openxmlformats.org/markup-compatibility/2006">
               <mc:Choice xmlns:v="urn:schemas-microsoft-com:vml" Requires="v">
-                <p:oleObj name="Worksheet" r:id="rId10" imgW="12062425" imgH="2384878" progId="Excel.Sheet.12">
+                <p:oleObj spid="_x0000_s7174" name="Worksheet" r:id="rId11" imgW="12062425" imgH="2384878" progId="Excel.Sheet.12">
                   <p:embed/>
                 </p:oleObj>
               </mc:Choice>
               <mc:Fallback>
-                <p:oleObj name="Worksheet" r:id="rId10" imgW="12062425" imgH="2384878" progId="Excel.Sheet.12">
+                <p:oleObj name="Worksheet" r:id="rId11" imgW="12062425" imgH="2384878" progId="Excel.Sheet.12">
                   <p:embed/>
                   <p:pic>
                     <p:nvPicPr>
@@ -23910,7 +23914,7 @@
                       <p:nvPr/>
                     </p:nvPicPr>
                     <p:blipFill>
-                      <a:blip r:embed="rId11"/>
+                      <a:blip r:embed="rId12"/>
                       <a:stretch>
                         <a:fillRect/>
                       </a:stretch>
@@ -24129,12 +24133,12 @@
           <a:graphicData uri="http://schemas.openxmlformats.org/presentationml/2006/ole">
             <mc:AlternateContent xmlns:mc="http://schemas.openxmlformats.org/markup-compatibility/2006">
               <mc:Choice xmlns:v="urn:schemas-microsoft-com:vml" Requires="v">
-                <p:oleObj name="Worksheet" r:id="rId12" imgW="2445914" imgH="830635" progId="Excel.Sheet.12">
+                <p:oleObj spid="_x0000_s7175" name="Worksheet" r:id="rId13" imgW="2445914" imgH="830635" progId="Excel.Sheet.12">
                   <p:embed/>
                 </p:oleObj>
               </mc:Choice>
               <mc:Fallback>
-                <p:oleObj name="Worksheet" r:id="rId12" imgW="2445914" imgH="830635" progId="Excel.Sheet.12">
+                <p:oleObj name="Worksheet" r:id="rId13" imgW="2445914" imgH="830635" progId="Excel.Sheet.12">
                   <p:embed/>
                   <p:pic>
                     <p:nvPicPr>
@@ -24149,7 +24153,7 @@
                       <p:nvPr/>
                     </p:nvPicPr>
                     <p:blipFill>
-                      <a:blip r:embed="rId13"/>
+                      <a:blip r:embed="rId14"/>
                       <a:stretch>
                         <a:fillRect/>
                       </a:stretch>
@@ -24222,12 +24226,12 @@
           <a:graphicData uri="http://schemas.openxmlformats.org/presentationml/2006/ole">
             <mc:AlternateContent xmlns:mc="http://schemas.openxmlformats.org/markup-compatibility/2006">
               <mc:Choice xmlns:v="urn:schemas-microsoft-com:vml" Requires="v">
-                <p:oleObj name="Worksheet" r:id="rId2" imgW="5494055" imgH="213202" progId="Excel.Sheet.12">
+                <p:oleObj spid="_x0000_s8194" name="Worksheet" r:id="rId3" imgW="5494055" imgH="213202" progId="Excel.Sheet.12">
                   <p:embed/>
                 </p:oleObj>
               </mc:Choice>
               <mc:Fallback>
-                <p:oleObj name="Worksheet" r:id="rId2" imgW="5494055" imgH="213202" progId="Excel.Sheet.12">
+                <p:oleObj name="Worksheet" r:id="rId3" imgW="5494055" imgH="213202" progId="Excel.Sheet.12">
                   <p:embed/>
                   <p:pic>
                     <p:nvPicPr>
@@ -24242,7 +24246,7 @@
                       <p:nvPr/>
                     </p:nvPicPr>
                     <p:blipFill>
-                      <a:blip r:embed="rId3"/>
+                      <a:blip r:embed="rId4"/>
                       <a:stretch>
                         <a:fillRect/>
                       </a:stretch>
@@ -24285,12 +24289,12 @@
           <a:graphicData uri="http://schemas.openxmlformats.org/presentationml/2006/ole">
             <mc:AlternateContent xmlns:mc="http://schemas.openxmlformats.org/markup-compatibility/2006">
               <mc:Choice xmlns:v="urn:schemas-microsoft-com:vml" Requires="v">
-                <p:oleObj name="Worksheet" r:id="rId4" imgW="4061637" imgH="830635" progId="Excel.Sheet.12">
+                <p:oleObj spid="_x0000_s8195" name="Worksheet" r:id="rId5" imgW="4061637" imgH="830635" progId="Excel.Sheet.12">
                   <p:embed/>
                 </p:oleObj>
               </mc:Choice>
               <mc:Fallback>
-                <p:oleObj name="Worksheet" r:id="rId4" imgW="4061637" imgH="830635" progId="Excel.Sheet.12">
+                <p:oleObj name="Worksheet" r:id="rId5" imgW="4061637" imgH="830635" progId="Excel.Sheet.12">
                   <p:embed/>
                   <p:pic>
                     <p:nvPicPr>
@@ -24305,7 +24309,7 @@
                       <p:nvPr/>
                     </p:nvPicPr>
                     <p:blipFill>
-                      <a:blip r:embed="rId5"/>
+                      <a:blip r:embed="rId6"/>
                       <a:stretch>
                         <a:fillRect/>
                       </a:stretch>
@@ -24354,12 +24358,12 @@
           <a:graphicData uri="http://schemas.openxmlformats.org/presentationml/2006/ole">
             <mc:AlternateContent xmlns:mc="http://schemas.openxmlformats.org/markup-compatibility/2006">
               <mc:Choice xmlns:v="urn:schemas-microsoft-com:vml" Requires="v">
-                <p:oleObj name="Worksheet" r:id="rId6" imgW="4061637" imgH="419155" progId="Excel.Sheet.12">
+                <p:oleObj spid="_x0000_s8196" name="Worksheet" r:id="rId7" imgW="4061637" imgH="419155" progId="Excel.Sheet.12">
                   <p:embed/>
                 </p:oleObj>
               </mc:Choice>
               <mc:Fallback>
-                <p:oleObj name="Worksheet" r:id="rId6" imgW="4061637" imgH="419155" progId="Excel.Sheet.12">
+                <p:oleObj name="Worksheet" r:id="rId7" imgW="4061637" imgH="419155" progId="Excel.Sheet.12">
                   <p:embed/>
                   <p:pic>
                     <p:nvPicPr>
@@ -24374,7 +24378,7 @@
                       <p:nvPr/>
                     </p:nvPicPr>
                     <p:blipFill>
-                      <a:blip r:embed="rId7"/>
+                      <a:blip r:embed="rId8"/>
                       <a:stretch>
                         <a:fillRect/>
                       </a:stretch>
@@ -24423,12 +24427,12 @@
           <a:graphicData uri="http://schemas.openxmlformats.org/presentationml/2006/ole">
             <mc:AlternateContent xmlns:mc="http://schemas.openxmlformats.org/markup-compatibility/2006">
               <mc:Choice xmlns:v="urn:schemas-microsoft-com:vml" Requires="v">
-                <p:oleObj name="Worksheet" r:id="rId8" imgW="4061637" imgH="419155" progId="Excel.Sheet.12">
+                <p:oleObj spid="_x0000_s8197" name="Worksheet" r:id="rId9" imgW="4061637" imgH="419155" progId="Excel.Sheet.12">
                   <p:embed/>
                 </p:oleObj>
               </mc:Choice>
               <mc:Fallback>
-                <p:oleObj name="Worksheet" r:id="rId8" imgW="4061637" imgH="419155" progId="Excel.Sheet.12">
+                <p:oleObj name="Worksheet" r:id="rId9" imgW="4061637" imgH="419155" progId="Excel.Sheet.12">
                   <p:embed/>
                   <p:pic>
                     <p:nvPicPr>
@@ -24443,7 +24447,7 @@
                       <p:nvPr/>
                     </p:nvPicPr>
                     <p:blipFill>
-                      <a:blip r:embed="rId9"/>
+                      <a:blip r:embed="rId10"/>
                       <a:stretch>
                         <a:fillRect/>
                       </a:stretch>
@@ -24492,12 +24496,12 @@
           <a:graphicData uri="http://schemas.openxmlformats.org/presentationml/2006/ole">
             <mc:AlternateContent xmlns:mc="http://schemas.openxmlformats.org/markup-compatibility/2006">
               <mc:Choice xmlns:v="urn:schemas-microsoft-com:vml" Requires="v">
-                <p:oleObj name="Worksheet" r:id="rId10" imgW="12062425" imgH="2384878" progId="Excel.Sheet.12">
+                <p:oleObj spid="_x0000_s8198" name="Worksheet" r:id="rId11" imgW="12062425" imgH="2384878" progId="Excel.Sheet.12">
                   <p:embed/>
                 </p:oleObj>
               </mc:Choice>
               <mc:Fallback>
-                <p:oleObj name="Worksheet" r:id="rId10" imgW="12062425" imgH="2384878" progId="Excel.Sheet.12">
+                <p:oleObj name="Worksheet" r:id="rId11" imgW="12062425" imgH="2384878" progId="Excel.Sheet.12">
                   <p:embed/>
                   <p:pic>
                     <p:nvPicPr>
@@ -24512,7 +24516,7 @@
                       <p:nvPr/>
                     </p:nvPicPr>
                     <p:blipFill>
-                      <a:blip r:embed="rId11"/>
+                      <a:blip r:embed="rId12"/>
                       <a:stretch>
                         <a:fillRect/>
                       </a:stretch>
@@ -24703,12 +24707,12 @@
           <a:graphicData uri="http://schemas.openxmlformats.org/presentationml/2006/ole">
             <mc:AlternateContent xmlns:mc="http://schemas.openxmlformats.org/markup-compatibility/2006">
               <mc:Choice xmlns:v="urn:schemas-microsoft-com:vml" Requires="v">
-                <p:oleObj name="Worksheet" r:id="rId12" imgW="2445914" imgH="830635" progId="Excel.Sheet.12">
+                <p:oleObj spid="_x0000_s8199" name="Worksheet" r:id="rId13" imgW="2445914" imgH="830635" progId="Excel.Sheet.12">
                   <p:embed/>
                 </p:oleObj>
               </mc:Choice>
               <mc:Fallback>
-                <p:oleObj name="Worksheet" r:id="rId12" imgW="2445914" imgH="830635" progId="Excel.Sheet.12">
+                <p:oleObj name="Worksheet" r:id="rId13" imgW="2445914" imgH="830635" progId="Excel.Sheet.12">
                   <p:embed/>
                   <p:pic>
                     <p:nvPicPr>
@@ -24723,7 +24727,7 @@
                       <p:nvPr/>
                     </p:nvPicPr>
                     <p:blipFill>
-                      <a:blip r:embed="rId13"/>
+                      <a:blip r:embed="rId14"/>
                       <a:stretch>
                         <a:fillRect/>
                       </a:stretch>
